--- a/Introduction to R.pptx
+++ b/Introduction to R.pptx
@@ -2,7 +2,7 @@
 <file path=ppt/presentation.xml><?xml version="1.0" encoding="utf-8"?>
 <p:presentation xmlns:a="http://schemas.openxmlformats.org/drawingml/2006/main" xmlns:r="http://schemas.openxmlformats.org/officeDocument/2006/relationships" xmlns:p="http://schemas.openxmlformats.org/presentationml/2006/main" saveSubsetFonts="1">
   <p:sldMasterIdLst>
-    <p:sldMasterId id="2147483813" r:id="rId1"/>
+    <p:sldMasterId id="2147483825" r:id="rId1"/>
   </p:sldMasterIdLst>
   <p:notesMasterIdLst>
     <p:notesMasterId r:id="rId59"/>
@@ -19,13 +19,13 @@
     <p:sldId id="265" r:id="rId10"/>
     <p:sldId id="266" r:id="rId11"/>
     <p:sldId id="267" r:id="rId12"/>
-    <p:sldId id="271" r:id="rId13"/>
-    <p:sldId id="268" r:id="rId14"/>
+    <p:sldId id="268" r:id="rId13"/>
+    <p:sldId id="279" r:id="rId14"/>
     <p:sldId id="272" r:id="rId15"/>
     <p:sldId id="273" r:id="rId16"/>
-    <p:sldId id="270" r:id="rId17"/>
-    <p:sldId id="276" r:id="rId18"/>
-    <p:sldId id="279" r:id="rId19"/>
+    <p:sldId id="276" r:id="rId17"/>
+    <p:sldId id="271" r:id="rId18"/>
+    <p:sldId id="270" r:id="rId19"/>
     <p:sldId id="277" r:id="rId20"/>
     <p:sldId id="278" r:id="rId21"/>
     <p:sldId id="280" r:id="rId22"/>
@@ -66,13 +66,13 @@
     <p:sldId id="274" r:id="rId57"/>
     <p:sldId id="275" r:id="rId58"/>
   </p:sldIdLst>
-  <p:sldSz cx="9144000" cy="6858000" type="screen4x3"/>
+  <p:sldSz cx="12192000" cy="6858000"/>
   <p:notesSz cx="6858000" cy="9144000"/>
   <p:defaultTextStyle>
     <a:defPPr>
       <a:defRPr lang="en-US"/>
     </a:defPPr>
-    <a:lvl1pPr marL="0" algn="l" defTabSz="914400" rtl="0" eaLnBrk="1" latinLnBrk="0" hangingPunct="1">
+    <a:lvl1pPr marL="0" algn="l" defTabSz="457200" rtl="0" eaLnBrk="1" latinLnBrk="0" hangingPunct="1">
       <a:defRPr sz="1800" kern="1200">
         <a:solidFill>
           <a:schemeClr val="tx1"/>
@@ -82,7 +82,7 @@
         <a:cs typeface="+mn-cs"/>
       </a:defRPr>
     </a:lvl1pPr>
-    <a:lvl2pPr marL="457200" algn="l" defTabSz="914400" rtl="0" eaLnBrk="1" latinLnBrk="0" hangingPunct="1">
+    <a:lvl2pPr marL="457200" algn="l" defTabSz="457200" rtl="0" eaLnBrk="1" latinLnBrk="0" hangingPunct="1">
       <a:defRPr sz="1800" kern="1200">
         <a:solidFill>
           <a:schemeClr val="tx1"/>
@@ -92,7 +92,7 @@
         <a:cs typeface="+mn-cs"/>
       </a:defRPr>
     </a:lvl2pPr>
-    <a:lvl3pPr marL="914400" algn="l" defTabSz="914400" rtl="0" eaLnBrk="1" latinLnBrk="0" hangingPunct="1">
+    <a:lvl3pPr marL="914400" algn="l" defTabSz="457200" rtl="0" eaLnBrk="1" latinLnBrk="0" hangingPunct="1">
       <a:defRPr sz="1800" kern="1200">
         <a:solidFill>
           <a:schemeClr val="tx1"/>
@@ -102,7 +102,7 @@
         <a:cs typeface="+mn-cs"/>
       </a:defRPr>
     </a:lvl3pPr>
-    <a:lvl4pPr marL="1371600" algn="l" defTabSz="914400" rtl="0" eaLnBrk="1" latinLnBrk="0" hangingPunct="1">
+    <a:lvl4pPr marL="1371600" algn="l" defTabSz="457200" rtl="0" eaLnBrk="1" latinLnBrk="0" hangingPunct="1">
       <a:defRPr sz="1800" kern="1200">
         <a:solidFill>
           <a:schemeClr val="tx1"/>
@@ -112,7 +112,7 @@
         <a:cs typeface="+mn-cs"/>
       </a:defRPr>
     </a:lvl4pPr>
-    <a:lvl5pPr marL="1828800" algn="l" defTabSz="914400" rtl="0" eaLnBrk="1" latinLnBrk="0" hangingPunct="1">
+    <a:lvl5pPr marL="1828800" algn="l" defTabSz="457200" rtl="0" eaLnBrk="1" latinLnBrk="0" hangingPunct="1">
       <a:defRPr sz="1800" kern="1200">
         <a:solidFill>
           <a:schemeClr val="tx1"/>
@@ -122,7 +122,7 @@
         <a:cs typeface="+mn-cs"/>
       </a:defRPr>
     </a:lvl5pPr>
-    <a:lvl6pPr marL="2286000" algn="l" defTabSz="914400" rtl="0" eaLnBrk="1" latinLnBrk="0" hangingPunct="1">
+    <a:lvl6pPr marL="2286000" algn="l" defTabSz="457200" rtl="0" eaLnBrk="1" latinLnBrk="0" hangingPunct="1">
       <a:defRPr sz="1800" kern="1200">
         <a:solidFill>
           <a:schemeClr val="tx1"/>
@@ -132,7 +132,7 @@
         <a:cs typeface="+mn-cs"/>
       </a:defRPr>
     </a:lvl6pPr>
-    <a:lvl7pPr marL="2743200" algn="l" defTabSz="914400" rtl="0" eaLnBrk="1" latinLnBrk="0" hangingPunct="1">
+    <a:lvl7pPr marL="2743200" algn="l" defTabSz="457200" rtl="0" eaLnBrk="1" latinLnBrk="0" hangingPunct="1">
       <a:defRPr sz="1800" kern="1200">
         <a:solidFill>
           <a:schemeClr val="tx1"/>
@@ -142,7 +142,7 @@
         <a:cs typeface="+mn-cs"/>
       </a:defRPr>
     </a:lvl7pPr>
-    <a:lvl8pPr marL="3200400" algn="l" defTabSz="914400" rtl="0" eaLnBrk="1" latinLnBrk="0" hangingPunct="1">
+    <a:lvl8pPr marL="3200400" algn="l" defTabSz="457200" rtl="0" eaLnBrk="1" latinLnBrk="0" hangingPunct="1">
       <a:defRPr sz="1800" kern="1200">
         <a:solidFill>
           <a:schemeClr val="tx1"/>
@@ -152,7 +152,7 @@
         <a:cs typeface="+mn-cs"/>
       </a:defRPr>
     </a:lvl8pPr>
-    <a:lvl9pPr marL="3657600" algn="l" defTabSz="914400" rtl="0" eaLnBrk="1" latinLnBrk="0" hangingPunct="1">
+    <a:lvl9pPr marL="3657600" algn="l" defTabSz="457200" rtl="0" eaLnBrk="1" latinLnBrk="0" hangingPunct="1">
       <a:defRPr sz="1800" kern="1200">
         <a:solidFill>
           <a:schemeClr val="tx1"/>
@@ -166,12 +166,12 @@
   <p:extLst>
     <p:ext uri="{EFAFB233-063F-42B5-8137-9DF3F51BA10A}">
       <p15:sldGuideLst xmlns:p15="http://schemas.microsoft.com/office/powerpoint/2012/main">
-        <p15:guide id="1" orient="horz" pos="2160">
+        <p15:guide id="1" orient="horz" pos="2160" userDrawn="1">
           <p15:clr>
             <a:srgbClr val="A4A3A4"/>
           </p15:clr>
         </p15:guide>
-        <p15:guide id="2" pos="2880">
+        <p15:guide id="2" pos="3840" userDrawn="1">
           <p15:clr>
             <a:srgbClr val="A4A3A4"/>
           </p15:clr>
@@ -264,7 +264,7 @@
           <a:p>
             <a:fld id="{EE48C6FD-9E8F-4FF5-A8B4-3A35ED2FE858}" type="datetimeFigureOut">
               <a:rPr lang="en-US" smtClean="0"/>
-              <a:t>12/29/2018</a:t>
+              <a:t>8/2/2019</a:t>
             </a:fld>
             <a:endParaRPr lang="en-US"/>
           </a:p>
@@ -282,8 +282,8 @@
         </p:nvSpPr>
         <p:spPr>
           <a:xfrm>
-            <a:off x="1371600" y="1143000"/>
-            <a:ext cx="4114800" cy="3086100"/>
+            <a:off x="685800" y="1143000"/>
+            <a:ext cx="5486400" cy="3086100"/>
           </a:xfrm>
           <a:prstGeom prst="rect">
             <a:avLst/>
@@ -559,7 +559,12 @@
             <p:ph type="sldImg"/>
           </p:nvPr>
         </p:nvSpPr>
-        <p:spPr/>
+        <p:spPr>
+          <a:xfrm>
+            <a:off x="685800" y="1143000"/>
+            <a:ext cx="5486400" cy="3086100"/>
+          </a:xfrm>
+        </p:spPr>
       </p:sp>
       <p:sp>
         <p:nvSpPr>
@@ -676,8 +681,8 @@
         </p:nvSpPr>
         <p:spPr>
           <a:xfrm>
-            <a:off x="1436346" y="1788454"/>
-            <a:ext cx="6270922" cy="2098226"/>
+            <a:off x="1915128" y="1788454"/>
+            <a:ext cx="8361229" cy="2098226"/>
           </a:xfrm>
         </p:spPr>
         <p:txBody>
@@ -686,7 +691,7 @@
           </a:bodyPr>
           <a:lstStyle>
             <a:lvl1pPr algn="ctr">
-              <a:defRPr sz="6000" cap="all" baseline="0">
+              <a:defRPr sz="7200" cap="all" baseline="0">
                 <a:solidFill>
                   <a:schemeClr val="tx2"/>
                 </a:solidFill>
@@ -714,8 +719,8 @@
         </p:nvSpPr>
         <p:spPr>
           <a:xfrm>
-            <a:off x="2009930" y="3956280"/>
-            <a:ext cx="5123755" cy="1086237"/>
+            <a:off x="2679906" y="3956279"/>
+            <a:ext cx="6831673" cy="1086237"/>
           </a:xfrm>
         </p:spPr>
         <p:txBody>
@@ -734,39 +739,39 @@
                 <a:spcPts val="0"/>
               </a:spcAft>
               <a:buNone/>
+              <a:defRPr sz="2300"/>
+            </a:lvl1pPr>
+            <a:lvl2pPr marL="457200" indent="0" algn="ctr">
+              <a:buNone/>
+              <a:defRPr sz="2000"/>
+            </a:lvl2pPr>
+            <a:lvl3pPr marL="914400" indent="0" algn="ctr">
+              <a:buNone/>
               <a:defRPr sz="1800"/>
-            </a:lvl1pPr>
-            <a:lvl2pPr marL="342900" indent="0" algn="ctr">
-              <a:buNone/>
-              <a:defRPr sz="1500"/>
-            </a:lvl2pPr>
-            <a:lvl3pPr marL="685800" indent="0" algn="ctr">
-              <a:buNone/>
-              <a:defRPr sz="1350"/>
             </a:lvl3pPr>
-            <a:lvl4pPr marL="1028700" indent="0" algn="ctr">
-              <a:buNone/>
-              <a:defRPr sz="1200"/>
+            <a:lvl4pPr marL="1371600" indent="0" algn="ctr">
+              <a:buNone/>
+              <a:defRPr sz="1600"/>
             </a:lvl4pPr>
-            <a:lvl5pPr marL="1371600" indent="0" algn="ctr">
-              <a:buNone/>
-              <a:defRPr sz="1200"/>
+            <a:lvl5pPr marL="1828800" indent="0" algn="ctr">
+              <a:buNone/>
+              <a:defRPr sz="1600"/>
             </a:lvl5pPr>
-            <a:lvl6pPr marL="1714500" indent="0" algn="ctr">
-              <a:buNone/>
-              <a:defRPr sz="1200"/>
+            <a:lvl6pPr marL="2286000" indent="0" algn="ctr">
+              <a:buNone/>
+              <a:defRPr sz="1600"/>
             </a:lvl6pPr>
-            <a:lvl7pPr marL="2057400" indent="0" algn="ctr">
-              <a:buNone/>
-              <a:defRPr sz="1200"/>
+            <a:lvl7pPr marL="2743200" indent="0" algn="ctr">
+              <a:buNone/>
+              <a:defRPr sz="1600"/>
             </a:lvl7pPr>
-            <a:lvl8pPr marL="2400300" indent="0" algn="ctr">
-              <a:buNone/>
-              <a:defRPr sz="1200"/>
+            <a:lvl8pPr marL="3200400" indent="0" algn="ctr">
+              <a:buNone/>
+              <a:defRPr sz="1600"/>
             </a:lvl8pPr>
-            <a:lvl9pPr marL="2743200" indent="0" algn="ctr">
-              <a:buNone/>
-              <a:defRPr sz="1200"/>
+            <a:lvl9pPr marL="3657600" indent="0" algn="ctr">
+              <a:buNone/>
+              <a:defRPr sz="1600"/>
             </a:lvl9pPr>
           </a:lstStyle>
           <a:p>
@@ -790,8 +795,8 @@
         </p:nvSpPr>
         <p:spPr>
           <a:xfrm>
-            <a:off x="564644" y="6453386"/>
-            <a:ext cx="1205958" cy="404614"/>
+            <a:off x="752858" y="6453386"/>
+            <a:ext cx="1607944" cy="404614"/>
           </a:xfrm>
         </p:spPr>
         <p:txBody>
@@ -808,7 +813,7 @@
           <a:p>
             <a:fld id="{D763724C-E7A2-4A6D-A4BD-CDB6C1C03172}" type="datetimeFigureOut">
               <a:rPr lang="en-US" smtClean="0"/>
-              <a:t>12/29/2018</a:t>
+              <a:t>8/2/2019</a:t>
             </a:fld>
             <a:endParaRPr lang="en-US"/>
           </a:p>
@@ -826,8 +831,8 @@
         </p:nvSpPr>
         <p:spPr>
           <a:xfrm>
-            <a:off x="1938041" y="6453386"/>
-            <a:ext cx="5267533" cy="404614"/>
+            <a:off x="2584054" y="6453386"/>
+            <a:ext cx="7023377" cy="404614"/>
           </a:xfrm>
         </p:spPr>
         <p:txBody>
@@ -858,8 +863,8 @@
         </p:nvSpPr>
         <p:spPr>
           <a:xfrm>
-            <a:off x="7373012" y="6453386"/>
-            <a:ext cx="1197219" cy="404614"/>
+            <a:off x="9830683" y="6453386"/>
+            <a:ext cx="1596292" cy="404614"/>
           </a:xfrm>
         </p:spPr>
         <p:txBody>
@@ -884,16 +889,16 @@
       </p:sp>
       <p:grpSp>
         <p:nvGrpSpPr>
-          <p:cNvPr id="8" name="Group 7"/>
+          <p:cNvPr id="7" name="Group 6"/>
           <p:cNvGrpSpPr/>
           <p:nvPr/>
         </p:nvGrpSpPr>
         <p:grpSpPr>
           <a:xfrm>
-            <a:off x="564643" y="744469"/>
-            <a:ext cx="8005589" cy="5349671"/>
-            <a:chOff x="564643" y="744469"/>
-            <a:chExt cx="8005589" cy="5349671"/>
+            <a:off x="752858" y="744469"/>
+            <a:ext cx="10674117" cy="5349671"/>
+            <a:chOff x="752858" y="744469"/>
+            <a:chExt cx="10674117" cy="5349671"/>
           </a:xfrm>
         </p:grpSpPr>
         <p:sp>
@@ -904,8 +909,8 @@
           </p:nvSpPr>
           <p:spPr bwMode="auto">
             <a:xfrm>
-              <a:off x="6113972" y="1685652"/>
-              <a:ext cx="2456260" cy="4408488"/>
+              <a:off x="8151962" y="1685652"/>
+              <a:ext cx="3275013" cy="4408488"/>
             </a:xfrm>
             <a:custGeom>
               <a:avLst/>
@@ -928,10 +933,10 @@
                     <a:pt x="0" y="10000"/>
                   </a:lnTo>
                   <a:lnTo>
-                    <a:pt x="0" y="9357"/>
+                    <a:pt x="0" y="9126"/>
                   </a:lnTo>
                   <a:lnTo>
-                    <a:pt x="8761" y="9357"/>
+                    <a:pt x="8761" y="9127"/>
                   </a:lnTo>
                   <a:lnTo>
                     <a:pt x="8761" y="0"/>
@@ -960,8 +965,8 @@
           </p:nvSpPr>
           <p:spPr bwMode="auto">
             <a:xfrm flipH="1" flipV="1">
-              <a:off x="564643" y="744469"/>
-              <a:ext cx="2456505" cy="4408488"/>
+              <a:off x="752858" y="744469"/>
+              <a:ext cx="3275668" cy="4408488"/>
             </a:xfrm>
             <a:custGeom>
               <a:avLst/>
@@ -970,29 +975,29 @@
               <a:cxnLst/>
               <a:rect l="l" t="t" r="r" b="b"/>
               <a:pathLst>
-                <a:path w="10001" h="10000">
+                <a:path w="10002" h="10000">
                   <a:moveTo>
-                    <a:pt x="8762" y="0"/>
+                    <a:pt x="8763" y="0"/>
                   </a:moveTo>
                   <a:lnTo>
-                    <a:pt x="10001" y="0"/>
+                    <a:pt x="10002" y="0"/>
                   </a:lnTo>
                   <a:lnTo>
-                    <a:pt x="10001" y="10000"/>
+                    <a:pt x="10002" y="10000"/>
                   </a:lnTo>
                   <a:lnTo>
-                    <a:pt x="1" y="10000"/>
+                    <a:pt x="2" y="10000"/>
                   </a:lnTo>
                   <a:cubicBezTo>
-                    <a:pt x="-2" y="9766"/>
-                    <a:pt x="4" y="9586"/>
-                    <a:pt x="1" y="9352"/>
+                    <a:pt x="-2" y="9698"/>
+                    <a:pt x="4" y="9427"/>
+                    <a:pt x="0" y="9125"/>
                   </a:cubicBezTo>
                   <a:lnTo>
-                    <a:pt x="8762" y="9346"/>
+                    <a:pt x="8763" y="9128"/>
                   </a:lnTo>
                   <a:lnTo>
-                    <a:pt x="8762" y="0"/>
+                    <a:pt x="8763" y="0"/>
                   </a:lnTo>
                   <a:close/>
                 </a:path>
@@ -1014,12 +1019,12 @@
     </p:spTree>
     <p:extLst>
       <p:ext uri="{BB962C8B-B14F-4D97-AF65-F5344CB8AC3E}">
-        <p14:creationId xmlns:p14="http://schemas.microsoft.com/office/powerpoint/2010/main" val="3529599201"/>
+        <p14:creationId xmlns:p14="http://schemas.microsoft.com/office/powerpoint/2010/main" val="49317801"/>
       </p:ext>
     </p:extLst>
   </p:cSld>
   <p:clrMapOvr>
-    <a:masterClrMapping/>
+    <a:overrideClrMapping bg1="lt1" tx1="dk1" bg2="lt2" tx2="dk2" accent1="accent1" accent2="accent2" accent3="accent3" accent4="accent4" accent5="accent5" accent6="accent6" hlink="hlink" folHlink="folHlink"/>
   </p:clrMapOvr>
 </p:sldLayout>
 </file>
@@ -1076,8 +1081,8 @@
         </p:nvSpPr>
         <p:spPr>
           <a:xfrm>
-            <a:off x="1028700" y="2295526"/>
-            <a:ext cx="7200900" cy="3571875"/>
+            <a:off x="1371600" y="2295525"/>
+            <a:ext cx="9601200" cy="3571875"/>
           </a:xfrm>
         </p:spPr>
         <p:txBody>
@@ -1087,7 +1092,7 @@
             <a:pPr lvl="0"/>
             <a:r>
               <a:rPr lang="en-US" smtClean="0"/>
-              <a:t>Click to edit Master text styles</a:t>
+              <a:t>Edit Master text styles</a:t>
             </a:r>
           </a:p>
           <a:p>
@@ -1138,7 +1143,7 @@
           <a:p>
             <a:fld id="{D763724C-E7A2-4A6D-A4BD-CDB6C1C03172}" type="datetimeFigureOut">
               <a:rPr lang="en-US" smtClean="0"/>
-              <a:t>12/29/2018</a:t>
+              <a:t>8/2/2019</a:t>
             </a:fld>
             <a:endParaRPr lang="en-US"/>
           </a:p>
@@ -1189,7 +1194,7 @@
     </p:spTree>
     <p:extLst>
       <p:ext uri="{BB962C8B-B14F-4D97-AF65-F5344CB8AC3E}">
-        <p14:creationId xmlns:p14="http://schemas.microsoft.com/office/powerpoint/2010/main" val="3827891561"/>
+        <p14:creationId xmlns:p14="http://schemas.microsoft.com/office/powerpoint/2010/main" val="3207225055"/>
       </p:ext>
     </p:extLst>
   </p:cSld>
@@ -1228,8 +1233,8 @@
         </p:nvSpPr>
         <p:spPr>
           <a:xfrm>
-            <a:off x="6880797" y="624156"/>
-            <a:ext cx="1490950" cy="5243244"/>
+            <a:off x="9596561" y="624156"/>
+            <a:ext cx="1565766" cy="5243244"/>
           </a:xfrm>
         </p:spPr>
         <p:txBody>
@@ -1256,8 +1261,8 @@
         </p:nvSpPr>
         <p:spPr>
           <a:xfrm>
-            <a:off x="1028700" y="624156"/>
-            <a:ext cx="5724525" cy="5243244"/>
+            <a:off x="1371600" y="624156"/>
+            <a:ext cx="8179641" cy="5243244"/>
           </a:xfrm>
         </p:spPr>
         <p:txBody>
@@ -1267,7 +1272,7 @@
             <a:pPr lvl="0"/>
             <a:r>
               <a:rPr lang="en-US" smtClean="0"/>
-              <a:t>Click to edit Master text styles</a:t>
+              <a:t>Edit Master text styles</a:t>
             </a:r>
           </a:p>
           <a:p>
@@ -1318,7 +1323,7 @@
           <a:p>
             <a:fld id="{D763724C-E7A2-4A6D-A4BD-CDB6C1C03172}" type="datetimeFigureOut">
               <a:rPr lang="en-US" smtClean="0"/>
-              <a:t>12/29/2018</a:t>
+              <a:t>8/2/2019</a:t>
             </a:fld>
             <a:endParaRPr lang="en-US"/>
           </a:p>
@@ -1369,7 +1374,7 @@
     </p:spTree>
     <p:extLst>
       <p:ext uri="{BB962C8B-B14F-4D97-AF65-F5344CB8AC3E}">
-        <p14:creationId xmlns:p14="http://schemas.microsoft.com/office/powerpoint/2010/main" val="3290117155"/>
+        <p14:creationId xmlns:p14="http://schemas.microsoft.com/office/powerpoint/2010/main" val="2779814639"/>
       </p:ext>
     </p:extLst>
   </p:cSld>
@@ -1437,7 +1442,7 @@
             <a:pPr lvl="0"/>
             <a:r>
               <a:rPr lang="en-US" smtClean="0"/>
-              <a:t>Click to edit Master text styles</a:t>
+              <a:t>Edit Master text styles</a:t>
             </a:r>
           </a:p>
           <a:p>
@@ -1488,7 +1493,7 @@
           <a:p>
             <a:fld id="{D763724C-E7A2-4A6D-A4BD-CDB6C1C03172}" type="datetimeFigureOut">
               <a:rPr lang="en-US" smtClean="0"/>
-              <a:t>12/29/2018</a:t>
+              <a:t>8/2/2019</a:t>
             </a:fld>
             <a:endParaRPr lang="en-US"/>
           </a:p>
@@ -1539,7 +1544,7 @@
     </p:spTree>
     <p:extLst>
       <p:ext uri="{BB962C8B-B14F-4D97-AF65-F5344CB8AC3E}">
-        <p14:creationId xmlns:p14="http://schemas.microsoft.com/office/powerpoint/2010/main" val="1180684640"/>
+        <p14:creationId xmlns:p14="http://schemas.microsoft.com/office/powerpoint/2010/main" val="128168894"/>
       </p:ext>
     </p:extLst>
   </p:cSld>
@@ -1583,8 +1588,8 @@
         </p:nvSpPr>
         <p:spPr>
           <a:xfrm>
-            <a:off x="573769" y="1301361"/>
-            <a:ext cx="7209728" cy="2852737"/>
+            <a:off x="765025" y="1301360"/>
+            <a:ext cx="9612971" cy="2852737"/>
           </a:xfrm>
         </p:spPr>
         <p:txBody>
@@ -1593,7 +1598,7 @@
           </a:bodyPr>
           <a:lstStyle>
             <a:lvl1pPr algn="r">
-              <a:defRPr sz="6000" cap="all" baseline="0">
+              <a:defRPr sz="7200" cap="all" baseline="0">
                 <a:solidFill>
                   <a:schemeClr val="tx2"/>
                 </a:solidFill>
@@ -1621,8 +1626,8 @@
         </p:nvSpPr>
         <p:spPr>
           <a:xfrm>
-            <a:off x="573769" y="4216328"/>
-            <a:ext cx="7209728" cy="1143324"/>
+            <a:off x="765025" y="4216328"/>
+            <a:ext cx="9612971" cy="1143324"/>
           </a:xfrm>
         </p:spPr>
         <p:txBody>
@@ -1639,15 +1644,15 @@
                 <a:spcPts val="0"/>
               </a:spcAft>
               <a:buNone/>
-              <a:defRPr sz="1800">
+              <a:defRPr sz="2400">
                 <a:solidFill>
                   <a:schemeClr val="tx2"/>
                 </a:solidFill>
               </a:defRPr>
             </a:lvl1pPr>
-            <a:lvl2pPr marL="342900" indent="0">
-              <a:buNone/>
-              <a:defRPr sz="1500">
+            <a:lvl2pPr marL="457200" indent="0">
+              <a:buNone/>
+              <a:defRPr sz="2000">
                 <a:solidFill>
                   <a:schemeClr val="tx1">
                     <a:tint val="75000"/>
@@ -1655,9 +1660,9 @@
                 </a:solidFill>
               </a:defRPr>
             </a:lvl2pPr>
-            <a:lvl3pPr marL="685800" indent="0">
-              <a:buNone/>
-              <a:defRPr sz="1350">
+            <a:lvl3pPr marL="914400" indent="0">
+              <a:buNone/>
+              <a:defRPr sz="1800">
                 <a:solidFill>
                   <a:schemeClr val="tx1">
                     <a:tint val="75000"/>
@@ -1665,9 +1670,9 @@
                 </a:solidFill>
               </a:defRPr>
             </a:lvl3pPr>
-            <a:lvl4pPr marL="1028700" indent="0">
-              <a:buNone/>
-              <a:defRPr sz="1200">
+            <a:lvl4pPr marL="1371600" indent="0">
+              <a:buNone/>
+              <a:defRPr sz="1600">
                 <a:solidFill>
                   <a:schemeClr val="tx1">
                     <a:tint val="75000"/>
@@ -1675,9 +1680,9 @@
                 </a:solidFill>
               </a:defRPr>
             </a:lvl4pPr>
-            <a:lvl5pPr marL="1371600" indent="0">
-              <a:buNone/>
-              <a:defRPr sz="1200">
+            <a:lvl5pPr marL="1828800" indent="0">
+              <a:buNone/>
+              <a:defRPr sz="1600">
                 <a:solidFill>
                   <a:schemeClr val="tx1">
                     <a:tint val="75000"/>
@@ -1685,9 +1690,9 @@
                 </a:solidFill>
               </a:defRPr>
             </a:lvl5pPr>
-            <a:lvl6pPr marL="1714500" indent="0">
-              <a:buNone/>
-              <a:defRPr sz="1200">
+            <a:lvl6pPr marL="2286000" indent="0">
+              <a:buNone/>
+              <a:defRPr sz="1600">
                 <a:solidFill>
                   <a:schemeClr val="tx1">
                     <a:tint val="75000"/>
@@ -1695,9 +1700,9 @@
                 </a:solidFill>
               </a:defRPr>
             </a:lvl6pPr>
-            <a:lvl7pPr marL="2057400" indent="0">
-              <a:buNone/>
-              <a:defRPr sz="1200">
+            <a:lvl7pPr marL="2743200" indent="0">
+              <a:buNone/>
+              <a:defRPr sz="1600">
                 <a:solidFill>
                   <a:schemeClr val="tx1">
                     <a:tint val="75000"/>
@@ -1705,9 +1710,9 @@
                 </a:solidFill>
               </a:defRPr>
             </a:lvl7pPr>
-            <a:lvl8pPr marL="2400300" indent="0">
-              <a:buNone/>
-              <a:defRPr sz="1200">
+            <a:lvl8pPr marL="3200400" indent="0">
+              <a:buNone/>
+              <a:defRPr sz="1600">
                 <a:solidFill>
                   <a:schemeClr val="tx1">
                     <a:tint val="75000"/>
@@ -1715,9 +1720,9 @@
                 </a:solidFill>
               </a:defRPr>
             </a:lvl8pPr>
-            <a:lvl9pPr marL="2743200" indent="0">
-              <a:buNone/>
-              <a:defRPr sz="1200">
+            <a:lvl9pPr marL="3657600" indent="0">
+              <a:buNone/>
+              <a:defRPr sz="1600">
                 <a:solidFill>
                   <a:schemeClr val="tx1">
                     <a:tint val="75000"/>
@@ -1730,7 +1735,7 @@
             <a:pPr lvl="0"/>
             <a:r>
               <a:rPr lang="en-US" smtClean="0"/>
-              <a:t>Click to edit Master text styles</a:t>
+              <a:t>Edit Master text styles</a:t>
             </a:r>
           </a:p>
         </p:txBody>
@@ -1747,8 +1752,8 @@
         </p:nvSpPr>
         <p:spPr>
           <a:xfrm>
-            <a:off x="554181" y="6453386"/>
-            <a:ext cx="1216807" cy="404614"/>
+            <a:off x="738908" y="6453386"/>
+            <a:ext cx="1622409" cy="404614"/>
           </a:xfrm>
         </p:spPr>
         <p:txBody>
@@ -1765,7 +1770,7 @@
           <a:p>
             <a:fld id="{D763724C-E7A2-4A6D-A4BD-CDB6C1C03172}" type="datetimeFigureOut">
               <a:rPr lang="en-US" smtClean="0"/>
-              <a:t>12/29/2018</a:t>
+              <a:t>8/2/2019</a:t>
             </a:fld>
             <a:endParaRPr lang="en-US"/>
           </a:p>
@@ -1783,8 +1788,8 @@
         </p:nvSpPr>
         <p:spPr>
           <a:xfrm>
-            <a:off x="1938234" y="6453386"/>
-            <a:ext cx="5267533" cy="404614"/>
+            <a:off x="2584312" y="6453386"/>
+            <a:ext cx="7023377" cy="404614"/>
           </a:xfrm>
         </p:spPr>
         <p:txBody>
@@ -1815,8 +1820,8 @@
         </p:nvSpPr>
         <p:spPr>
           <a:xfrm>
-            <a:off x="7373012" y="6453386"/>
-            <a:ext cx="1197219" cy="404614"/>
+            <a:off x="9830683" y="6453386"/>
+            <a:ext cx="1596292" cy="404614"/>
           </a:xfrm>
         </p:spPr>
         <p:txBody>
@@ -1841,70 +1846,14 @@
       </p:sp>
       <p:sp>
         <p:nvSpPr>
-          <p:cNvPr id="7" name="Freeform 6"/>
+          <p:cNvPr id="7" name="Freeform 6" title="Crop Mark"/>
           <p:cNvSpPr/>
           <p:nvPr/>
         </p:nvSpPr>
         <p:spPr bwMode="auto">
           <a:xfrm>
-            <a:off x="6113972" y="1685652"/>
-            <a:ext cx="2456260" cy="4408488"/>
-          </a:xfrm>
-          <a:custGeom>
-            <a:avLst/>
-            <a:gdLst/>
-            <a:ahLst/>
-            <a:cxnLst/>
-            <a:rect l="0" t="0" r="r" b="b"/>
-            <a:pathLst>
-              <a:path w="4125" h="5554">
-                <a:moveTo>
-                  <a:pt x="3614" y="0"/>
-                </a:moveTo>
-                <a:lnTo>
-                  <a:pt x="4125" y="0"/>
-                </a:lnTo>
-                <a:lnTo>
-                  <a:pt x="4125" y="5554"/>
-                </a:lnTo>
-                <a:lnTo>
-                  <a:pt x="0" y="5554"/>
-                </a:lnTo>
-                <a:lnTo>
-                  <a:pt x="0" y="5074"/>
-                </a:lnTo>
-                <a:lnTo>
-                  <a:pt x="3614" y="5074"/>
-                </a:lnTo>
-                <a:lnTo>
-                  <a:pt x="3614" y="0"/>
-                </a:lnTo>
-                <a:close/>
-              </a:path>
-            </a:pathLst>
-          </a:custGeom>
-          <a:solidFill>
-            <a:schemeClr val="bg2"/>
-          </a:solidFill>
-          <a:ln w="0">
-            <a:noFill/>
-            <a:prstDash val="solid"/>
-            <a:round/>
-            <a:headEnd/>
-            <a:tailEnd/>
-          </a:ln>
-        </p:spPr>
-      </p:sp>
-      <p:sp>
-        <p:nvSpPr>
-          <p:cNvPr id="8" name="Freeform 7" title="Crop Mark"/>
-          <p:cNvSpPr/>
-          <p:nvPr/>
-        </p:nvSpPr>
-        <p:spPr bwMode="auto">
-          <a:xfrm>
-            <a:off x="6113972" y="1685652"/>
-            <a:ext cx="2456260" cy="4408488"/>
+            <a:off x="8151962" y="1685652"/>
+            <a:ext cx="3275013" cy="4408488"/>
           </a:xfrm>
           <a:custGeom>
             <a:avLst/>
@@ -1954,7 +1903,7 @@
     </p:spTree>
     <p:extLst>
       <p:ext uri="{BB962C8B-B14F-4D97-AF65-F5344CB8AC3E}">
-        <p14:creationId xmlns:p14="http://schemas.microsoft.com/office/powerpoint/2010/main" val="3047942119"/>
+        <p14:creationId xmlns:p14="http://schemas.microsoft.com/office/powerpoint/2010/main" val="3263782300"/>
       </p:ext>
     </p:extLst>
   </p:cSld>
@@ -2024,8 +1973,8 @@
         </p:nvSpPr>
         <p:spPr>
           <a:xfrm>
-            <a:off x="1028700" y="2286000"/>
-            <a:ext cx="3335840" cy="3581401"/>
+            <a:off x="1371600" y="2285999"/>
+            <a:ext cx="4447786" cy="3581401"/>
           </a:xfrm>
         </p:spPr>
         <p:txBody>
@@ -2071,7 +2020,7 @@
             <a:pPr lvl="0"/>
             <a:r>
               <a:rPr lang="en-US" smtClean="0"/>
-              <a:t>Click to edit Master text styles</a:t>
+              <a:t>Edit Master text styles</a:t>
             </a:r>
           </a:p>
           <a:p>
@@ -2117,8 +2066,8 @@
         </p:nvSpPr>
         <p:spPr>
           <a:xfrm>
-            <a:off x="4894052" y="2286000"/>
-            <a:ext cx="3335840" cy="3581401"/>
+            <a:off x="6525403" y="2285999"/>
+            <a:ext cx="4447786" cy="3581401"/>
           </a:xfrm>
         </p:spPr>
         <p:txBody>
@@ -2164,7 +2113,7 @@
             <a:pPr lvl="0"/>
             <a:r>
               <a:rPr lang="en-US" smtClean="0"/>
-              <a:t>Click to edit Master text styles</a:t>
+              <a:t>Edit Master text styles</a:t>
             </a:r>
           </a:p>
           <a:p>
@@ -2215,7 +2164,7 @@
           <a:p>
             <a:fld id="{D763724C-E7A2-4A6D-A4BD-CDB6C1C03172}" type="datetimeFigureOut">
               <a:rPr lang="en-US" smtClean="0"/>
-              <a:t>12/29/2018</a:t>
+              <a:t>8/2/2019</a:t>
             </a:fld>
             <a:endParaRPr lang="en-US"/>
           </a:p>
@@ -2266,7 +2215,7 @@
     </p:spTree>
     <p:extLst>
       <p:ext uri="{BB962C8B-B14F-4D97-AF65-F5344CB8AC3E}">
-        <p14:creationId xmlns:p14="http://schemas.microsoft.com/office/powerpoint/2010/main" val="2859552661"/>
+        <p14:creationId xmlns:p14="http://schemas.microsoft.com/office/powerpoint/2010/main" val="2907718143"/>
       </p:ext>
     </p:extLst>
   </p:cSld>
@@ -2305,8 +2254,8 @@
         </p:nvSpPr>
         <p:spPr>
           <a:xfrm>
-            <a:off x="1028700" y="685800"/>
-            <a:ext cx="7200900" cy="1485900"/>
+            <a:off x="1371600" y="685800"/>
+            <a:ext cx="9601200" cy="1485900"/>
           </a:xfrm>
         </p:spPr>
         <p:txBody>
@@ -2341,8 +2290,8 @@
         </p:nvSpPr>
         <p:spPr>
           <a:xfrm>
-            <a:off x="1028700" y="2340230"/>
-            <a:ext cx="3335840" cy="823912"/>
+            <a:off x="1371600" y="2340864"/>
+            <a:ext cx="4443984" cy="823912"/>
           </a:xfrm>
         </p:spPr>
         <p:txBody>
@@ -2361,50 +2310,50 @@
                 <a:spcPts val="0"/>
               </a:spcAft>
               <a:buNone/>
-              <a:defRPr sz="2400" b="0" baseline="0">
+              <a:defRPr sz="3000" b="0" baseline="0">
                 <a:solidFill>
                   <a:schemeClr val="tx2"/>
                 </a:solidFill>
               </a:defRPr>
             </a:lvl1pPr>
-            <a:lvl2pPr marL="342900" indent="0">
-              <a:buNone/>
-              <a:defRPr sz="1500" b="1"/>
+            <a:lvl2pPr marL="457200" indent="0">
+              <a:buNone/>
+              <a:defRPr sz="2000" b="1"/>
             </a:lvl2pPr>
-            <a:lvl3pPr marL="685800" indent="0">
-              <a:buNone/>
-              <a:defRPr sz="1350" b="1"/>
+            <a:lvl3pPr marL="914400" indent="0">
+              <a:buNone/>
+              <a:defRPr sz="1800" b="1"/>
             </a:lvl3pPr>
-            <a:lvl4pPr marL="1028700" indent="0">
-              <a:buNone/>
-              <a:defRPr sz="1200" b="1"/>
+            <a:lvl4pPr marL="1371600" indent="0">
+              <a:buNone/>
+              <a:defRPr sz="1600" b="1"/>
             </a:lvl4pPr>
-            <a:lvl5pPr marL="1371600" indent="0">
-              <a:buNone/>
-              <a:defRPr sz="1200" b="1"/>
+            <a:lvl5pPr marL="1828800" indent="0">
+              <a:buNone/>
+              <a:defRPr sz="1600" b="1"/>
             </a:lvl5pPr>
-            <a:lvl6pPr marL="1714500" indent="0">
-              <a:buNone/>
-              <a:defRPr sz="1200" b="1"/>
+            <a:lvl6pPr marL="2286000" indent="0">
+              <a:buNone/>
+              <a:defRPr sz="1600" b="1"/>
             </a:lvl6pPr>
-            <a:lvl7pPr marL="2057400" indent="0">
-              <a:buNone/>
-              <a:defRPr sz="1200" b="1"/>
+            <a:lvl7pPr marL="2743200" indent="0">
+              <a:buNone/>
+              <a:defRPr sz="1600" b="1"/>
             </a:lvl7pPr>
-            <a:lvl8pPr marL="2400300" indent="0">
-              <a:buNone/>
-              <a:defRPr sz="1200" b="1"/>
+            <a:lvl8pPr marL="3200400" indent="0">
+              <a:buNone/>
+              <a:defRPr sz="1600" b="1"/>
             </a:lvl8pPr>
-            <a:lvl9pPr marL="2743200" indent="0">
-              <a:buNone/>
-              <a:defRPr sz="1200" b="1"/>
+            <a:lvl9pPr marL="3657600" indent="0">
+              <a:buNone/>
+              <a:defRPr sz="1600" b="1"/>
             </a:lvl9pPr>
           </a:lstStyle>
           <a:p>
             <a:pPr lvl="0"/>
             <a:r>
               <a:rPr lang="en-US" smtClean="0"/>
-              <a:t>Click to edit Master text styles</a:t>
+              <a:t>Edit Master text styles</a:t>
             </a:r>
           </a:p>
         </p:txBody>
@@ -2421,8 +2370,8 @@
         </p:nvSpPr>
         <p:spPr>
           <a:xfrm>
-            <a:off x="1028700" y="3305208"/>
-            <a:ext cx="3335839" cy="2562193"/>
+            <a:off x="1371600" y="3305207"/>
+            <a:ext cx="4443984" cy="2562193"/>
           </a:xfrm>
         </p:spPr>
         <p:txBody>
@@ -2468,7 +2417,7 @@
             <a:pPr lvl="0"/>
             <a:r>
               <a:rPr lang="en-US" smtClean="0"/>
-              <a:t>Click to edit Master text styles</a:t>
+              <a:t>Edit Master text styles</a:t>
             </a:r>
           </a:p>
           <a:p>
@@ -2514,8 +2463,8 @@
         </p:nvSpPr>
         <p:spPr>
           <a:xfrm>
-            <a:off x="4893760" y="2349754"/>
-            <a:ext cx="3335840" cy="823912"/>
+            <a:off x="6525014" y="2340864"/>
+            <a:ext cx="4443984" cy="823912"/>
           </a:xfrm>
         </p:spPr>
         <p:txBody>
@@ -2534,50 +2483,50 @@
                 <a:spcPts val="0"/>
               </a:spcAft>
               <a:buNone/>
-              <a:defRPr sz="2400" b="0" baseline="0">
+              <a:defRPr sz="3000" b="0" baseline="0">
                 <a:solidFill>
                   <a:schemeClr val="tx2"/>
                 </a:solidFill>
               </a:defRPr>
             </a:lvl1pPr>
-            <a:lvl2pPr marL="342900" indent="0">
-              <a:buNone/>
-              <a:defRPr sz="1500" b="1"/>
+            <a:lvl2pPr marL="457200" indent="0">
+              <a:buNone/>
+              <a:defRPr sz="2000" b="1"/>
             </a:lvl2pPr>
-            <a:lvl3pPr marL="685800" indent="0">
-              <a:buNone/>
-              <a:defRPr sz="1350" b="1"/>
+            <a:lvl3pPr marL="914400" indent="0">
+              <a:buNone/>
+              <a:defRPr sz="1800" b="1"/>
             </a:lvl3pPr>
-            <a:lvl4pPr marL="1028700" indent="0">
-              <a:buNone/>
-              <a:defRPr sz="1200" b="1"/>
+            <a:lvl4pPr marL="1371600" indent="0">
+              <a:buNone/>
+              <a:defRPr sz="1600" b="1"/>
             </a:lvl4pPr>
-            <a:lvl5pPr marL="1371600" indent="0">
-              <a:buNone/>
-              <a:defRPr sz="1200" b="1"/>
+            <a:lvl5pPr marL="1828800" indent="0">
+              <a:buNone/>
+              <a:defRPr sz="1600" b="1"/>
             </a:lvl5pPr>
-            <a:lvl6pPr marL="1714500" indent="0">
-              <a:buNone/>
-              <a:defRPr sz="1200" b="1"/>
+            <a:lvl6pPr marL="2286000" indent="0">
+              <a:buNone/>
+              <a:defRPr sz="1600" b="1"/>
             </a:lvl6pPr>
-            <a:lvl7pPr marL="2057400" indent="0">
-              <a:buNone/>
-              <a:defRPr sz="1200" b="1"/>
+            <a:lvl7pPr marL="2743200" indent="0">
+              <a:buNone/>
+              <a:defRPr sz="1600" b="1"/>
             </a:lvl7pPr>
-            <a:lvl8pPr marL="2400300" indent="0">
-              <a:buNone/>
-              <a:defRPr sz="1200" b="1"/>
+            <a:lvl8pPr marL="3200400" indent="0">
+              <a:buNone/>
+              <a:defRPr sz="1600" b="1"/>
             </a:lvl8pPr>
-            <a:lvl9pPr marL="2743200" indent="0">
-              <a:buNone/>
-              <a:defRPr sz="1200" b="1"/>
+            <a:lvl9pPr marL="3657600" indent="0">
+              <a:buNone/>
+              <a:defRPr sz="1600" b="1"/>
             </a:lvl9pPr>
           </a:lstStyle>
           <a:p>
             <a:pPr lvl="0"/>
             <a:r>
               <a:rPr lang="en-US" smtClean="0"/>
-              <a:t>Click to edit Master text styles</a:t>
+              <a:t>Edit Master text styles</a:t>
             </a:r>
           </a:p>
         </p:txBody>
@@ -2594,8 +2543,8 @@
         </p:nvSpPr>
         <p:spPr>
           <a:xfrm>
-            <a:off x="4893760" y="3305208"/>
-            <a:ext cx="3335840" cy="2562193"/>
+            <a:off x="6525014" y="3305207"/>
+            <a:ext cx="4443984" cy="2562193"/>
           </a:xfrm>
         </p:spPr>
         <p:txBody>
@@ -2641,7 +2590,7 @@
             <a:pPr lvl="0"/>
             <a:r>
               <a:rPr lang="en-US" smtClean="0"/>
-              <a:t>Click to edit Master text styles</a:t>
+              <a:t>Edit Master text styles</a:t>
             </a:r>
           </a:p>
           <a:p>
@@ -2692,7 +2641,7 @@
           <a:p>
             <a:fld id="{D763724C-E7A2-4A6D-A4BD-CDB6C1C03172}" type="datetimeFigureOut">
               <a:rPr lang="en-US" smtClean="0"/>
-              <a:t>12/29/2018</a:t>
+              <a:t>8/2/2019</a:t>
             </a:fld>
             <a:endParaRPr lang="en-US"/>
           </a:p>
@@ -2743,7 +2692,7 @@
     </p:spTree>
     <p:extLst>
       <p:ext uri="{BB962C8B-B14F-4D97-AF65-F5344CB8AC3E}">
-        <p14:creationId xmlns:p14="http://schemas.microsoft.com/office/powerpoint/2010/main" val="2384034252"/>
+        <p14:creationId xmlns:p14="http://schemas.microsoft.com/office/powerpoint/2010/main" val="3791249003"/>
       </p:ext>
     </p:extLst>
   </p:cSld>
@@ -2810,7 +2759,7 @@
           <a:p>
             <a:fld id="{D763724C-E7A2-4A6D-A4BD-CDB6C1C03172}" type="datetimeFigureOut">
               <a:rPr lang="en-US" smtClean="0"/>
-              <a:t>12/29/2018</a:t>
+              <a:t>8/2/2019</a:t>
             </a:fld>
             <a:endParaRPr lang="en-US"/>
           </a:p>
@@ -2861,7 +2810,7 @@
     </p:spTree>
     <p:extLst>
       <p:ext uri="{BB962C8B-B14F-4D97-AF65-F5344CB8AC3E}">
-        <p14:creationId xmlns:p14="http://schemas.microsoft.com/office/powerpoint/2010/main" val="2707308057"/>
+        <p14:creationId xmlns:p14="http://schemas.microsoft.com/office/powerpoint/2010/main" val="2919773096"/>
       </p:ext>
     </p:extLst>
   </p:cSld>
@@ -2905,7 +2854,7 @@
           <a:p>
             <a:fld id="{D763724C-E7A2-4A6D-A4BD-CDB6C1C03172}" type="datetimeFigureOut">
               <a:rPr lang="en-US" smtClean="0"/>
-              <a:t>12/29/2018</a:t>
+              <a:t>8/2/2019</a:t>
             </a:fld>
             <a:endParaRPr lang="en-US"/>
           </a:p>
@@ -2956,7 +2905,7 @@
     </p:spTree>
     <p:extLst>
       <p:ext uri="{BB962C8B-B14F-4D97-AF65-F5344CB8AC3E}">
-        <p14:creationId xmlns:p14="http://schemas.microsoft.com/office/powerpoint/2010/main" val="962811137"/>
+        <p14:creationId xmlns:p14="http://schemas.microsoft.com/office/powerpoint/2010/main" val="435734659"/>
       </p:ext>
     </p:extLst>
   </p:cSld>
@@ -2992,7 +2941,7 @@
         <p:spPr>
           <a:xfrm>
             <a:off x="0" y="376"/>
-            <a:ext cx="3977640" cy="6857624"/>
+            <a:ext cx="5303520" cy="6857624"/>
           </a:xfrm>
           <a:prstGeom prst="rect">
             <a:avLst/>
@@ -3033,8 +2982,8 @@
         </p:nvSpPr>
         <p:spPr>
           <a:xfrm>
-            <a:off x="542925" y="685800"/>
-            <a:ext cx="2891790" cy="2157884"/>
+            <a:off x="723900" y="685800"/>
+            <a:ext cx="3855720" cy="2157884"/>
           </a:xfrm>
         </p:spPr>
         <p:txBody>
@@ -3046,7 +2995,7 @@
               <a:lnSpc>
                 <a:spcPct val="84000"/>
               </a:lnSpc>
-              <a:defRPr sz="4400" baseline="0">
+              <a:defRPr sz="4800" baseline="0">
                 <a:solidFill>
                   <a:schemeClr val="tx2"/>
                 </a:solidFill>
@@ -3074,46 +3023,46 @@
         </p:nvSpPr>
         <p:spPr>
           <a:xfrm>
-            <a:off x="4692015" y="685801"/>
-            <a:ext cx="3909060" cy="5175250"/>
+            <a:off x="6256020" y="685801"/>
+            <a:ext cx="5212080" cy="5175250"/>
           </a:xfrm>
         </p:spPr>
         <p:txBody>
           <a:bodyPr/>
           <a:lstStyle>
             <a:lvl1pPr>
-              <a:defRPr sz="1500"/>
+              <a:defRPr sz="2000"/>
             </a:lvl1pPr>
             <a:lvl2pPr>
-              <a:defRPr sz="1500"/>
+              <a:defRPr sz="2000"/>
             </a:lvl2pPr>
             <a:lvl3pPr>
-              <a:defRPr sz="1350"/>
+              <a:defRPr sz="1800"/>
             </a:lvl3pPr>
             <a:lvl4pPr>
-              <a:defRPr sz="1350"/>
+              <a:defRPr sz="1800"/>
             </a:lvl4pPr>
             <a:lvl5pPr>
-              <a:defRPr sz="1200"/>
+              <a:defRPr sz="1600"/>
             </a:lvl5pPr>
             <a:lvl6pPr>
-              <a:defRPr sz="1200"/>
+              <a:defRPr sz="1600"/>
             </a:lvl6pPr>
             <a:lvl7pPr>
-              <a:defRPr sz="1200"/>
+              <a:defRPr sz="1600"/>
             </a:lvl7pPr>
             <a:lvl8pPr>
-              <a:defRPr sz="1200"/>
+              <a:defRPr sz="1600"/>
             </a:lvl8pPr>
             <a:lvl9pPr>
-              <a:defRPr sz="1200"/>
+              <a:defRPr sz="1600"/>
             </a:lvl9pPr>
           </a:lstStyle>
           <a:p>
             <a:pPr lvl="0"/>
             <a:r>
               <a:rPr lang="en-US" smtClean="0"/>
-              <a:t>Click to edit Master text styles</a:t>
+              <a:t>Edit Master text styles</a:t>
             </a:r>
           </a:p>
           <a:p>
@@ -3159,14 +3108,12 @@
         </p:nvSpPr>
         <p:spPr>
           <a:xfrm>
-            <a:off x="542925" y="2856344"/>
-            <a:ext cx="2891790" cy="3011056"/>
+            <a:off x="723900" y="2856344"/>
+            <a:ext cx="3855720" cy="3011056"/>
           </a:xfrm>
         </p:spPr>
         <p:txBody>
-          <a:bodyPr>
-            <a:normAutofit/>
-          </a:bodyPr>
+          <a:bodyPr/>
           <a:lstStyle>
             <a:lvl1pPr marL="0" indent="0">
               <a:lnSpc>
@@ -3181,44 +3128,44 @@
               <a:buNone/>
               <a:defRPr sz="1600"/>
             </a:lvl1pPr>
-            <a:lvl2pPr marL="342900" indent="0">
-              <a:buNone/>
-              <a:defRPr sz="1050"/>
+            <a:lvl2pPr marL="457200" indent="0">
+              <a:buNone/>
+              <a:defRPr sz="1400"/>
             </a:lvl2pPr>
-            <a:lvl3pPr marL="685800" indent="0">
-              <a:buNone/>
-              <a:defRPr sz="900"/>
+            <a:lvl3pPr marL="914400" indent="0">
+              <a:buNone/>
+              <a:defRPr sz="1200"/>
             </a:lvl3pPr>
-            <a:lvl4pPr marL="1028700" indent="0">
-              <a:buNone/>
-              <a:defRPr sz="750"/>
+            <a:lvl4pPr marL="1371600" indent="0">
+              <a:buNone/>
+              <a:defRPr sz="1000"/>
             </a:lvl4pPr>
-            <a:lvl5pPr marL="1371600" indent="0">
-              <a:buNone/>
-              <a:defRPr sz="750"/>
+            <a:lvl5pPr marL="1828800" indent="0">
+              <a:buNone/>
+              <a:defRPr sz="1000"/>
             </a:lvl5pPr>
-            <a:lvl6pPr marL="1714500" indent="0">
-              <a:buNone/>
-              <a:defRPr sz="750"/>
+            <a:lvl6pPr marL="2286000" indent="0">
+              <a:buNone/>
+              <a:defRPr sz="1000"/>
             </a:lvl6pPr>
-            <a:lvl7pPr marL="2057400" indent="0">
-              <a:buNone/>
-              <a:defRPr sz="750"/>
+            <a:lvl7pPr marL="2743200" indent="0">
+              <a:buNone/>
+              <a:defRPr sz="1000"/>
             </a:lvl7pPr>
-            <a:lvl8pPr marL="2400300" indent="0">
-              <a:buNone/>
-              <a:defRPr sz="750"/>
+            <a:lvl8pPr marL="3200400" indent="0">
+              <a:buNone/>
+              <a:defRPr sz="1000"/>
             </a:lvl8pPr>
-            <a:lvl9pPr marL="2743200" indent="0">
-              <a:buNone/>
-              <a:defRPr sz="750"/>
+            <a:lvl9pPr marL="3657600" indent="0">
+              <a:buNone/>
+              <a:defRPr sz="1000"/>
             </a:lvl9pPr>
           </a:lstStyle>
           <a:p>
             <a:pPr lvl="0"/>
             <a:r>
               <a:rPr lang="en-US" smtClean="0"/>
-              <a:t>Click to edit Master text styles</a:t>
+              <a:t>Edit Master text styles</a:t>
             </a:r>
           </a:p>
         </p:txBody>
@@ -3235,8 +3182,8 @@
         </p:nvSpPr>
         <p:spPr>
           <a:xfrm>
-            <a:off x="542925" y="6453386"/>
-            <a:ext cx="903429" cy="404614"/>
+            <a:off x="723900" y="6453386"/>
+            <a:ext cx="1204572" cy="404614"/>
           </a:xfrm>
         </p:spPr>
         <p:txBody>
@@ -3253,7 +3200,7 @@
           <a:p>
             <a:fld id="{D763724C-E7A2-4A6D-A4BD-CDB6C1C03172}" type="datetimeFigureOut">
               <a:rPr lang="en-US" smtClean="0"/>
-              <a:t>12/29/2018</a:t>
+              <a:t>8/2/2019</a:t>
             </a:fld>
             <a:endParaRPr lang="en-US"/>
           </a:p>
@@ -3271,8 +3218,8 @@
         </p:nvSpPr>
         <p:spPr>
           <a:xfrm>
-            <a:off x="1654459" y="6453386"/>
-            <a:ext cx="1780256" cy="404614"/>
+            <a:off x="2205945" y="6453386"/>
+            <a:ext cx="2373675" cy="404614"/>
           </a:xfrm>
         </p:spPr>
         <p:txBody>
@@ -3303,8 +3250,8 @@
         </p:nvSpPr>
         <p:spPr>
           <a:xfrm>
-            <a:off x="7412355" y="6453386"/>
-            <a:ext cx="1197219" cy="404614"/>
+            <a:off x="9883140" y="6453386"/>
+            <a:ext cx="1596292" cy="404614"/>
           </a:xfrm>
         </p:spPr>
         <p:txBody>
@@ -3329,14 +3276,14 @@
       </p:sp>
       <p:sp>
         <p:nvSpPr>
-          <p:cNvPr id="9" name="Rectangle 8"/>
+          <p:cNvPr id="9" name="Rectangle 8" title="Divider Bar"/>
           <p:cNvSpPr/>
           <p:nvPr/>
         </p:nvSpPr>
         <p:spPr>
           <a:xfrm>
-            <a:off x="3977640" y="376"/>
-            <a:ext cx="171450" cy="6858000"/>
+            <a:off x="5303520" y="376"/>
+            <a:ext cx="228600" cy="6858000"/>
           </a:xfrm>
           <a:prstGeom prst="rect">
             <a:avLst/>
@@ -3365,16 +3312,366 @@
           </a:fontRef>
         </p:style>
       </p:sp>
-      <p:sp>
-        <p:nvSpPr>
-          <p:cNvPr id="11" name="Rectangle 10" title="Divider Bar"/>
+    </p:spTree>
+    <p:extLst>
+      <p:ext uri="{BB962C8B-B14F-4D97-AF65-F5344CB8AC3E}">
+        <p14:creationId xmlns:p14="http://schemas.microsoft.com/office/powerpoint/2010/main" val="1589594015"/>
+      </p:ext>
+    </p:extLst>
+  </p:cSld>
+  <p:clrMapOvr>
+    <a:masterClrMapping/>
+  </p:clrMapOvr>
+</p:sldLayout>
+</file>
+
+<file path=ppt/slideLayouts/slideLayout9.xml><?xml version="1.0" encoding="utf-8"?>
+<p:sldLayout xmlns:a="http://schemas.openxmlformats.org/drawingml/2006/main" xmlns:r="http://schemas.openxmlformats.org/officeDocument/2006/relationships" xmlns:p="http://schemas.openxmlformats.org/presentationml/2006/main" showMasterSp="0" type="picTx" preserve="1">
+  <p:cSld name="Picture with Caption">
+    <p:spTree>
+      <p:nvGrpSpPr>
+        <p:cNvPr id="1" name=""/>
+        <p:cNvGrpSpPr/>
+        <p:nvPr/>
+      </p:nvGrpSpPr>
+      <p:grpSpPr>
+        <a:xfrm>
+          <a:off x="0" y="0"/>
+          <a:ext cx="0" cy="0"/>
+          <a:chOff x="0" y="0"/>
+          <a:chExt cx="0" cy="0"/>
+        </a:xfrm>
+      </p:grpSpPr>
+      <p:sp>
+        <p:nvSpPr>
+          <p:cNvPr id="8" name="Rectangle 7" title="Background Shape"/>
           <p:cNvSpPr/>
           <p:nvPr/>
         </p:nvSpPr>
         <p:spPr>
           <a:xfrm>
-            <a:off x="3977640" y="376"/>
-            <a:ext cx="171450" cy="6858000"/>
+            <a:off x="0" y="376"/>
+            <a:ext cx="5303520" cy="6857624"/>
+          </a:xfrm>
+          <a:prstGeom prst="rect">
+            <a:avLst/>
+          </a:prstGeom>
+          <a:solidFill>
+            <a:schemeClr val="accent1"/>
+          </a:solidFill>
+          <a:ln>
+            <a:noFill/>
+          </a:ln>
+        </p:spPr>
+        <p:style>
+          <a:lnRef idx="2">
+            <a:schemeClr val="accent1">
+              <a:shade val="50000"/>
+            </a:schemeClr>
+          </a:lnRef>
+          <a:fillRef idx="1">
+            <a:schemeClr val="accent1"/>
+          </a:fillRef>
+          <a:effectRef idx="0">
+            <a:schemeClr val="accent1"/>
+          </a:effectRef>
+          <a:fontRef idx="minor">
+            <a:schemeClr val="lt1"/>
+          </a:fontRef>
+        </p:style>
+      </p:sp>
+      <p:sp>
+        <p:nvSpPr>
+          <p:cNvPr id="2" name="Title 1"/>
+          <p:cNvSpPr>
+            <a:spLocks noGrp="1"/>
+          </p:cNvSpPr>
+          <p:nvPr>
+            <p:ph type="title"/>
+          </p:nvPr>
+        </p:nvSpPr>
+        <p:spPr>
+          <a:xfrm>
+            <a:off x="723900" y="685800"/>
+            <a:ext cx="3855720" cy="2157884"/>
+          </a:xfrm>
+        </p:spPr>
+        <p:txBody>
+          <a:bodyPr anchor="t">
+            <a:normAutofit/>
+          </a:bodyPr>
+          <a:lstStyle>
+            <a:lvl1pPr>
+              <a:lnSpc>
+                <a:spcPct val="84000"/>
+              </a:lnSpc>
+              <a:defRPr sz="4800" baseline="0"/>
+            </a:lvl1pPr>
+          </a:lstStyle>
+          <a:p>
+            <a:r>
+              <a:rPr lang="en-US" smtClean="0"/>
+              <a:t>Click to edit Master title style</a:t>
+            </a:r>
+            <a:endParaRPr lang="en-US" dirty="0"/>
+          </a:p>
+        </p:txBody>
+      </p:sp>
+      <p:sp>
+        <p:nvSpPr>
+          <p:cNvPr id="3" name="Picture Placeholder 2"/>
+          <p:cNvSpPr>
+            <a:spLocks noGrp="1" noChangeAspect="1"/>
+          </p:cNvSpPr>
+          <p:nvPr>
+            <p:ph type="pic" idx="1"/>
+          </p:nvPr>
+        </p:nvSpPr>
+        <p:spPr>
+          <a:xfrm>
+            <a:off x="5532120" y="0"/>
+            <a:ext cx="6659880" cy="6857999"/>
+          </a:xfrm>
+        </p:spPr>
+        <p:txBody>
+          <a:bodyPr anchor="t">
+            <a:normAutofit/>
+          </a:bodyPr>
+          <a:lstStyle>
+            <a:lvl1pPr marL="0" indent="0">
+              <a:buNone/>
+              <a:defRPr sz="2000"/>
+            </a:lvl1pPr>
+            <a:lvl2pPr marL="457200" indent="0">
+              <a:buNone/>
+              <a:defRPr sz="2000"/>
+            </a:lvl2pPr>
+            <a:lvl3pPr marL="914400" indent="0">
+              <a:buNone/>
+              <a:defRPr sz="2000"/>
+            </a:lvl3pPr>
+            <a:lvl4pPr marL="1371600" indent="0">
+              <a:buNone/>
+              <a:defRPr sz="2000"/>
+            </a:lvl4pPr>
+            <a:lvl5pPr marL="1828800" indent="0">
+              <a:buNone/>
+              <a:defRPr sz="2000"/>
+            </a:lvl5pPr>
+            <a:lvl6pPr marL="2286000" indent="0">
+              <a:buNone/>
+              <a:defRPr sz="2000"/>
+            </a:lvl6pPr>
+            <a:lvl7pPr marL="2743200" indent="0">
+              <a:buNone/>
+              <a:defRPr sz="2000"/>
+            </a:lvl7pPr>
+            <a:lvl8pPr marL="3200400" indent="0">
+              <a:buNone/>
+              <a:defRPr sz="2000"/>
+            </a:lvl8pPr>
+            <a:lvl9pPr marL="3657600" indent="0">
+              <a:buNone/>
+              <a:defRPr sz="2000"/>
+            </a:lvl9pPr>
+          </a:lstStyle>
+          <a:p>
+            <a:r>
+              <a:rPr lang="en-US" smtClean="0"/>
+              <a:t>Click icon to add picture</a:t>
+            </a:r>
+            <a:endParaRPr lang="en-US" dirty="0"/>
+          </a:p>
+        </p:txBody>
+      </p:sp>
+      <p:sp>
+        <p:nvSpPr>
+          <p:cNvPr id="4" name="Text Placeholder 3"/>
+          <p:cNvSpPr>
+            <a:spLocks noGrp="1"/>
+          </p:cNvSpPr>
+          <p:nvPr>
+            <p:ph type="body" sz="half" idx="2"/>
+          </p:nvPr>
+        </p:nvSpPr>
+        <p:spPr>
+          <a:xfrm>
+            <a:off x="723900" y="2855968"/>
+            <a:ext cx="3855720" cy="3011432"/>
+          </a:xfrm>
+        </p:spPr>
+        <p:txBody>
+          <a:bodyPr/>
+          <a:lstStyle>
+            <a:lvl1pPr marL="0" indent="0">
+              <a:lnSpc>
+                <a:spcPct val="113000"/>
+              </a:lnSpc>
+              <a:spcBef>
+                <a:spcPts val="0"/>
+              </a:spcBef>
+              <a:spcAft>
+                <a:spcPts val="1500"/>
+              </a:spcAft>
+              <a:buNone/>
+              <a:defRPr sz="1600"/>
+            </a:lvl1pPr>
+            <a:lvl2pPr marL="457200" indent="0">
+              <a:buNone/>
+              <a:defRPr sz="1400"/>
+            </a:lvl2pPr>
+            <a:lvl3pPr marL="914400" indent="0">
+              <a:buNone/>
+              <a:defRPr sz="1200"/>
+            </a:lvl3pPr>
+            <a:lvl4pPr marL="1371600" indent="0">
+              <a:buNone/>
+              <a:defRPr sz="1000"/>
+            </a:lvl4pPr>
+            <a:lvl5pPr marL="1828800" indent="0">
+              <a:buNone/>
+              <a:defRPr sz="1000"/>
+            </a:lvl5pPr>
+            <a:lvl6pPr marL="2286000" indent="0">
+              <a:buNone/>
+              <a:defRPr sz="1000"/>
+            </a:lvl6pPr>
+            <a:lvl7pPr marL="2743200" indent="0">
+              <a:buNone/>
+              <a:defRPr sz="1000"/>
+            </a:lvl7pPr>
+            <a:lvl8pPr marL="3200400" indent="0">
+              <a:buNone/>
+              <a:defRPr sz="1000"/>
+            </a:lvl8pPr>
+            <a:lvl9pPr marL="3657600" indent="0">
+              <a:buNone/>
+              <a:defRPr sz="1000"/>
+            </a:lvl9pPr>
+          </a:lstStyle>
+          <a:p>
+            <a:pPr lvl="0"/>
+            <a:r>
+              <a:rPr lang="en-US" smtClean="0"/>
+              <a:t>Edit Master text styles</a:t>
+            </a:r>
+          </a:p>
+        </p:txBody>
+      </p:sp>
+      <p:sp>
+        <p:nvSpPr>
+          <p:cNvPr id="5" name="Date Placeholder 4"/>
+          <p:cNvSpPr>
+            <a:spLocks noGrp="1"/>
+          </p:cNvSpPr>
+          <p:nvPr>
+            <p:ph type="dt" sz="half" idx="10"/>
+          </p:nvPr>
+        </p:nvSpPr>
+        <p:spPr>
+          <a:xfrm>
+            <a:off x="723900" y="6453386"/>
+            <a:ext cx="1204572" cy="404614"/>
+          </a:xfrm>
+        </p:spPr>
+        <p:txBody>
+          <a:bodyPr/>
+          <a:lstStyle>
+            <a:lvl1pPr>
+              <a:defRPr>
+                <a:solidFill>
+                  <a:schemeClr val="tx2"/>
+                </a:solidFill>
+              </a:defRPr>
+            </a:lvl1pPr>
+          </a:lstStyle>
+          <a:p>
+            <a:fld id="{D763724C-E7A2-4A6D-A4BD-CDB6C1C03172}" type="datetimeFigureOut">
+              <a:rPr lang="en-US" smtClean="0"/>
+              <a:t>8/2/2019</a:t>
+            </a:fld>
+            <a:endParaRPr lang="en-US"/>
+          </a:p>
+        </p:txBody>
+      </p:sp>
+      <p:sp>
+        <p:nvSpPr>
+          <p:cNvPr id="6" name="Footer Placeholder 5"/>
+          <p:cNvSpPr>
+            <a:spLocks noGrp="1"/>
+          </p:cNvSpPr>
+          <p:nvPr>
+            <p:ph type="ftr" sz="quarter" idx="11"/>
+          </p:nvPr>
+        </p:nvSpPr>
+        <p:spPr>
+          <a:xfrm>
+            <a:off x="2205945" y="6453386"/>
+            <a:ext cx="2373675" cy="404614"/>
+          </a:xfrm>
+        </p:spPr>
+        <p:txBody>
+          <a:bodyPr/>
+          <a:lstStyle>
+            <a:lvl1pPr>
+              <a:defRPr>
+                <a:solidFill>
+                  <a:schemeClr val="tx2"/>
+                </a:solidFill>
+              </a:defRPr>
+            </a:lvl1pPr>
+          </a:lstStyle>
+          <a:p>
+            <a:endParaRPr lang="en-US"/>
+          </a:p>
+        </p:txBody>
+      </p:sp>
+      <p:sp>
+        <p:nvSpPr>
+          <p:cNvPr id="7" name="Slide Number Placeholder 6"/>
+          <p:cNvSpPr>
+            <a:spLocks noGrp="1"/>
+          </p:cNvSpPr>
+          <p:nvPr>
+            <p:ph type="sldNum" sz="quarter" idx="12"/>
+          </p:nvPr>
+        </p:nvSpPr>
+        <p:spPr>
+          <a:xfrm>
+            <a:off x="9883140" y="6453386"/>
+            <a:ext cx="1596292" cy="404614"/>
+          </a:xfrm>
+        </p:spPr>
+        <p:txBody>
+          <a:bodyPr/>
+          <a:lstStyle>
+            <a:lvl1pPr>
+              <a:defRPr>
+                <a:solidFill>
+                  <a:schemeClr val="tx2"/>
+                </a:solidFill>
+              </a:defRPr>
+            </a:lvl1pPr>
+          </a:lstStyle>
+          <a:p>
+            <a:fld id="{04A3A10D-7D5E-4932-A76F-CD1632FD3D96}" type="slidenum">
+              <a:rPr lang="en-US" smtClean="0"/>
+              <a:t>‹#›</a:t>
+            </a:fld>
+            <a:endParaRPr lang="en-US"/>
+          </a:p>
+        </p:txBody>
+      </p:sp>
+      <p:sp>
+        <p:nvSpPr>
+          <p:cNvPr id="9" name="Rectangle 8" title="Divider Bar"/>
+          <p:cNvSpPr/>
+          <p:nvPr/>
+        </p:nvSpPr>
+        <p:spPr>
+          <a:xfrm>
+            <a:off x="5303520" y="376"/>
+            <a:ext cx="228600" cy="6858000"/>
           </a:xfrm>
           <a:prstGeom prst="rect">
             <a:avLst/>
@@ -3406,435 +3703,7 @@
     </p:spTree>
     <p:extLst>
       <p:ext uri="{BB962C8B-B14F-4D97-AF65-F5344CB8AC3E}">
-        <p14:creationId xmlns:p14="http://schemas.microsoft.com/office/powerpoint/2010/main" val="3885136019"/>
-      </p:ext>
-    </p:extLst>
-  </p:cSld>
-  <p:clrMapOvr>
-    <a:masterClrMapping/>
-  </p:clrMapOvr>
-</p:sldLayout>
-</file>
-
-<file path=ppt/slideLayouts/slideLayout9.xml><?xml version="1.0" encoding="utf-8"?>
-<p:sldLayout xmlns:a="http://schemas.openxmlformats.org/drawingml/2006/main" xmlns:r="http://schemas.openxmlformats.org/officeDocument/2006/relationships" xmlns:p="http://schemas.openxmlformats.org/presentationml/2006/main" showMasterSp="0" type="picTx" preserve="1">
-  <p:cSld name="Picture with Caption">
-    <p:spTree>
-      <p:nvGrpSpPr>
-        <p:cNvPr id="1" name=""/>
-        <p:cNvGrpSpPr/>
-        <p:nvPr/>
-      </p:nvGrpSpPr>
-      <p:grpSpPr>
-        <a:xfrm>
-          <a:off x="0" y="0"/>
-          <a:ext cx="0" cy="0"/>
-          <a:chOff x="0" y="0"/>
-          <a:chExt cx="0" cy="0"/>
-        </a:xfrm>
-      </p:grpSpPr>
-      <p:sp>
-        <p:nvSpPr>
-          <p:cNvPr id="8" name="Rectangle 7" title="Background Shape"/>
-          <p:cNvSpPr/>
-          <p:nvPr/>
-        </p:nvSpPr>
-        <p:spPr>
-          <a:xfrm>
-            <a:off x="0" y="376"/>
-            <a:ext cx="3977640" cy="6857624"/>
-          </a:xfrm>
-          <a:prstGeom prst="rect">
-            <a:avLst/>
-          </a:prstGeom>
-          <a:solidFill>
-            <a:schemeClr val="accent1"/>
-          </a:solidFill>
-          <a:ln>
-            <a:noFill/>
-          </a:ln>
-        </p:spPr>
-        <p:style>
-          <a:lnRef idx="2">
-            <a:schemeClr val="accent1">
-              <a:shade val="50000"/>
-            </a:schemeClr>
-          </a:lnRef>
-          <a:fillRef idx="1">
-            <a:schemeClr val="accent1"/>
-          </a:fillRef>
-          <a:effectRef idx="0">
-            <a:schemeClr val="accent1"/>
-          </a:effectRef>
-          <a:fontRef idx="minor">
-            <a:schemeClr val="lt1"/>
-          </a:fontRef>
-        </p:style>
-      </p:sp>
-      <p:sp>
-        <p:nvSpPr>
-          <p:cNvPr id="2" name="Title 1"/>
-          <p:cNvSpPr>
-            <a:spLocks noGrp="1"/>
-          </p:cNvSpPr>
-          <p:nvPr>
-            <p:ph type="title"/>
-          </p:nvPr>
-        </p:nvSpPr>
-        <p:spPr>
-          <a:xfrm>
-            <a:off x="542925" y="685800"/>
-            <a:ext cx="2891790" cy="2157884"/>
-          </a:xfrm>
-        </p:spPr>
-        <p:txBody>
-          <a:bodyPr anchor="t">
-            <a:normAutofit/>
-          </a:bodyPr>
-          <a:lstStyle>
-            <a:lvl1pPr>
-              <a:lnSpc>
-                <a:spcPct val="84000"/>
-              </a:lnSpc>
-              <a:defRPr sz="4400" baseline="0"/>
-            </a:lvl1pPr>
-          </a:lstStyle>
-          <a:p>
-            <a:r>
-              <a:rPr lang="en-US" smtClean="0"/>
-              <a:t>Click to edit Master title style</a:t>
-            </a:r>
-            <a:endParaRPr lang="en-US" dirty="0"/>
-          </a:p>
-        </p:txBody>
-      </p:sp>
-      <p:sp>
-        <p:nvSpPr>
-          <p:cNvPr id="3" name="Picture Placeholder 2"/>
-          <p:cNvSpPr>
-            <a:spLocks noGrp="1" noChangeAspect="1"/>
-          </p:cNvSpPr>
-          <p:nvPr>
-            <p:ph type="pic" idx="1"/>
-          </p:nvPr>
-        </p:nvSpPr>
-        <p:spPr>
-          <a:xfrm>
-            <a:off x="4149090" y="1"/>
-            <a:ext cx="4994910" cy="6857999"/>
-          </a:xfrm>
-        </p:spPr>
-        <p:txBody>
-          <a:bodyPr anchor="t">
-            <a:normAutofit/>
-          </a:bodyPr>
-          <a:lstStyle>
-            <a:lvl1pPr marL="0" indent="0">
-              <a:buNone/>
-              <a:defRPr sz="1500"/>
-            </a:lvl1pPr>
-            <a:lvl2pPr marL="342900" indent="0">
-              <a:buNone/>
-              <a:defRPr sz="1500"/>
-            </a:lvl2pPr>
-            <a:lvl3pPr marL="685800" indent="0">
-              <a:buNone/>
-              <a:defRPr sz="1500"/>
-            </a:lvl3pPr>
-            <a:lvl4pPr marL="1028700" indent="0">
-              <a:buNone/>
-              <a:defRPr sz="1500"/>
-            </a:lvl4pPr>
-            <a:lvl5pPr marL="1371600" indent="0">
-              <a:buNone/>
-              <a:defRPr sz="1500"/>
-            </a:lvl5pPr>
-            <a:lvl6pPr marL="1714500" indent="0">
-              <a:buNone/>
-              <a:defRPr sz="1500"/>
-            </a:lvl6pPr>
-            <a:lvl7pPr marL="2057400" indent="0">
-              <a:buNone/>
-              <a:defRPr sz="1500"/>
-            </a:lvl7pPr>
-            <a:lvl8pPr marL="2400300" indent="0">
-              <a:buNone/>
-              <a:defRPr sz="1500"/>
-            </a:lvl8pPr>
-            <a:lvl9pPr marL="2743200" indent="0">
-              <a:buNone/>
-              <a:defRPr sz="1500"/>
-            </a:lvl9pPr>
-          </a:lstStyle>
-          <a:p>
-            <a:r>
-              <a:rPr lang="en-US" smtClean="0"/>
-              <a:t>Click icon to add picture</a:t>
-            </a:r>
-            <a:endParaRPr lang="en-US" dirty="0"/>
-          </a:p>
-        </p:txBody>
-      </p:sp>
-      <p:sp>
-        <p:nvSpPr>
-          <p:cNvPr id="4" name="Text Placeholder 3"/>
-          <p:cNvSpPr>
-            <a:spLocks noGrp="1"/>
-          </p:cNvSpPr>
-          <p:nvPr>
-            <p:ph type="body" sz="half" idx="2"/>
-          </p:nvPr>
-        </p:nvSpPr>
-        <p:spPr>
-          <a:xfrm>
-            <a:off x="542925" y="2855968"/>
-            <a:ext cx="2891790" cy="3011432"/>
-          </a:xfrm>
-        </p:spPr>
-        <p:txBody>
-          <a:bodyPr>
-            <a:normAutofit/>
-          </a:bodyPr>
-          <a:lstStyle>
-            <a:lvl1pPr marL="0" indent="0">
-              <a:lnSpc>
-                <a:spcPct val="113000"/>
-              </a:lnSpc>
-              <a:spcBef>
-                <a:spcPts val="0"/>
-              </a:spcBef>
-              <a:spcAft>
-                <a:spcPts val="1500"/>
-              </a:spcAft>
-              <a:buNone/>
-              <a:defRPr sz="1600"/>
-            </a:lvl1pPr>
-            <a:lvl2pPr marL="342900" indent="0">
-              <a:buNone/>
-              <a:defRPr sz="1050"/>
-            </a:lvl2pPr>
-            <a:lvl3pPr marL="685800" indent="0">
-              <a:buNone/>
-              <a:defRPr sz="900"/>
-            </a:lvl3pPr>
-            <a:lvl4pPr marL="1028700" indent="0">
-              <a:buNone/>
-              <a:defRPr sz="750"/>
-            </a:lvl4pPr>
-            <a:lvl5pPr marL="1371600" indent="0">
-              <a:buNone/>
-              <a:defRPr sz="750"/>
-            </a:lvl5pPr>
-            <a:lvl6pPr marL="1714500" indent="0">
-              <a:buNone/>
-              <a:defRPr sz="750"/>
-            </a:lvl6pPr>
-            <a:lvl7pPr marL="2057400" indent="0">
-              <a:buNone/>
-              <a:defRPr sz="750"/>
-            </a:lvl7pPr>
-            <a:lvl8pPr marL="2400300" indent="0">
-              <a:buNone/>
-              <a:defRPr sz="750"/>
-            </a:lvl8pPr>
-            <a:lvl9pPr marL="2743200" indent="0">
-              <a:buNone/>
-              <a:defRPr sz="750"/>
-            </a:lvl9pPr>
-          </a:lstStyle>
-          <a:p>
-            <a:pPr lvl="0"/>
-            <a:r>
-              <a:rPr lang="en-US" smtClean="0"/>
-              <a:t>Click to edit Master text styles</a:t>
-            </a:r>
-          </a:p>
-        </p:txBody>
-      </p:sp>
-      <p:sp>
-        <p:nvSpPr>
-          <p:cNvPr id="5" name="Date Placeholder 4"/>
-          <p:cNvSpPr>
-            <a:spLocks noGrp="1"/>
-          </p:cNvSpPr>
-          <p:nvPr>
-            <p:ph type="dt" sz="half" idx="10"/>
-          </p:nvPr>
-        </p:nvSpPr>
-        <p:spPr>
-          <a:xfrm>
-            <a:off x="542925" y="6453386"/>
-            <a:ext cx="903429" cy="404614"/>
-          </a:xfrm>
-        </p:spPr>
-        <p:txBody>
-          <a:bodyPr/>
-          <a:lstStyle>
-            <a:lvl1pPr>
-              <a:defRPr>
-                <a:solidFill>
-                  <a:schemeClr val="tx2"/>
-                </a:solidFill>
-              </a:defRPr>
-            </a:lvl1pPr>
-          </a:lstStyle>
-          <a:p>
-            <a:fld id="{D763724C-E7A2-4A6D-A4BD-CDB6C1C03172}" type="datetimeFigureOut">
-              <a:rPr lang="en-US" smtClean="0"/>
-              <a:t>12/29/2018</a:t>
-            </a:fld>
-            <a:endParaRPr lang="en-US"/>
-          </a:p>
-        </p:txBody>
-      </p:sp>
-      <p:sp>
-        <p:nvSpPr>
-          <p:cNvPr id="6" name="Footer Placeholder 5"/>
-          <p:cNvSpPr>
-            <a:spLocks noGrp="1"/>
-          </p:cNvSpPr>
-          <p:nvPr>
-            <p:ph type="ftr" sz="quarter" idx="11"/>
-          </p:nvPr>
-        </p:nvSpPr>
-        <p:spPr>
-          <a:xfrm>
-            <a:off x="1654459" y="6453386"/>
-            <a:ext cx="1780256" cy="404614"/>
-          </a:xfrm>
-        </p:spPr>
-        <p:txBody>
-          <a:bodyPr/>
-          <a:lstStyle>
-            <a:lvl1pPr>
-              <a:defRPr>
-                <a:solidFill>
-                  <a:schemeClr val="tx2"/>
-                </a:solidFill>
-              </a:defRPr>
-            </a:lvl1pPr>
-          </a:lstStyle>
-          <a:p>
-            <a:endParaRPr lang="en-US"/>
-          </a:p>
-        </p:txBody>
-      </p:sp>
-      <p:sp>
-        <p:nvSpPr>
-          <p:cNvPr id="7" name="Slide Number Placeholder 6"/>
-          <p:cNvSpPr>
-            <a:spLocks noGrp="1"/>
-          </p:cNvSpPr>
-          <p:nvPr>
-            <p:ph type="sldNum" sz="quarter" idx="12"/>
-          </p:nvPr>
-        </p:nvSpPr>
-        <p:spPr>
-          <a:xfrm>
-            <a:off x="7412355" y="6453386"/>
-            <a:ext cx="1197219" cy="404614"/>
-          </a:xfrm>
-        </p:spPr>
-        <p:txBody>
-          <a:bodyPr/>
-          <a:lstStyle>
-            <a:lvl1pPr>
-              <a:defRPr>
-                <a:solidFill>
-                  <a:schemeClr val="tx2"/>
-                </a:solidFill>
-              </a:defRPr>
-            </a:lvl1pPr>
-          </a:lstStyle>
-          <a:p>
-            <a:fld id="{04A3A10D-7D5E-4932-A76F-CD1632FD3D96}" type="slidenum">
-              <a:rPr lang="en-US" smtClean="0"/>
-              <a:t>‹#›</a:t>
-            </a:fld>
-            <a:endParaRPr lang="en-US"/>
-          </a:p>
-        </p:txBody>
-      </p:sp>
-      <p:sp>
-        <p:nvSpPr>
-          <p:cNvPr id="9" name="Rectangle 8"/>
-          <p:cNvSpPr/>
-          <p:nvPr/>
-        </p:nvSpPr>
-        <p:spPr>
-          <a:xfrm>
-            <a:off x="3977640" y="376"/>
-            <a:ext cx="171450" cy="6858000"/>
-          </a:xfrm>
-          <a:prstGeom prst="rect">
-            <a:avLst/>
-          </a:prstGeom>
-          <a:solidFill>
-            <a:schemeClr val="tx2"/>
-          </a:solidFill>
-          <a:ln>
-            <a:noFill/>
-          </a:ln>
-        </p:spPr>
-        <p:style>
-          <a:lnRef idx="2">
-            <a:schemeClr val="accent1">
-              <a:shade val="50000"/>
-            </a:schemeClr>
-          </a:lnRef>
-          <a:fillRef idx="1">
-            <a:schemeClr val="accent1"/>
-          </a:fillRef>
-          <a:effectRef idx="0">
-            <a:schemeClr val="accent1"/>
-          </a:effectRef>
-          <a:fontRef idx="minor">
-            <a:schemeClr val="lt1"/>
-          </a:fontRef>
-        </p:style>
-      </p:sp>
-      <p:sp>
-        <p:nvSpPr>
-          <p:cNvPr id="11" name="Rectangle 10" title="Divider Bar"/>
-          <p:cNvSpPr/>
-          <p:nvPr/>
-        </p:nvSpPr>
-        <p:spPr>
-          <a:xfrm>
-            <a:off x="3977640" y="376"/>
-            <a:ext cx="171450" cy="6858000"/>
-          </a:xfrm>
-          <a:prstGeom prst="rect">
-            <a:avLst/>
-          </a:prstGeom>
-          <a:solidFill>
-            <a:schemeClr val="tx2"/>
-          </a:solidFill>
-          <a:ln>
-            <a:noFill/>
-          </a:ln>
-        </p:spPr>
-        <p:style>
-          <a:lnRef idx="2">
-            <a:schemeClr val="accent1">
-              <a:shade val="50000"/>
-            </a:schemeClr>
-          </a:lnRef>
-          <a:fillRef idx="1">
-            <a:schemeClr val="accent1"/>
-          </a:fillRef>
-          <a:effectRef idx="0">
-            <a:schemeClr val="accent1"/>
-          </a:effectRef>
-          <a:fontRef idx="minor">
-            <a:schemeClr val="lt1"/>
-          </a:fontRef>
-        </p:style>
-      </p:sp>
-    </p:spTree>
-    <p:extLst>
-      <p:ext uri="{BB962C8B-B14F-4D97-AF65-F5344CB8AC3E}">
-        <p14:creationId xmlns:p14="http://schemas.microsoft.com/office/powerpoint/2010/main" val="1103007893"/>
+        <p14:creationId xmlns:p14="http://schemas.microsoft.com/office/powerpoint/2010/main" val="501879152"/>
       </p:ext>
     </p:extLst>
   </p:cSld>
@@ -3881,8 +3750,8 @@
         </p:nvSpPr>
         <p:spPr>
           <a:xfrm>
-            <a:off x="1028700" y="685800"/>
-            <a:ext cx="7200900" cy="1485900"/>
+            <a:off x="1371600" y="685800"/>
+            <a:ext cx="9601200" cy="1485900"/>
           </a:xfrm>
           <a:prstGeom prst="rect">
             <a:avLst/>
@@ -3914,8 +3783,8 @@
         </p:nvSpPr>
         <p:spPr>
           <a:xfrm>
-            <a:off x="1028700" y="2286000"/>
-            <a:ext cx="7200900" cy="3581400"/>
+            <a:off x="1371600" y="2286000"/>
+            <a:ext cx="9601200" cy="3581400"/>
           </a:xfrm>
           <a:prstGeom prst="rect">
             <a:avLst/>
@@ -3930,7 +3799,7 @@
             <a:pPr lvl="0"/>
             <a:r>
               <a:rPr lang="en-US" smtClean="0"/>
-              <a:t>Click to edit Master text styles</a:t>
+              <a:t>Edit Master text styles</a:t>
             </a:r>
           </a:p>
           <a:p>
@@ -3976,8 +3845,8 @@
         </p:nvSpPr>
         <p:spPr>
           <a:xfrm>
-            <a:off x="1042987" y="6453386"/>
-            <a:ext cx="903429" cy="404614"/>
+            <a:off x="1390650" y="6453386"/>
+            <a:ext cx="1204572" cy="404614"/>
           </a:xfrm>
           <a:prstGeom prst="rect">
             <a:avLst/>
@@ -3987,7 +3856,7 @@
           <a:bodyPr vert="horz" lIns="91440" tIns="45720" rIns="91440" bIns="45720" rtlCol="0" anchor="ctr"/>
           <a:lstStyle>
             <a:lvl1pPr algn="l">
-              <a:defRPr sz="1000" baseline="0">
+              <a:defRPr sz="1200" baseline="0">
                 <a:solidFill>
                   <a:schemeClr val="tx2"/>
                 </a:solidFill>
@@ -3997,7 +3866,7 @@
           <a:p>
             <a:fld id="{D763724C-E7A2-4A6D-A4BD-CDB6C1C03172}" type="datetimeFigureOut">
               <a:rPr lang="en-US" smtClean="0"/>
-              <a:t>12/29/2018</a:t>
+              <a:t>8/2/2019</a:t>
             </a:fld>
             <a:endParaRPr lang="en-US" dirty="0"/>
           </a:p>
@@ -4015,8 +3884,8 @@
         </p:nvSpPr>
         <p:spPr>
           <a:xfrm>
-            <a:off x="2170173" y="6453386"/>
-            <a:ext cx="4710623" cy="404614"/>
+            <a:off x="2893564" y="6453386"/>
+            <a:ext cx="6280830" cy="404614"/>
           </a:xfrm>
           <a:prstGeom prst="rect">
             <a:avLst/>
@@ -4026,7 +3895,7 @@
           <a:bodyPr vert="horz" lIns="91440" tIns="45720" rIns="91440" bIns="45720" rtlCol="0" anchor="ctr"/>
           <a:lstStyle>
             <a:lvl1pPr algn="l">
-              <a:defRPr sz="1000" baseline="0">
+              <a:defRPr sz="1200" baseline="0">
                 <a:solidFill>
                   <a:schemeClr val="tx2"/>
                 </a:solidFill>
@@ -4050,8 +3919,8 @@
         </p:nvSpPr>
         <p:spPr>
           <a:xfrm>
-            <a:off x="7104552" y="6453386"/>
-            <a:ext cx="1197219" cy="404614"/>
+            <a:off x="9472736" y="6453386"/>
+            <a:ext cx="1596292" cy="404614"/>
           </a:xfrm>
           <a:prstGeom prst="rect">
             <a:avLst/>
@@ -4061,7 +3930,7 @@
           <a:bodyPr vert="horz" lIns="91440" tIns="45720" rIns="91440" bIns="45720" rtlCol="0" anchor="ctr"/>
           <a:lstStyle>
             <a:lvl1pPr algn="r">
-              <a:defRPr sz="1000" baseline="0">
+              <a:defRPr sz="1200" baseline="0">
                 <a:solidFill>
                   <a:schemeClr val="tx2"/>
                 </a:solidFill>
@@ -4079,14 +3948,14 @@
       </p:sp>
       <p:sp>
         <p:nvSpPr>
-          <p:cNvPr id="9" name="Rectangle 8"/>
+          <p:cNvPr id="9" name="Rectangle 8" title="Side bar"/>
           <p:cNvSpPr/>
           <p:nvPr/>
         </p:nvSpPr>
         <p:spPr>
           <a:xfrm>
-            <a:off x="358571" y="376"/>
-            <a:ext cx="171450" cy="6858000"/>
+            <a:off x="478095" y="376"/>
+            <a:ext cx="228600" cy="6858000"/>
           </a:xfrm>
           <a:prstGeom prst="rect">
             <a:avLst/>
@@ -4115,68 +3984,30 @@
           </a:fontRef>
         </p:style>
       </p:sp>
-      <p:sp>
-        <p:nvSpPr>
-          <p:cNvPr id="8" name="Rectangle 7" title="Side bar"/>
-          <p:cNvSpPr/>
-          <p:nvPr/>
-        </p:nvSpPr>
-        <p:spPr>
-          <a:xfrm>
-            <a:off x="358571" y="376"/>
-            <a:ext cx="171450" cy="6858000"/>
-          </a:xfrm>
-          <a:prstGeom prst="rect">
-            <a:avLst/>
-          </a:prstGeom>
-          <a:solidFill>
-            <a:schemeClr val="tx2"/>
-          </a:solidFill>
-          <a:ln>
-            <a:noFill/>
-          </a:ln>
-        </p:spPr>
-        <p:style>
-          <a:lnRef idx="2">
-            <a:schemeClr val="accent1">
-              <a:shade val="50000"/>
-            </a:schemeClr>
-          </a:lnRef>
-          <a:fillRef idx="1">
-            <a:schemeClr val="accent1"/>
-          </a:fillRef>
-          <a:effectRef idx="0">
-            <a:schemeClr val="accent1"/>
-          </a:effectRef>
-          <a:fontRef idx="minor">
-            <a:schemeClr val="lt1"/>
-          </a:fontRef>
-        </p:style>
-      </p:sp>
     </p:spTree>
     <p:extLst>
       <p:ext uri="{BB962C8B-B14F-4D97-AF65-F5344CB8AC3E}">
-        <p14:creationId xmlns:p14="http://schemas.microsoft.com/office/powerpoint/2010/main" val="3418619572"/>
+        <p14:creationId xmlns:p14="http://schemas.microsoft.com/office/powerpoint/2010/main" val="1780369816"/>
       </p:ext>
     </p:extLst>
   </p:cSld>
   <p:clrMap bg1="lt1" tx1="dk1" bg2="lt2" tx2="dk2" accent1="accent1" accent2="accent2" accent3="accent3" accent4="accent4" accent5="accent5" accent6="accent6" hlink="hlink" folHlink="folHlink"/>
   <p:sldLayoutIdLst>
-    <p:sldLayoutId id="2147483814" r:id="rId1"/>
-    <p:sldLayoutId id="2147483815" r:id="rId2"/>
-    <p:sldLayoutId id="2147483816" r:id="rId3"/>
-    <p:sldLayoutId id="2147483817" r:id="rId4"/>
-    <p:sldLayoutId id="2147483818" r:id="rId5"/>
-    <p:sldLayoutId id="2147483819" r:id="rId6"/>
-    <p:sldLayoutId id="2147483820" r:id="rId7"/>
-    <p:sldLayoutId id="2147483821" r:id="rId8"/>
-    <p:sldLayoutId id="2147483822" r:id="rId9"/>
-    <p:sldLayoutId id="2147483823" r:id="rId10"/>
-    <p:sldLayoutId id="2147483824" r:id="rId11"/>
+    <p:sldLayoutId id="2147483826" r:id="rId1"/>
+    <p:sldLayoutId id="2147483827" r:id="rId2"/>
+    <p:sldLayoutId id="2147483828" r:id="rId3"/>
+    <p:sldLayoutId id="2147483829" r:id="rId4"/>
+    <p:sldLayoutId id="2147483830" r:id="rId5"/>
+    <p:sldLayoutId id="2147483831" r:id="rId6"/>
+    <p:sldLayoutId id="2147483832" r:id="rId7"/>
+    <p:sldLayoutId id="2147483833" r:id="rId8"/>
+    <p:sldLayoutId id="2147483834" r:id="rId9"/>
+    <p:sldLayoutId id="2147483835" r:id="rId10"/>
+    <p:sldLayoutId id="2147483836" r:id="rId11"/>
   </p:sldLayoutIdLst>
   <p:txStyles>
     <p:titleStyle>
-      <a:lvl1pPr algn="l" defTabSz="685800" rtl="0" eaLnBrk="1" latinLnBrk="0" hangingPunct="1">
+      <a:lvl1pPr algn="l" defTabSz="914400" rtl="0" eaLnBrk="1" latinLnBrk="0" hangingPunct="1">
         <a:lnSpc>
           <a:spcPct val="89000"/>
         </a:lnSpc>
@@ -4195,7 +4026,7 @@
       </a:lvl1pPr>
     </p:titleStyle>
     <p:bodyStyle>
-      <a:lvl1pPr marL="384048" indent="-384048" algn="l" defTabSz="685800" rtl="0" eaLnBrk="1" latinLnBrk="0" hangingPunct="1">
+      <a:lvl1pPr marL="384048" indent="-384048" algn="l" defTabSz="914400" rtl="0" eaLnBrk="1" latinLnBrk="0" hangingPunct="1">
         <a:lnSpc>
           <a:spcPct val="94000"/>
         </a:lnSpc>
@@ -4216,7 +4047,7 @@
           <a:cs typeface="+mn-cs"/>
         </a:defRPr>
       </a:lvl1pPr>
-      <a:lvl2pPr marL="914400" indent="-384048" algn="l" defTabSz="685800" rtl="0" eaLnBrk="1" latinLnBrk="0" hangingPunct="1">
+      <a:lvl2pPr marL="914400" indent="-384048" algn="l" defTabSz="914400" rtl="0" eaLnBrk="1" latinLnBrk="0" hangingPunct="1">
         <a:lnSpc>
           <a:spcPct val="94000"/>
         </a:lnSpc>
@@ -4237,7 +4068,7 @@
           <a:cs typeface="+mn-cs"/>
         </a:defRPr>
       </a:lvl2pPr>
-      <a:lvl3pPr marL="1371600" indent="-384048" algn="l" defTabSz="685800" rtl="0" eaLnBrk="1" latinLnBrk="0" hangingPunct="1">
+      <a:lvl3pPr marL="1371600" indent="-384048" algn="l" defTabSz="914400" rtl="0" eaLnBrk="1" latinLnBrk="0" hangingPunct="1">
         <a:lnSpc>
           <a:spcPct val="94000"/>
         </a:lnSpc>
@@ -4258,7 +4089,7 @@
           <a:cs typeface="+mn-cs"/>
         </a:defRPr>
       </a:lvl3pPr>
-      <a:lvl4pPr marL="1828800" indent="-384048" algn="l" defTabSz="685800" rtl="0" eaLnBrk="1" latinLnBrk="0" hangingPunct="1">
+      <a:lvl4pPr marL="1828800" indent="-384048" algn="l" defTabSz="914400" rtl="0" eaLnBrk="1" latinLnBrk="0" hangingPunct="1">
         <a:lnSpc>
           <a:spcPct val="94000"/>
         </a:lnSpc>
@@ -4279,7 +4110,7 @@
           <a:cs typeface="+mn-cs"/>
         </a:defRPr>
       </a:lvl4pPr>
-      <a:lvl5pPr marL="2286000" indent="-384048" algn="l" defTabSz="685800" rtl="0" eaLnBrk="1" latinLnBrk="0" hangingPunct="1">
+      <a:lvl5pPr marL="2286000" indent="-384048" algn="l" defTabSz="914400" rtl="0" eaLnBrk="1" latinLnBrk="0" hangingPunct="1">
         <a:lnSpc>
           <a:spcPct val="94000"/>
         </a:lnSpc>
@@ -4300,7 +4131,7 @@
           <a:cs typeface="+mn-cs"/>
         </a:defRPr>
       </a:lvl5pPr>
-      <a:lvl6pPr marL="2743200" indent="-384048" algn="l" defTabSz="685800" rtl="0" eaLnBrk="1" latinLnBrk="0" hangingPunct="1">
+      <a:lvl6pPr marL="2743200" indent="-384048" algn="l" defTabSz="914400" rtl="0" eaLnBrk="1" latinLnBrk="0" hangingPunct="1">
         <a:lnSpc>
           <a:spcPct val="94000"/>
         </a:lnSpc>
@@ -4321,7 +4152,7 @@
           <a:cs typeface="+mn-cs"/>
         </a:defRPr>
       </a:lvl6pPr>
-      <a:lvl7pPr marL="3200400" indent="-384048" algn="l" defTabSz="685800" rtl="0" eaLnBrk="1" latinLnBrk="0" hangingPunct="1">
+      <a:lvl7pPr marL="3200400" indent="-384048" algn="l" defTabSz="914400" rtl="0" eaLnBrk="1" latinLnBrk="0" hangingPunct="1">
         <a:lnSpc>
           <a:spcPct val="94000"/>
         </a:lnSpc>
@@ -4342,7 +4173,7 @@
           <a:cs typeface="+mn-cs"/>
         </a:defRPr>
       </a:lvl7pPr>
-      <a:lvl8pPr marL="3657600" indent="-384048" algn="l" defTabSz="685800" rtl="0" eaLnBrk="1" latinLnBrk="0" hangingPunct="1">
+      <a:lvl8pPr marL="3657600" indent="-384048" algn="l" defTabSz="914400" rtl="0" eaLnBrk="1" latinLnBrk="0" hangingPunct="1">
         <a:lnSpc>
           <a:spcPct val="94000"/>
         </a:lnSpc>
@@ -4363,7 +4194,7 @@
           <a:cs typeface="+mn-cs"/>
         </a:defRPr>
       </a:lvl8pPr>
-      <a:lvl9pPr marL="4114800" indent="-384048" algn="l" defTabSz="685800" rtl="0" eaLnBrk="1" latinLnBrk="0" hangingPunct="1">
+      <a:lvl9pPr marL="4114800" indent="-384048" algn="l" defTabSz="914400" rtl="0" eaLnBrk="1" latinLnBrk="0" hangingPunct="1">
         <a:lnSpc>
           <a:spcPct val="94000"/>
         </a:lnSpc>
@@ -4389,8 +4220,8 @@
       <a:defPPr>
         <a:defRPr lang="en-US"/>
       </a:defPPr>
-      <a:lvl1pPr marL="0" algn="l" defTabSz="685800" rtl="0" eaLnBrk="1" latinLnBrk="0" hangingPunct="1">
-        <a:defRPr sz="1350" kern="1200">
+      <a:lvl1pPr marL="0" algn="l" defTabSz="914400" rtl="0" eaLnBrk="1" latinLnBrk="0" hangingPunct="1">
+        <a:defRPr sz="1800" kern="1200">
           <a:solidFill>
             <a:schemeClr val="tx1"/>
           </a:solidFill>
@@ -4399,8 +4230,8 @@
           <a:cs typeface="+mn-cs"/>
         </a:defRPr>
       </a:lvl1pPr>
-      <a:lvl2pPr marL="342900" algn="l" defTabSz="685800" rtl="0" eaLnBrk="1" latinLnBrk="0" hangingPunct="1">
-        <a:defRPr sz="1350" kern="1200">
+      <a:lvl2pPr marL="457200" algn="l" defTabSz="914400" rtl="0" eaLnBrk="1" latinLnBrk="0" hangingPunct="1">
+        <a:defRPr sz="1800" kern="1200">
           <a:solidFill>
             <a:schemeClr val="tx1"/>
           </a:solidFill>
@@ -4409,8 +4240,8 @@
           <a:cs typeface="+mn-cs"/>
         </a:defRPr>
       </a:lvl2pPr>
-      <a:lvl3pPr marL="685800" algn="l" defTabSz="685800" rtl="0" eaLnBrk="1" latinLnBrk="0" hangingPunct="1">
-        <a:defRPr sz="1350" kern="1200">
+      <a:lvl3pPr marL="914400" algn="l" defTabSz="914400" rtl="0" eaLnBrk="1" latinLnBrk="0" hangingPunct="1">
+        <a:defRPr sz="1800" kern="1200">
           <a:solidFill>
             <a:schemeClr val="tx1"/>
           </a:solidFill>
@@ -4419,8 +4250,8 @@
           <a:cs typeface="+mn-cs"/>
         </a:defRPr>
       </a:lvl3pPr>
-      <a:lvl4pPr marL="1028700" algn="l" defTabSz="685800" rtl="0" eaLnBrk="1" latinLnBrk="0" hangingPunct="1">
-        <a:defRPr sz="1350" kern="1200">
+      <a:lvl4pPr marL="1371600" algn="l" defTabSz="914400" rtl="0" eaLnBrk="1" latinLnBrk="0" hangingPunct="1">
+        <a:defRPr sz="1800" kern="1200">
           <a:solidFill>
             <a:schemeClr val="tx1"/>
           </a:solidFill>
@@ -4429,8 +4260,8 @@
           <a:cs typeface="+mn-cs"/>
         </a:defRPr>
       </a:lvl4pPr>
-      <a:lvl5pPr marL="1371600" algn="l" defTabSz="685800" rtl="0" eaLnBrk="1" latinLnBrk="0" hangingPunct="1">
-        <a:defRPr sz="1350" kern="1200">
+      <a:lvl5pPr marL="1828800" algn="l" defTabSz="914400" rtl="0" eaLnBrk="1" latinLnBrk="0" hangingPunct="1">
+        <a:defRPr sz="1800" kern="1200">
           <a:solidFill>
             <a:schemeClr val="tx1"/>
           </a:solidFill>
@@ -4439,8 +4270,8 @@
           <a:cs typeface="+mn-cs"/>
         </a:defRPr>
       </a:lvl5pPr>
-      <a:lvl6pPr marL="1714500" algn="l" defTabSz="685800" rtl="0" eaLnBrk="1" latinLnBrk="0" hangingPunct="1">
-        <a:defRPr sz="1350" kern="1200">
+      <a:lvl6pPr marL="2286000" algn="l" defTabSz="914400" rtl="0" eaLnBrk="1" latinLnBrk="0" hangingPunct="1">
+        <a:defRPr sz="1800" kern="1200">
           <a:solidFill>
             <a:schemeClr val="tx1"/>
           </a:solidFill>
@@ -4449,8 +4280,8 @@
           <a:cs typeface="+mn-cs"/>
         </a:defRPr>
       </a:lvl6pPr>
-      <a:lvl7pPr marL="2057400" algn="l" defTabSz="685800" rtl="0" eaLnBrk="1" latinLnBrk="0" hangingPunct="1">
-        <a:defRPr sz="1350" kern="1200">
+      <a:lvl7pPr marL="2743200" algn="l" defTabSz="914400" rtl="0" eaLnBrk="1" latinLnBrk="0" hangingPunct="1">
+        <a:defRPr sz="1800" kern="1200">
           <a:solidFill>
             <a:schemeClr val="tx1"/>
           </a:solidFill>
@@ -4459,8 +4290,8 @@
           <a:cs typeface="+mn-cs"/>
         </a:defRPr>
       </a:lvl7pPr>
-      <a:lvl8pPr marL="2400300" algn="l" defTabSz="685800" rtl="0" eaLnBrk="1" latinLnBrk="0" hangingPunct="1">
-        <a:defRPr sz="1350" kern="1200">
+      <a:lvl8pPr marL="3200400" algn="l" defTabSz="914400" rtl="0" eaLnBrk="1" latinLnBrk="0" hangingPunct="1">
+        <a:defRPr sz="1800" kern="1200">
           <a:solidFill>
             <a:schemeClr val="tx1"/>
           </a:solidFill>
@@ -4469,8 +4300,8 @@
           <a:cs typeface="+mn-cs"/>
         </a:defRPr>
       </a:lvl8pPr>
-      <a:lvl9pPr marL="2743200" algn="l" defTabSz="685800" rtl="0" eaLnBrk="1" latinLnBrk="0" hangingPunct="1">
-        <a:defRPr sz="1350" kern="1200">
+      <a:lvl9pPr marL="3657600" algn="l" defTabSz="914400" rtl="0" eaLnBrk="1" latinLnBrk="0" hangingPunct="1">
+        <a:defRPr sz="1800" kern="1200">
           <a:solidFill>
             <a:schemeClr val="tx1"/>
           </a:solidFill>
@@ -4484,57 +4315,57 @@
   <p:extLst mod="1">
     <p:ext uri="{27BBF7A9-308A-43DC-89C8-2F10F3537804}">
       <p15:sldGuideLst xmlns:p15="http://schemas.microsoft.com/office/powerpoint/2012/main">
-        <p15:guide id="1" pos="6912">
+        <p15:guide id="12" pos="9216" userDrawn="1">
           <p15:clr>
             <a:srgbClr val="F26B43"/>
           </p15:clr>
         </p15:guide>
-        <p15:guide id="2" pos="936">
+        <p15:guide id="13" pos="1248" userDrawn="1">
           <p15:clr>
             <a:srgbClr val="F26B43"/>
           </p15:clr>
         </p15:guide>
-        <p15:guide id="3" pos="864">
+        <p15:guide id="14" pos="1152" userDrawn="1">
           <p15:clr>
             <a:srgbClr val="F26B43"/>
           </p15:clr>
         </p15:guide>
-        <p15:guide id="4" orient="horz" pos="1368">
+        <p15:guide id="15" orient="horz" pos="1368" userDrawn="1">
           <p15:clr>
             <a:srgbClr val="F26B43"/>
           </p15:clr>
         </p15:guide>
-        <p15:guide id="5" orient="horz" pos="1440">
+        <p15:guide id="16" orient="horz" pos="1440" userDrawn="1">
           <p15:clr>
             <a:srgbClr val="F26B43"/>
           </p15:clr>
         </p15:guide>
-        <p15:guide id="6" orient="horz" pos="3696">
+        <p15:guide id="17" orient="horz" pos="3696" userDrawn="1">
           <p15:clr>
             <a:srgbClr val="F26B43"/>
           </p15:clr>
         </p15:guide>
-        <p15:guide id="7" orient="horz" pos="432">
+        <p15:guide id="18" orient="horz" pos="432" userDrawn="1">
           <p15:clr>
             <a:srgbClr val="F26B43"/>
           </p15:clr>
         </p15:guide>
-        <p15:guide id="8" orient="horz" pos="1512">
+        <p15:guide id="19" orient="horz" pos="1512" userDrawn="1">
           <p15:clr>
             <a:srgbClr val="F26B43"/>
           </p15:clr>
         </p15:guide>
-        <p15:guide id="9" pos="5184">
+        <p15:guide id="20" pos="6912" userDrawn="1">
           <p15:clr>
             <a:srgbClr val="F26B43"/>
           </p15:clr>
         </p15:guide>
-        <p15:guide id="10" pos="702">
+        <p15:guide id="21" pos="936" userDrawn="1">
           <p15:clr>
             <a:srgbClr val="F26B43"/>
           </p15:clr>
         </p15:guide>
-        <p15:guide id="11" pos="648">
+        <p15:guide id="22" pos="864" userDrawn="1">
           <p15:clr>
             <a:srgbClr val="F26B43"/>
           </p15:clr>
@@ -4673,7 +4504,7 @@
         </p:nvSpPr>
         <p:spPr>
           <a:xfrm>
-            <a:off x="990600" y="1828800"/>
+            <a:off x="2514600" y="1828800"/>
             <a:ext cx="7200900" cy="4267200"/>
           </a:xfrm>
         </p:spPr>
@@ -4879,29 +4710,29 @@
           <a:lstStyle/>
           <a:p>
             <a:r>
-              <a:rPr lang="en-US" sz="1800" dirty="0" smtClean="0"/>
+              <a:rPr lang="en-US" sz="1800" dirty="0"/>
               <a:t>It </a:t>
             </a:r>
             <a:r>
               <a:rPr lang="en-US" sz="1800" dirty="0"/>
               <a:t>is important to remember that a vector can only be composed of one data type. </a:t>
             </a:r>
-            <a:endParaRPr lang="en-US" sz="1800" dirty="0" smtClean="0"/>
-          </a:p>
-          <a:p>
-            <a:r>
-              <a:rPr lang="en-US" sz="1800" dirty="0" smtClean="0"/>
+            <a:endParaRPr lang="en-US" sz="1800" dirty="0"/>
+          </a:p>
+          <a:p>
+            <a:r>
+              <a:rPr lang="en-US" sz="1800" dirty="0"/>
               <a:t>This </a:t>
             </a:r>
             <a:r>
               <a:rPr lang="en-US" sz="1800" dirty="0"/>
               <a:t>means that you cannot have both a numeric and a character in the same vector. </a:t>
             </a:r>
-            <a:endParaRPr lang="en-US" sz="1800" dirty="0" smtClean="0"/>
-          </a:p>
-          <a:p>
-            <a:r>
-              <a:rPr lang="en-US" sz="1800" dirty="0" smtClean="0"/>
+            <a:endParaRPr lang="en-US" sz="1800" dirty="0"/>
+          </a:p>
+          <a:p>
+            <a:r>
+              <a:rPr lang="en-US" sz="1800" dirty="0"/>
               <a:t>If </a:t>
             </a:r>
             <a:r>
@@ -4909,15 +4740,15 @@
               <a:t>you attempt to do this, the lower ranking type will </a:t>
             </a:r>
             <a:r>
-              <a:rPr lang="en-US" sz="1800" dirty="0" smtClean="0"/>
+              <a:rPr lang="en-US" sz="1800" dirty="0"/>
               <a:t>be </a:t>
             </a:r>
             <a:r>
-              <a:rPr lang="en-US" sz="1800" i="1" dirty="0" smtClean="0"/>
+              <a:rPr lang="en-US" sz="1800" i="1" dirty="0"/>
               <a:t>coerced </a:t>
             </a:r>
             <a:r>
-              <a:rPr lang="en-US" sz="1800" dirty="0" smtClean="0"/>
+              <a:rPr lang="en-US" sz="1800" dirty="0"/>
               <a:t>into </a:t>
             </a:r>
             <a:r>
@@ -4925,7 +4756,7 @@
               <a:t>the higher ranking type</a:t>
             </a:r>
             <a:r>
-              <a:rPr lang="en-US" sz="1800" dirty="0" smtClean="0"/>
+              <a:rPr lang="en-US" sz="1800" dirty="0"/>
               <a:t>.</a:t>
             </a:r>
           </a:p>
@@ -5001,7 +4832,7 @@
           <a:p>
             <a:r>
               <a:rPr lang="en-US" dirty="0" smtClean="0"/>
-              <a:t>Arithmetic Operations</a:t>
+              <a:t>Useful Functions</a:t>
             </a:r>
             <a:endParaRPr lang="en-US" dirty="0"/>
           </a:p>
@@ -5019,47 +4850,133 @@
         </p:nvSpPr>
         <p:spPr/>
         <p:txBody>
-          <a:bodyPr/>
-          <a:lstStyle/>
-          <a:p>
-            <a:r>
-              <a:rPr lang="en-US" dirty="0" smtClean="0"/>
-              <a:t>the +, -,  /,  *, %% operation will be applied element-wise</a:t>
-            </a:r>
-          </a:p>
-          <a:p>
-            <a:pPr marL="0" indent="0">
-              <a:buNone/>
-            </a:pPr>
-            <a:r>
-              <a:rPr lang="en-US" dirty="0"/>
-              <a:t>&gt; x &lt;- c(1,2,4)</a:t>
-            </a:r>
-          </a:p>
-          <a:p>
-            <a:pPr marL="0" indent="0">
-              <a:buNone/>
-            </a:pPr>
-            <a:r>
-              <a:rPr lang="en-US" dirty="0"/>
-              <a:t>&gt; x + c(5,0,-1)</a:t>
-            </a:r>
-          </a:p>
-          <a:p>
-            <a:pPr marL="0" indent="0">
-              <a:buNone/>
-            </a:pPr>
-            <a:r>
-              <a:rPr lang="en-US" dirty="0"/>
-              <a:t>[1] 6 2 3</a:t>
-            </a:r>
+          <a:bodyPr>
+            <a:normAutofit/>
+          </a:bodyPr>
+          <a:lstStyle/>
+          <a:p>
+            <a:r>
+              <a:rPr lang="en-US" dirty="0" smtClean="0"/>
+              <a:t>min(), max(), mean(), median(), </a:t>
+            </a:r>
+            <a:r>
+              <a:rPr lang="en-US" dirty="0" err="1" smtClean="0"/>
+              <a:t>sd</a:t>
+            </a:r>
+            <a:r>
+              <a:rPr lang="en-US" dirty="0" smtClean="0"/>
+              <a:t>(), </a:t>
+            </a:r>
+            <a:r>
+              <a:rPr lang="en-US" dirty="0"/>
+              <a:t>sum(), </a:t>
+            </a:r>
+            <a:r>
+              <a:rPr lang="en-US" dirty="0" smtClean="0"/>
+              <a:t> prod(), unique(), abs()</a:t>
+            </a:r>
+          </a:p>
+          <a:p>
+            <a:r>
+              <a:rPr lang="en-US" dirty="0" smtClean="0"/>
+              <a:t>range() : Min and Max</a:t>
+            </a:r>
+          </a:p>
+          <a:p>
+            <a:r>
+              <a:rPr lang="en-US" dirty="0" smtClean="0"/>
+              <a:t>sort() : Decreasing </a:t>
+            </a:r>
+            <a:r>
+              <a:rPr lang="en-US" dirty="0"/>
+              <a:t>-by </a:t>
+            </a:r>
+            <a:r>
+              <a:rPr lang="en-US" dirty="0" smtClean="0"/>
+              <a:t>default</a:t>
+            </a:r>
+          </a:p>
+          <a:p>
+            <a:r>
+              <a:rPr lang="en-US" dirty="0"/>
+              <a:t>l</a:t>
+            </a:r>
+            <a:r>
+              <a:rPr lang="en-US" dirty="0" smtClean="0"/>
+              <a:t>ength</a:t>
+            </a:r>
+            <a:r>
+              <a:rPr lang="en-US" dirty="0" smtClean="0"/>
+              <a:t>() : number of elements</a:t>
+            </a:r>
+            <a:r>
+              <a:rPr lang="en-US" dirty="0"/>
+              <a:t>	</a:t>
+            </a:r>
+          </a:p>
+          <a:p>
+            <a:r>
+              <a:rPr lang="en-US" dirty="0"/>
+              <a:t>s</a:t>
+            </a:r>
+            <a:r>
+              <a:rPr lang="en-US" dirty="0" smtClean="0"/>
+              <a:t>ummary() : Summary </a:t>
+            </a:r>
+            <a:r>
+              <a:rPr lang="en-US" dirty="0"/>
+              <a:t>statistics	</a:t>
+            </a:r>
+          </a:p>
+          <a:p>
+            <a:r>
+              <a:rPr lang="en-US" dirty="0" err="1"/>
+              <a:t>c</a:t>
+            </a:r>
+            <a:r>
+              <a:rPr lang="en-US" dirty="0" err="1" smtClean="0"/>
+              <a:t>umsum</a:t>
+            </a:r>
+            <a:r>
+              <a:rPr lang="en-US" dirty="0" smtClean="0"/>
+              <a:t>(), </a:t>
+            </a:r>
+            <a:r>
+              <a:rPr lang="en-US" dirty="0" err="1" smtClean="0"/>
+              <a:t>sqrt</a:t>
+            </a:r>
+            <a:r>
+              <a:rPr lang="en-US" dirty="0" smtClean="0"/>
+              <a:t>(), round()</a:t>
+            </a:r>
+          </a:p>
+          <a:p>
+            <a:r>
+              <a:rPr lang="en-US" dirty="0"/>
+              <a:t>d</a:t>
+            </a:r>
+            <a:r>
+              <a:rPr lang="en-US" dirty="0" smtClean="0"/>
+              <a:t>iff() : provides difference from previous elements</a:t>
+            </a:r>
+          </a:p>
+          <a:p>
+            <a:r>
+              <a:rPr lang="en-US" dirty="0"/>
+              <a:t>t</a:t>
+            </a:r>
+            <a:r>
+              <a:rPr lang="en-US" dirty="0" smtClean="0"/>
+              <a:t>able() : frequency </a:t>
+            </a:r>
+            <a:endParaRPr lang="en-US" dirty="0"/>
           </a:p>
         </p:txBody>
       </p:sp>
     </p:spTree>
     <p:extLst>
       <p:ext uri="{BB962C8B-B14F-4D97-AF65-F5344CB8AC3E}">
-        <p14:creationId xmlns:p14="http://schemas.microsoft.com/office/powerpoint/2010/main" val="1235389488"/>
+        <p14:creationId xmlns:p14="http://schemas.microsoft.com/office/powerpoint/2010/main" val="4084826827"/>
       </p:ext>
     </p:extLst>
   </p:cSld>
@@ -5103,150 +5020,200 @@
             <p:ph type="title"/>
           </p:nvPr>
         </p:nvSpPr>
-        <p:spPr/>
-        <p:txBody>
-          <a:bodyPr/>
-          <a:lstStyle/>
-          <a:p>
-            <a:r>
-              <a:rPr lang="en-US" dirty="0" smtClean="0"/>
-              <a:t>Useful Functions</a:t>
-            </a:r>
-            <a:endParaRPr lang="en-US" dirty="0"/>
-          </a:p>
-        </p:txBody>
-      </p:sp>
-      <p:sp>
-        <p:nvSpPr>
-          <p:cNvPr id="3" name="Content Placeholder 2"/>
-          <p:cNvSpPr>
-            <a:spLocks noGrp="1"/>
-          </p:cNvSpPr>
+        <p:spPr>
+          <a:xfrm>
+            <a:off x="2546498" y="968375"/>
+            <a:ext cx="7200900" cy="1485900"/>
+          </a:xfrm>
+        </p:spPr>
+        <p:txBody>
+          <a:bodyPr>
+            <a:normAutofit/>
+          </a:bodyPr>
+          <a:lstStyle/>
+          <a:p>
+            <a:r>
+              <a:rPr lang="en-US" sz="2800" dirty="0"/>
+              <a:t>Value Filtering</a:t>
+            </a:r>
+            <a:endParaRPr lang="en-US" sz="2800" dirty="0"/>
+          </a:p>
+        </p:txBody>
+      </p:sp>
+      <p:pic>
+        <p:nvPicPr>
+          <p:cNvPr id="4" name="Content Placeholder 3"/>
+          <p:cNvPicPr>
+            <a:picLocks noGrp="1" noChangeAspect="1"/>
+          </p:cNvPicPr>
           <p:nvPr>
             <p:ph idx="1"/>
           </p:nvPr>
-        </p:nvSpPr>
-        <p:spPr/>
-        <p:txBody>
-          <a:bodyPr>
-            <a:normAutofit lnSpcReduction="10000"/>
+        </p:nvPicPr>
+        <p:blipFill>
+          <a:blip r:embed="rId2"/>
+          <a:stretch>
+            <a:fillRect/>
+          </a:stretch>
+        </p:blipFill>
+        <p:spPr>
+          <a:xfrm>
+            <a:off x="2614523" y="1653488"/>
+            <a:ext cx="3050157" cy="1659853"/>
+          </a:xfrm>
+          <a:prstGeom prst="rect">
+            <a:avLst/>
+          </a:prstGeom>
+        </p:spPr>
+      </p:pic>
+      <p:pic>
+        <p:nvPicPr>
+          <p:cNvPr id="5" name="Picture 4"/>
+          <p:cNvPicPr>
+            <a:picLocks noChangeAspect="1"/>
+          </p:cNvPicPr>
+          <p:nvPr/>
+        </p:nvPicPr>
+        <p:blipFill>
+          <a:blip r:embed="rId3"/>
+          <a:stretch>
+            <a:fillRect/>
+          </a:stretch>
+        </p:blipFill>
+        <p:spPr>
+          <a:xfrm>
+            <a:off x="2614523" y="3414739"/>
+            <a:ext cx="1590675" cy="447675"/>
+          </a:xfrm>
+          <a:prstGeom prst="rect">
+            <a:avLst/>
+          </a:prstGeom>
+        </p:spPr>
+      </p:pic>
+      <p:pic>
+        <p:nvPicPr>
+          <p:cNvPr id="3" name="Picture 2"/>
+          <p:cNvPicPr>
+            <a:picLocks noChangeAspect="1"/>
+          </p:cNvPicPr>
+          <p:nvPr/>
+        </p:nvPicPr>
+        <p:blipFill>
+          <a:blip r:embed="rId4"/>
+          <a:stretch>
+            <a:fillRect/>
+          </a:stretch>
+        </p:blipFill>
+        <p:spPr>
+          <a:xfrm>
+            <a:off x="2552250" y="4648200"/>
+            <a:ext cx="2973957" cy="1167990"/>
+          </a:xfrm>
+          <a:prstGeom prst="rect">
+            <a:avLst/>
+          </a:prstGeom>
+        </p:spPr>
+      </p:pic>
+      <p:sp>
+        <p:nvSpPr>
+          <p:cNvPr id="7" name="TextBox 6"/>
+          <p:cNvSpPr txBox="1"/>
+          <p:nvPr/>
+        </p:nvSpPr>
+        <p:spPr>
+          <a:xfrm>
+            <a:off x="2438400" y="4172407"/>
+            <a:ext cx="2133600" cy="461665"/>
+          </a:xfrm>
+          <a:prstGeom prst="rect">
+            <a:avLst/>
+          </a:prstGeom>
+          <a:noFill/>
+        </p:spPr>
+        <p:txBody>
+          <a:bodyPr wrap="square" rtlCol="0">
+            <a:spAutoFit/>
           </a:bodyPr>
           <a:lstStyle/>
           <a:p>
             <a:r>
-              <a:rPr lang="en-US" dirty="0" smtClean="0"/>
-              <a:t>min(), max(), mean(), median(), </a:t>
-            </a:r>
-            <a:r>
-              <a:rPr lang="en-US" dirty="0" err="1" smtClean="0"/>
-              <a:t>sd</a:t>
-            </a:r>
-            <a:r>
-              <a:rPr lang="en-US" dirty="0" smtClean="0"/>
-              <a:t>(), </a:t>
-            </a:r>
-            <a:r>
-              <a:rPr lang="en-US" dirty="0"/>
-              <a:t>sum(), </a:t>
-            </a:r>
-            <a:r>
-              <a:rPr lang="en-US" dirty="0" smtClean="0"/>
-              <a:t> prod(), unique(), abs()</a:t>
-            </a:r>
-          </a:p>
-          <a:p>
-            <a:r>
-              <a:rPr lang="en-US" dirty="0" smtClean="0"/>
-              <a:t>range() : Min and Max</a:t>
-            </a:r>
-          </a:p>
-          <a:p>
-            <a:r>
-              <a:rPr lang="en-US" dirty="0" smtClean="0"/>
-              <a:t>sort() : Decreasing </a:t>
-            </a:r>
-            <a:r>
-              <a:rPr lang="en-US" dirty="0"/>
-              <a:t>-by </a:t>
-            </a:r>
-            <a:r>
-              <a:rPr lang="en-US" dirty="0" smtClean="0"/>
-              <a:t>default</a:t>
-            </a:r>
-          </a:p>
-          <a:p>
-            <a:r>
-              <a:rPr lang="en-US" dirty="0" smtClean="0"/>
-              <a:t>Length() : number of elements</a:t>
-            </a:r>
-            <a:r>
-              <a:rPr lang="en-US" dirty="0"/>
-              <a:t>	</a:t>
-            </a:r>
-          </a:p>
-          <a:p>
-            <a:r>
-              <a:rPr lang="en-US" dirty="0"/>
-              <a:t>s</a:t>
-            </a:r>
-            <a:r>
-              <a:rPr lang="en-US" dirty="0" smtClean="0"/>
-              <a:t>ummary() : Summary </a:t>
-            </a:r>
-            <a:r>
-              <a:rPr lang="en-US" dirty="0"/>
-              <a:t>statistics	</a:t>
-            </a:r>
-          </a:p>
-          <a:p>
-            <a:r>
-              <a:rPr lang="en-US" dirty="0" err="1"/>
-              <a:t>c</a:t>
-            </a:r>
-            <a:r>
-              <a:rPr lang="en-US" dirty="0" err="1" smtClean="0"/>
-              <a:t>umsum</a:t>
-            </a:r>
-            <a:r>
-              <a:rPr lang="en-US" dirty="0" smtClean="0"/>
-              <a:t>(), </a:t>
-            </a:r>
-            <a:r>
-              <a:rPr lang="en-US" dirty="0" err="1" smtClean="0"/>
-              <a:t>sqrt</a:t>
-            </a:r>
-            <a:r>
-              <a:rPr lang="en-US" dirty="0" smtClean="0"/>
-              <a:t>(), round()</a:t>
-            </a:r>
-          </a:p>
-          <a:p>
-            <a:r>
-              <a:rPr lang="en-US" dirty="0"/>
-              <a:t>d</a:t>
-            </a:r>
-            <a:r>
-              <a:rPr lang="en-US" dirty="0" smtClean="0"/>
-              <a:t>iff() : provides difference from previous elements</a:t>
-            </a:r>
-          </a:p>
-          <a:p>
-            <a:r>
-              <a:rPr lang="en-US" dirty="0"/>
-              <a:t>t</a:t>
-            </a:r>
-            <a:r>
-              <a:rPr lang="en-US" dirty="0" smtClean="0"/>
-              <a:t>able() : frequency </a:t>
-            </a:r>
-            <a:endParaRPr lang="en-US" dirty="0"/>
+              <a:rPr lang="en-GB" sz="2400" dirty="0"/>
+              <a:t>Index Filtering</a:t>
+            </a:r>
+            <a:endParaRPr lang="en-GB" sz="2400" dirty="0"/>
+          </a:p>
+        </p:txBody>
+      </p:sp>
+      <p:sp>
+        <p:nvSpPr>
+          <p:cNvPr id="8" name="TextBox 7"/>
+          <p:cNvSpPr txBox="1"/>
+          <p:nvPr/>
+        </p:nvSpPr>
+        <p:spPr>
+          <a:xfrm>
+            <a:off x="6934200" y="1282016"/>
+            <a:ext cx="1905000" cy="2031325"/>
+          </a:xfrm>
+          <a:prstGeom prst="rect">
+            <a:avLst/>
+          </a:prstGeom>
+          <a:noFill/>
+        </p:spPr>
+        <p:txBody>
+          <a:bodyPr wrap="square" rtlCol="0">
+            <a:spAutoFit/>
+          </a:bodyPr>
+          <a:lstStyle/>
+          <a:p>
+            <a:r>
+              <a:rPr lang="en-GB" dirty="0"/>
+              <a:t>Comparison</a:t>
+            </a:r>
+          </a:p>
+          <a:p>
+            <a:r>
+              <a:rPr lang="en-GB" dirty="0"/>
+              <a:t>&gt;</a:t>
+            </a:r>
+          </a:p>
+          <a:p>
+            <a:r>
+              <a:rPr lang="en-GB" dirty="0"/>
+              <a:t>&lt;</a:t>
+            </a:r>
+          </a:p>
+          <a:p>
+            <a:r>
+              <a:rPr lang="en-GB" dirty="0"/>
+              <a:t>&gt;=</a:t>
+            </a:r>
+          </a:p>
+          <a:p>
+            <a:r>
+              <a:rPr lang="en-GB" dirty="0"/>
+              <a:t>&lt;=</a:t>
+            </a:r>
+          </a:p>
+          <a:p>
+            <a:r>
+              <a:rPr lang="en-GB" dirty="0"/>
+              <a:t>==</a:t>
+            </a:r>
+          </a:p>
+          <a:p>
+            <a:r>
+              <a:rPr lang="en-GB" dirty="0"/>
+              <a:t>!=</a:t>
+            </a:r>
+            <a:endParaRPr lang="en-GB" dirty="0"/>
           </a:p>
         </p:txBody>
       </p:sp>
     </p:spTree>
     <p:extLst>
       <p:ext uri="{BB962C8B-B14F-4D97-AF65-F5344CB8AC3E}">
-        <p14:creationId xmlns:p14="http://schemas.microsoft.com/office/powerpoint/2010/main" val="4084826827"/>
+        <p14:creationId xmlns:p14="http://schemas.microsoft.com/office/powerpoint/2010/main" val="284178496"/>
       </p:ext>
     </p:extLst>
   </p:cSld>
@@ -5314,7 +5281,7 @@
         </p:nvSpPr>
         <p:spPr>
           <a:xfrm>
-            <a:off x="1028700" y="1828800"/>
+            <a:off x="2552700" y="1828800"/>
             <a:ext cx="7200900" cy="4419600"/>
           </a:xfrm>
         </p:spPr>
@@ -5369,7 +5336,7 @@
         </p:blipFill>
         <p:spPr>
           <a:xfrm>
-            <a:off x="1143000" y="3314700"/>
+            <a:off x="2667001" y="3314701"/>
             <a:ext cx="5279941" cy="2558451"/>
           </a:xfrm>
           <a:prstGeom prst="rect">
@@ -5482,7 +5449,7 @@
         </p:blipFill>
         <p:spPr>
           <a:xfrm>
-            <a:off x="1371600" y="3276600"/>
+            <a:off x="2895601" y="3276600"/>
             <a:ext cx="6334601" cy="1790700"/>
           </a:xfrm>
           <a:prstGeom prst="rect">
@@ -5543,10 +5510,9 @@
           <a:lstStyle/>
           <a:p>
             <a:r>
-              <a:rPr lang="en-US" dirty="0" smtClean="0"/>
-              <a:t>Recycling</a:t>
-            </a:r>
-            <a:endParaRPr lang="en-US" dirty="0"/>
+              <a:rPr lang="en-US" dirty="0"/>
+              <a:t>all() and any()</a:t>
+            </a:r>
           </a:p>
         </p:txBody>
       </p:sp>
@@ -5569,48 +5535,48 @@
               <a:buNone/>
             </a:pPr>
             <a:r>
-              <a:rPr lang="en-US" dirty="0" smtClean="0"/>
-              <a:t>When applying an operation to two vectors that requires them to be the same length, R automatically </a:t>
-            </a:r>
-            <a:r>
-              <a:rPr lang="en-US" i="1" dirty="0" smtClean="0"/>
-              <a:t>recycles</a:t>
-            </a:r>
-            <a:r>
-              <a:rPr lang="en-US" dirty="0" smtClean="0"/>
-              <a:t>, or repeats, the shorter one, until it is long enough to match the longer one.</a:t>
-            </a:r>
-          </a:p>
-          <a:p>
-            <a:pPr marL="0" indent="0">
-              <a:buNone/>
-            </a:pPr>
-            <a:endParaRPr lang="en-US" dirty="0"/>
-          </a:p>
-          <a:p>
-            <a:pPr marL="0" indent="0">
-              <a:buNone/>
-            </a:pPr>
-            <a:r>
-              <a:rPr lang="en-US" dirty="0"/>
-              <a:t>&gt; c(1,2,4) + c(6,0,9,20,22)</a:t>
-            </a:r>
-          </a:p>
-          <a:p>
-            <a:pPr marL="0" indent="0">
-              <a:buNone/>
-            </a:pPr>
-            <a:r>
-              <a:rPr lang="en-US" dirty="0"/>
-              <a:t>[1] 7 2 13 21 24</a:t>
-            </a:r>
-          </a:p>
-        </p:txBody>
-      </p:sp>
+              <a:rPr lang="en-US" dirty="0"/>
+              <a:t>The any() and all() functions are handy shortcuts. They report whether </a:t>
+            </a:r>
+            <a:r>
+              <a:rPr lang="en-US" dirty="0" smtClean="0"/>
+              <a:t>any or </a:t>
+            </a:r>
+            <a:r>
+              <a:rPr lang="en-US" dirty="0"/>
+              <a:t>all of their arguments are TRUE.</a:t>
+            </a:r>
+          </a:p>
+        </p:txBody>
+      </p:sp>
+      <p:pic>
+        <p:nvPicPr>
+          <p:cNvPr id="4" name="Picture 3"/>
+          <p:cNvPicPr>
+            <a:picLocks noChangeAspect="1"/>
+          </p:cNvPicPr>
+          <p:nvPr/>
+        </p:nvPicPr>
+        <p:blipFill>
+          <a:blip r:embed="rId2"/>
+          <a:stretch>
+            <a:fillRect/>
+          </a:stretch>
+        </p:blipFill>
+        <p:spPr>
+          <a:xfrm>
+            <a:off x="2705100" y="3200400"/>
+            <a:ext cx="4271920" cy="2667000"/>
+          </a:xfrm>
+          <a:prstGeom prst="rect">
+            <a:avLst/>
+          </a:prstGeom>
+        </p:spPr>
+      </p:pic>
     </p:spTree>
     <p:extLst>
       <p:ext uri="{BB962C8B-B14F-4D97-AF65-F5344CB8AC3E}">
-        <p14:creationId xmlns:p14="http://schemas.microsoft.com/office/powerpoint/2010/main" val="2078636016"/>
+        <p14:creationId xmlns:p14="http://schemas.microsoft.com/office/powerpoint/2010/main" val="2642182595"/>
       </p:ext>
     </p:extLst>
   </p:cSld>
@@ -5660,9 +5626,10 @@
           <a:lstStyle/>
           <a:p>
             <a:r>
-              <a:rPr lang="en-US" dirty="0"/>
-              <a:t>all() and any()</a:t>
-            </a:r>
+              <a:rPr lang="en-US" dirty="0" smtClean="0"/>
+              <a:t>Arithmetic Operations</a:t>
+            </a:r>
+            <a:endParaRPr lang="en-US" dirty="0"/>
           </a:p>
         </p:txBody>
       </p:sp>
@@ -5681,52 +5648,44 @@
           <a:bodyPr/>
           <a:lstStyle/>
           <a:p>
-            <a:pPr marL="0" indent="0">
-              <a:buNone/>
-            </a:pPr>
-            <a:r>
-              <a:rPr lang="en-US" dirty="0"/>
-              <a:t>The any() and all() functions are handy shortcuts. They report whether </a:t>
-            </a:r>
-            <a:r>
-              <a:rPr lang="en-US" dirty="0" smtClean="0"/>
-              <a:t>any or </a:t>
-            </a:r>
-            <a:r>
-              <a:rPr lang="en-US" dirty="0"/>
-              <a:t>all of their arguments are TRUE.</a:t>
-            </a:r>
-          </a:p>
-        </p:txBody>
-      </p:sp>
-      <p:pic>
-        <p:nvPicPr>
-          <p:cNvPr id="4" name="Picture 3"/>
-          <p:cNvPicPr>
-            <a:picLocks noChangeAspect="1"/>
-          </p:cNvPicPr>
-          <p:nvPr/>
-        </p:nvPicPr>
-        <p:blipFill>
-          <a:blip r:embed="rId2"/>
-          <a:stretch>
-            <a:fillRect/>
-          </a:stretch>
-        </p:blipFill>
-        <p:spPr>
-          <a:xfrm>
-            <a:off x="1181100" y="3200400"/>
-            <a:ext cx="4271920" cy="2667000"/>
-          </a:xfrm>
-          <a:prstGeom prst="rect">
-            <a:avLst/>
-          </a:prstGeom>
-        </p:spPr>
-      </p:pic>
+            <a:r>
+              <a:rPr lang="en-US" dirty="0" smtClean="0"/>
+              <a:t>the +, -,  /,  *, %% operation will be applied element-wise</a:t>
+            </a:r>
+          </a:p>
+          <a:p>
+            <a:pPr marL="0" indent="0">
+              <a:buNone/>
+            </a:pPr>
+            <a:r>
+              <a:rPr lang="en-US" dirty="0"/>
+              <a:t>&gt; x &lt;- c(1,2,4)</a:t>
+            </a:r>
+          </a:p>
+          <a:p>
+            <a:pPr marL="0" indent="0">
+              <a:buNone/>
+            </a:pPr>
+            <a:r>
+              <a:rPr lang="en-US" dirty="0"/>
+              <a:t>&gt; x + c(5,0,-1)</a:t>
+            </a:r>
+          </a:p>
+          <a:p>
+            <a:pPr marL="0" indent="0">
+              <a:buNone/>
+            </a:pPr>
+            <a:r>
+              <a:rPr lang="en-US" dirty="0"/>
+              <a:t>[1] 6 2 3</a:t>
+            </a:r>
+          </a:p>
+        </p:txBody>
+      </p:sp>
     </p:spTree>
     <p:extLst>
       <p:ext uri="{BB962C8B-B14F-4D97-AF65-F5344CB8AC3E}">
-        <p14:creationId xmlns:p14="http://schemas.microsoft.com/office/powerpoint/2010/main" val="2642182595"/>
+        <p14:creationId xmlns:p14="http://schemas.microsoft.com/office/powerpoint/2010/main" val="1235389488"/>
       </p:ext>
     </p:extLst>
   </p:cSld>
@@ -5770,200 +5729,80 @@
             <p:ph type="title"/>
           </p:nvPr>
         </p:nvSpPr>
-        <p:spPr>
-          <a:xfrm>
-            <a:off x="1022498" y="968375"/>
-            <a:ext cx="7200900" cy="1485900"/>
-          </a:xfrm>
-        </p:spPr>
-        <p:txBody>
-          <a:bodyPr>
-            <a:normAutofit/>
-          </a:bodyPr>
-          <a:lstStyle/>
-          <a:p>
-            <a:r>
-              <a:rPr lang="en-US" sz="2800" dirty="0" smtClean="0"/>
-              <a:t>Value Filtering</a:t>
-            </a:r>
-            <a:endParaRPr lang="en-US" sz="2800" dirty="0"/>
-          </a:p>
-        </p:txBody>
-      </p:sp>
-      <p:pic>
-        <p:nvPicPr>
-          <p:cNvPr id="4" name="Content Placeholder 3"/>
-          <p:cNvPicPr>
-            <a:picLocks noGrp="1" noChangeAspect="1"/>
-          </p:cNvPicPr>
+        <p:spPr/>
+        <p:txBody>
+          <a:bodyPr/>
+          <a:lstStyle/>
+          <a:p>
+            <a:r>
+              <a:rPr lang="en-US" dirty="0" smtClean="0"/>
+              <a:t>Recycling</a:t>
+            </a:r>
+            <a:endParaRPr lang="en-US" dirty="0"/>
+          </a:p>
+        </p:txBody>
+      </p:sp>
+      <p:sp>
+        <p:nvSpPr>
+          <p:cNvPr id="3" name="Content Placeholder 2"/>
+          <p:cNvSpPr>
+            <a:spLocks noGrp="1"/>
+          </p:cNvSpPr>
           <p:nvPr>
             <p:ph idx="1"/>
           </p:nvPr>
-        </p:nvPicPr>
-        <p:blipFill>
-          <a:blip r:embed="rId2"/>
-          <a:stretch>
-            <a:fillRect/>
-          </a:stretch>
-        </p:blipFill>
-        <p:spPr>
-          <a:xfrm>
-            <a:off x="1090522" y="1653487"/>
-            <a:ext cx="3050157" cy="1659853"/>
-          </a:xfrm>
-          <a:prstGeom prst="rect">
-            <a:avLst/>
-          </a:prstGeom>
-        </p:spPr>
-      </p:pic>
-      <p:pic>
-        <p:nvPicPr>
-          <p:cNvPr id="5" name="Picture 4"/>
-          <p:cNvPicPr>
-            <a:picLocks noChangeAspect="1"/>
-          </p:cNvPicPr>
-          <p:nvPr/>
-        </p:nvPicPr>
-        <p:blipFill>
-          <a:blip r:embed="rId3"/>
-          <a:stretch>
-            <a:fillRect/>
-          </a:stretch>
-        </p:blipFill>
-        <p:spPr>
-          <a:xfrm>
-            <a:off x="1090522" y="3414738"/>
-            <a:ext cx="1590675" cy="447675"/>
-          </a:xfrm>
-          <a:prstGeom prst="rect">
-            <a:avLst/>
-          </a:prstGeom>
-        </p:spPr>
-      </p:pic>
-      <p:pic>
-        <p:nvPicPr>
-          <p:cNvPr id="3" name="Picture 2"/>
-          <p:cNvPicPr>
-            <a:picLocks noChangeAspect="1"/>
-          </p:cNvPicPr>
-          <p:nvPr/>
-        </p:nvPicPr>
-        <p:blipFill>
-          <a:blip r:embed="rId4"/>
-          <a:stretch>
-            <a:fillRect/>
-          </a:stretch>
-        </p:blipFill>
-        <p:spPr>
-          <a:xfrm>
-            <a:off x="1028249" y="4648200"/>
-            <a:ext cx="2973957" cy="1167990"/>
-          </a:xfrm>
-          <a:prstGeom prst="rect">
-            <a:avLst/>
-          </a:prstGeom>
-        </p:spPr>
-      </p:pic>
-      <p:sp>
-        <p:nvSpPr>
-          <p:cNvPr id="7" name="TextBox 6"/>
-          <p:cNvSpPr txBox="1"/>
-          <p:nvPr/>
-        </p:nvSpPr>
-        <p:spPr>
-          <a:xfrm>
-            <a:off x="914400" y="4172406"/>
-            <a:ext cx="2133600" cy="461665"/>
-          </a:xfrm>
-          <a:prstGeom prst="rect">
-            <a:avLst/>
-          </a:prstGeom>
-          <a:noFill/>
-        </p:spPr>
-        <p:txBody>
-          <a:bodyPr wrap="square" rtlCol="0">
-            <a:spAutoFit/>
-          </a:bodyPr>
-          <a:lstStyle/>
-          <a:p>
-            <a:r>
-              <a:rPr lang="en-GB" sz="2400" dirty="0" smtClean="0"/>
-              <a:t>Index Filtering</a:t>
-            </a:r>
-            <a:endParaRPr lang="en-GB" sz="2400" dirty="0"/>
-          </a:p>
-        </p:txBody>
-      </p:sp>
-      <p:sp>
-        <p:nvSpPr>
-          <p:cNvPr id="8" name="TextBox 7"/>
-          <p:cNvSpPr txBox="1"/>
-          <p:nvPr/>
-        </p:nvSpPr>
-        <p:spPr>
-          <a:xfrm>
-            <a:off x="5410200" y="1282015"/>
-            <a:ext cx="1905000" cy="2031325"/>
-          </a:xfrm>
-          <a:prstGeom prst="rect">
-            <a:avLst/>
-          </a:prstGeom>
-          <a:noFill/>
-        </p:spPr>
-        <p:txBody>
-          <a:bodyPr wrap="square" rtlCol="0">
-            <a:spAutoFit/>
-          </a:bodyPr>
-          <a:lstStyle/>
-          <a:p>
-            <a:r>
-              <a:rPr lang="en-GB" dirty="0" smtClean="0"/>
-              <a:t>Comparison</a:t>
-            </a:r>
-          </a:p>
-          <a:p>
-            <a:r>
-              <a:rPr lang="en-GB" dirty="0" smtClean="0"/>
-              <a:t>&gt;</a:t>
-            </a:r>
-          </a:p>
-          <a:p>
-            <a:r>
-              <a:rPr lang="en-GB" dirty="0" smtClean="0"/>
-              <a:t>&lt;</a:t>
-            </a:r>
-          </a:p>
-          <a:p>
-            <a:r>
-              <a:rPr lang="en-GB" dirty="0" smtClean="0"/>
-              <a:t>&gt;=</a:t>
-            </a:r>
-          </a:p>
-          <a:p>
-            <a:r>
-              <a:rPr lang="en-GB" dirty="0" smtClean="0"/>
-              <a:t>&lt;=</a:t>
-            </a:r>
-          </a:p>
-          <a:p>
-            <a:r>
-              <a:rPr lang="en-GB" dirty="0" smtClean="0"/>
-              <a:t>==</a:t>
-            </a:r>
-          </a:p>
-          <a:p>
-            <a:r>
-              <a:rPr lang="en-GB" dirty="0" smtClean="0"/>
-              <a:t>!=</a:t>
-            </a:r>
-            <a:endParaRPr lang="en-GB" dirty="0"/>
+        </p:nvSpPr>
+        <p:spPr/>
+        <p:txBody>
+          <a:bodyPr/>
+          <a:lstStyle/>
+          <a:p>
+            <a:pPr marL="0" indent="0">
+              <a:buNone/>
+            </a:pPr>
+            <a:r>
+              <a:rPr lang="en-US" dirty="0" smtClean="0"/>
+              <a:t>When applying an operation to two vectors that requires them to be the same length, R automatically </a:t>
+            </a:r>
+            <a:r>
+              <a:rPr lang="en-US" i="1" dirty="0" smtClean="0"/>
+              <a:t>recycles</a:t>
+            </a:r>
+            <a:r>
+              <a:rPr lang="en-US" dirty="0" smtClean="0"/>
+              <a:t>, or repeats, the shorter one, until it is long enough to match the longer one.</a:t>
+            </a:r>
+          </a:p>
+          <a:p>
+            <a:pPr marL="0" indent="0">
+              <a:buNone/>
+            </a:pPr>
+            <a:endParaRPr lang="en-US" dirty="0"/>
+          </a:p>
+          <a:p>
+            <a:pPr marL="0" indent="0">
+              <a:buNone/>
+            </a:pPr>
+            <a:r>
+              <a:rPr lang="en-US" dirty="0"/>
+              <a:t>&gt; c(1,2,4) + c(6,0,9,20,22)</a:t>
+            </a:r>
+          </a:p>
+          <a:p>
+            <a:pPr marL="0" indent="0">
+              <a:buNone/>
+            </a:pPr>
+            <a:r>
+              <a:rPr lang="en-US" dirty="0"/>
+              <a:t>[1] 7 2 13 21 24</a:t>
+            </a:r>
           </a:p>
         </p:txBody>
       </p:sp>
     </p:spTree>
     <p:extLst>
       <p:ext uri="{BB962C8B-B14F-4D97-AF65-F5344CB8AC3E}">
-        <p14:creationId xmlns:p14="http://schemas.microsoft.com/office/powerpoint/2010/main" val="284178496"/>
+        <p14:creationId xmlns:p14="http://schemas.microsoft.com/office/powerpoint/2010/main" val="2078636016"/>
       </p:ext>
     </p:extLst>
   </p:cSld>
@@ -6034,7 +5873,12 @@
             <p:ph idx="1"/>
           </p:nvPr>
         </p:nvSpPr>
-        <p:spPr/>
+        <p:spPr>
+          <a:xfrm>
+            <a:off x="1352006" y="2057400"/>
+            <a:ext cx="9601200" cy="3581400"/>
+          </a:xfrm>
+        </p:spPr>
         <p:txBody>
           <a:bodyPr/>
           <a:lstStyle/>
@@ -6059,8 +5903,8 @@
         </p:blipFill>
         <p:spPr>
           <a:xfrm>
-            <a:off x="1040202" y="2286000"/>
-            <a:ext cx="3982329" cy="3009900"/>
+            <a:off x="1219200" y="1752600"/>
+            <a:ext cx="5638800" cy="4261884"/>
           </a:xfrm>
           <a:prstGeom prst="rect">
             <a:avLst/>
@@ -6428,8 +6272,8 @@
         </p:blipFill>
         <p:spPr>
           <a:xfrm>
-            <a:off x="5791200" y="5029200"/>
-            <a:ext cx="3086100" cy="1485900"/>
+            <a:off x="6523892" y="4648200"/>
+            <a:ext cx="3877408" cy="1866900"/>
           </a:xfrm>
           <a:prstGeom prst="rect">
             <a:avLst/>
@@ -6631,7 +6475,7 @@
         </p:nvSpPr>
         <p:spPr>
           <a:xfrm>
-            <a:off x="1028700" y="1676400"/>
+            <a:off x="2552700" y="1676400"/>
             <a:ext cx="7200900" cy="4495800"/>
           </a:xfrm>
         </p:spPr>
@@ -6815,7 +6659,7 @@
         </p:blipFill>
         <p:spPr>
           <a:xfrm>
-            <a:off x="5410200" y="3352800"/>
+            <a:off x="6934200" y="3352801"/>
             <a:ext cx="3276600" cy="633105"/>
           </a:xfrm>
           <a:prstGeom prst="rect">
@@ -6895,7 +6739,7 @@
         </p:nvSpPr>
         <p:spPr>
           <a:xfrm>
-            <a:off x="914400" y="1600200"/>
+            <a:off x="2438400" y="1600200"/>
             <a:ext cx="7200900" cy="3581400"/>
           </a:xfrm>
         </p:spPr>
@@ -6955,7 +6799,7 @@
               <a:rPr lang="en-US" sz="1600" i="1" dirty="0"/>
               <a:t>WITHIN a column, every cell must be the same type of data! </a:t>
             </a:r>
-            <a:endParaRPr lang="en-US" sz="1600" i="1" dirty="0" smtClean="0"/>
+            <a:endParaRPr lang="en-US" sz="1600" i="1" dirty="0"/>
           </a:p>
           <a:p>
             <a:pPr marL="0" indent="0">
@@ -6981,7 +6825,7 @@
         </p:blipFill>
         <p:spPr>
           <a:xfrm>
-            <a:off x="2519362" y="3733800"/>
+            <a:off x="4043363" y="3733801"/>
             <a:ext cx="3990975" cy="2771775"/>
           </a:xfrm>
           <a:prstGeom prst="rect">
@@ -7069,7 +6913,7 @@
         </p:blipFill>
         <p:spPr>
           <a:xfrm>
-            <a:off x="914399" y="1428750"/>
+            <a:off x="2438400" y="1428750"/>
             <a:ext cx="6839777" cy="5124450"/>
           </a:xfrm>
           <a:prstGeom prst="rect">
@@ -7132,11 +6976,11 @@
           <a:lstStyle/>
           <a:p>
             <a:r>
-              <a:rPr lang="en-US" sz="4000" dirty="0" smtClean="0"/>
+              <a:rPr lang="en-US" sz="4000" dirty="0"/>
               <a:t>Filter Elements in </a:t>
             </a:r>
             <a:r>
-              <a:rPr lang="en-US" sz="4000" dirty="0" err="1" smtClean="0"/>
+              <a:rPr lang="en-US" sz="4000" dirty="0" err="1"/>
               <a:t>DataFrame</a:t>
             </a:r>
             <a:endParaRPr lang="en-US" sz="4000" dirty="0"/>
@@ -7155,7 +6999,7 @@
         </p:nvSpPr>
         <p:spPr>
           <a:xfrm>
-            <a:off x="1028700" y="1524000"/>
+            <a:off x="2552700" y="1524000"/>
             <a:ext cx="7200900" cy="4343400"/>
           </a:xfrm>
         </p:spPr>
@@ -7299,7 +7143,7 @@
         </p:nvSpPr>
         <p:spPr>
           <a:xfrm>
-            <a:off x="1028700" y="685800"/>
+            <a:off x="2552700" y="685800"/>
             <a:ext cx="7200900" cy="838200"/>
           </a:xfrm>
         </p:spPr>
@@ -7327,7 +7171,7 @@
         </p:nvSpPr>
         <p:spPr>
           <a:xfrm>
-            <a:off x="1066800" y="1600200"/>
+            <a:off x="2590800" y="1600200"/>
             <a:ext cx="7200900" cy="4800600"/>
           </a:xfrm>
         </p:spPr>
@@ -7355,7 +7199,7 @@
               <a:buAutoNum type="arabicPeriod"/>
             </a:pPr>
             <a:r>
-              <a:rPr lang="en-US" sz="2500" dirty="0" smtClean="0"/>
+              <a:rPr lang="en-US" sz="2500" dirty="0"/>
               <a:t>Import </a:t>
             </a:r>
             <a:r>
@@ -7369,7 +7213,7 @@
               <a:buAutoNum type="arabicPeriod"/>
             </a:pPr>
             <a:r>
-              <a:rPr lang="en-US" sz="2500" dirty="0" smtClean="0"/>
+              <a:rPr lang="en-US" sz="2500" dirty="0"/>
               <a:t>Check</a:t>
             </a:r>
             <a:r>
@@ -7383,7 +7227,7 @@
               <a:buAutoNum type="arabicPeriod"/>
             </a:pPr>
             <a:r>
-              <a:rPr lang="en-US" sz="2500" dirty="0" smtClean="0"/>
+              <a:rPr lang="en-US" sz="2500" dirty="0"/>
               <a:t>Conduct </a:t>
             </a:r>
             <a:r>
@@ -7397,7 +7241,7 @@
               <a:buAutoNum type="arabicPeriod"/>
             </a:pPr>
             <a:r>
-              <a:rPr lang="en-US" sz="2500" dirty="0" smtClean="0"/>
+              <a:rPr lang="en-US" sz="2500" dirty="0"/>
               <a:t>Export </a:t>
             </a:r>
             <a:r>
@@ -7411,7 +7255,7 @@
               <a:buAutoNum type="arabicPeriod"/>
             </a:pPr>
             <a:r>
-              <a:rPr lang="en-US" sz="2500" dirty="0" smtClean="0"/>
+              <a:rPr lang="en-US" sz="2500" dirty="0"/>
               <a:t>Clean </a:t>
             </a:r>
             <a:r>
@@ -7441,7 +7285,7 @@
               <a:buChar char="ü"/>
             </a:pPr>
             <a:r>
-              <a:rPr lang="en-US" sz="2500" dirty="0" smtClean="0"/>
+              <a:rPr lang="en-US" sz="2500" dirty="0"/>
               <a:t>Columns </a:t>
             </a:r>
             <a:r>
@@ -7455,7 +7299,7 @@
               <a:buChar char="ü"/>
             </a:pPr>
             <a:r>
-              <a:rPr lang="en-US" sz="2500" dirty="0" smtClean="0"/>
+              <a:rPr lang="en-US" sz="2500" dirty="0"/>
               <a:t>Rows </a:t>
             </a:r>
             <a:r>
@@ -7469,7 +7313,7 @@
               <a:buChar char="ü"/>
             </a:pPr>
             <a:r>
-              <a:rPr lang="en-US" sz="2500" dirty="0" smtClean="0"/>
+              <a:rPr lang="en-US" sz="2500" dirty="0"/>
               <a:t>Use </a:t>
             </a:r>
             <a:r>
@@ -7483,7 +7327,7 @@
               <a:buChar char="ü"/>
             </a:pPr>
             <a:r>
-              <a:rPr lang="en-US" sz="2500" dirty="0" smtClean="0"/>
+              <a:rPr lang="en-US" sz="2500" dirty="0"/>
               <a:t>Enter </a:t>
             </a:r>
             <a:r>
@@ -7497,7 +7341,7 @@
               <a:buChar char="ü"/>
             </a:pPr>
             <a:r>
-              <a:rPr lang="en-US" sz="2500" dirty="0" smtClean="0"/>
+              <a:rPr lang="en-US" sz="2500" dirty="0"/>
               <a:t>You </a:t>
             </a:r>
             <a:r>
@@ -7511,7 +7355,7 @@
               <a:buChar char="ü"/>
             </a:pPr>
             <a:r>
-              <a:rPr lang="en-US" sz="2500" dirty="0" smtClean="0"/>
+              <a:rPr lang="en-US" sz="2500" dirty="0"/>
               <a:t>Store </a:t>
             </a:r>
             <a:r>
@@ -7596,7 +7440,7 @@
         </p:nvSpPr>
         <p:spPr>
           <a:xfrm>
-            <a:off x="990600" y="2057400"/>
+            <a:off x="2514600" y="2057400"/>
             <a:ext cx="7200900" cy="4191000"/>
           </a:xfrm>
         </p:spPr>
@@ -7747,7 +7591,7 @@
               <a:buNone/>
             </a:pPr>
             <a:r>
-              <a:rPr lang="en-US" sz="1400" i="1" dirty="0" smtClean="0"/>
+              <a:rPr lang="en-US" sz="1400" i="1" dirty="0"/>
               <a:t>..</a:t>
             </a:r>
             <a:endParaRPr lang="en-US" sz="1400" dirty="0"/>
@@ -7803,7 +7647,7 @@
         </p:nvSpPr>
         <p:spPr>
           <a:xfrm>
-            <a:off x="1028700" y="685800"/>
+            <a:off x="2552700" y="685800"/>
             <a:ext cx="7200900" cy="914400"/>
           </a:xfrm>
         </p:spPr>
@@ -7831,7 +7675,7 @@
         </p:nvSpPr>
         <p:spPr>
           <a:xfrm>
-            <a:off x="1028700" y="1981200"/>
+            <a:off x="2552700" y="1981200"/>
             <a:ext cx="7200900" cy="3581400"/>
           </a:xfrm>
         </p:spPr>
@@ -7990,7 +7834,7 @@
         </p:nvSpPr>
         <p:spPr>
           <a:xfrm>
-            <a:off x="1028700" y="685800"/>
+            <a:off x="2552700" y="685800"/>
             <a:ext cx="7200900" cy="838200"/>
           </a:xfrm>
         </p:spPr>
@@ -8035,7 +7879,7 @@
         </p:nvSpPr>
         <p:spPr>
           <a:xfrm>
-            <a:off x="1219200" y="1752600"/>
+            <a:off x="2743200" y="1752600"/>
             <a:ext cx="7200900" cy="4267200"/>
           </a:xfrm>
         </p:spPr>
@@ -8056,7 +7900,7 @@
               <a:t>The package contains a set of functions </a:t>
             </a:r>
             <a:r>
-              <a:rPr lang="en-US" sz="2300" dirty="0" smtClean="0"/>
+              <a:rPr lang="en-US" sz="2300" dirty="0"/>
               <a:t>that </a:t>
             </a:r>
             <a:r>
@@ -8068,14 +7912,14 @@
             <a:pPr marL="0" indent="0">
               <a:buNone/>
             </a:pPr>
-            <a:endParaRPr lang="en-US" sz="2300" dirty="0" smtClean="0"/>
-          </a:p>
-          <a:p>
-            <a:pPr marL="0" indent="0">
-              <a:buNone/>
-            </a:pPr>
-            <a:r>
-              <a:rPr lang="en-US" sz="2300" dirty="0" smtClean="0"/>
+            <a:endParaRPr lang="en-US" sz="2300" dirty="0"/>
+          </a:p>
+          <a:p>
+            <a:pPr marL="0" indent="0">
+              <a:buNone/>
+            </a:pPr>
+            <a:r>
+              <a:rPr lang="en-US" sz="2300" dirty="0"/>
               <a:t>Some </a:t>
             </a:r>
             <a:r>
@@ -8089,7 +7933,7 @@
               <a:buChar char="ü"/>
             </a:pPr>
             <a:r>
-              <a:rPr lang="en-US" sz="2300" dirty="0" smtClean="0"/>
+              <a:rPr lang="en-US" sz="2300" dirty="0"/>
               <a:t>select</a:t>
             </a:r>
             <a:r>
@@ -8103,7 +7947,7 @@
               <a:buChar char="ü"/>
             </a:pPr>
             <a:r>
-              <a:rPr lang="en-US" sz="2300" dirty="0" smtClean="0"/>
+              <a:rPr lang="en-US" sz="2300" dirty="0"/>
               <a:t>filter</a:t>
             </a:r>
             <a:r>
@@ -8111,7 +7955,7 @@
               <a:t>() –filter </a:t>
             </a:r>
             <a:r>
-              <a:rPr lang="en-US" sz="2300" dirty="0" smtClean="0"/>
+              <a:rPr lang="en-US" sz="2300" dirty="0"/>
               <a:t>rows</a:t>
             </a:r>
           </a:p>
@@ -8131,7 +7975,7 @@
               <a:buChar char="ü"/>
             </a:pPr>
             <a:r>
-              <a:rPr lang="en-US" sz="2300" dirty="0" smtClean="0"/>
+              <a:rPr lang="en-US" sz="2300" dirty="0"/>
               <a:t>arrange</a:t>
             </a:r>
             <a:r>
@@ -8145,7 +7989,7 @@
               <a:buChar char="ü"/>
             </a:pPr>
             <a:r>
-              <a:rPr lang="en-US" sz="2300" dirty="0" err="1" smtClean="0"/>
+              <a:rPr lang="en-US" sz="2300" dirty="0" err="1"/>
               <a:t>summarise</a:t>
             </a:r>
             <a:r>
@@ -8153,15 +7997,15 @@
               <a:t>() </a:t>
             </a:r>
             <a:r>
-              <a:rPr lang="en-US" sz="2300" dirty="0" smtClean="0"/>
+              <a:rPr lang="en-US" sz="2300" dirty="0"/>
               <a:t>– </a:t>
             </a:r>
             <a:r>
-              <a:rPr lang="en-US" sz="2300" dirty="0" err="1" smtClean="0"/>
+              <a:rPr lang="en-US" sz="2300" dirty="0" err="1"/>
               <a:t>summarise</a:t>
             </a:r>
             <a:r>
-              <a:rPr lang="en-US" sz="2300" dirty="0" smtClean="0"/>
+              <a:rPr lang="en-US" sz="2300" dirty="0"/>
               <a:t> </a:t>
             </a:r>
             <a:r>
@@ -8175,7 +8019,7 @@
               <a:buChar char="ü"/>
             </a:pPr>
             <a:r>
-              <a:rPr lang="en-US" sz="2300" dirty="0" err="1" smtClean="0"/>
+              <a:rPr lang="en-US" sz="2300" dirty="0" err="1"/>
               <a:t>group_by</a:t>
             </a:r>
             <a:r>
@@ -8243,7 +8087,7 @@
           <a:lstStyle/>
           <a:p>
             <a:r>
-              <a:rPr lang="en-US" sz="4000" b="1" dirty="0" smtClean="0"/>
+              <a:rPr lang="en-US" sz="4000" b="1" dirty="0"/>
               <a:t>R </a:t>
             </a:r>
             <a:r>
@@ -8266,7 +8110,7 @@
         </p:nvSpPr>
         <p:spPr>
           <a:xfrm>
-            <a:off x="848839" y="1828800"/>
+            <a:off x="2372840" y="1828800"/>
             <a:ext cx="8016241" cy="4023360"/>
           </a:xfrm>
         </p:spPr>
@@ -8289,7 +8133,7 @@
           </a:p>
           <a:p>
             <a:r>
-              <a:rPr lang="en-US" sz="1800" dirty="0" smtClean="0"/>
+              <a:rPr lang="en-US" sz="1800" dirty="0"/>
               <a:t>An </a:t>
             </a:r>
             <a:r>
@@ -8299,7 +8143,7 @@
           </a:p>
           <a:p>
             <a:r>
-              <a:rPr lang="en-US" sz="1800" dirty="0" smtClean="0"/>
+              <a:rPr lang="en-US" sz="1800" dirty="0"/>
               <a:t>Class </a:t>
             </a:r>
             <a:r>
@@ -8307,7 +8151,7 @@
               <a:t>is a blueprint for the object. We can think of class like a sketch (prototype) of a house. It contains all the details about the floors, doors, windows etc. Based on these descriptions we build the house</a:t>
             </a:r>
             <a:r>
-              <a:rPr lang="en-US" sz="1800" dirty="0" smtClean="0"/>
+              <a:rPr lang="en-US" sz="1800" dirty="0"/>
               <a:t>.</a:t>
             </a:r>
             <a:endParaRPr lang="en-US" sz="1800" dirty="0"/>
@@ -8363,7 +8207,7 @@
         </p:nvSpPr>
         <p:spPr>
           <a:xfrm>
-            <a:off x="1028700" y="685800"/>
+            <a:off x="2552700" y="685800"/>
             <a:ext cx="7200900" cy="1066800"/>
           </a:xfrm>
         </p:spPr>
@@ -8505,7 +8349,7 @@
         </p:blipFill>
         <p:spPr>
           <a:xfrm>
-            <a:off x="1054579" y="2194704"/>
+            <a:off x="2578580" y="2194704"/>
             <a:ext cx="7251221" cy="1143000"/>
           </a:xfrm>
           <a:prstGeom prst="rect">
@@ -8521,7 +8365,7 @@
         </p:nvSpPr>
         <p:spPr>
           <a:xfrm>
-            <a:off x="1219200" y="3429000"/>
+            <a:off x="2743200" y="3429000"/>
             <a:ext cx="1447800" cy="369332"/>
           </a:xfrm>
           <a:prstGeom prst="rect">
@@ -8550,7 +8394,7 @@
           <a:p>
             <a:pPr algn="ctr"/>
             <a:r>
-              <a:rPr lang="en-US" dirty="0" smtClean="0"/>
+              <a:rPr lang="en-US" dirty="0"/>
               <a:t>Inner </a:t>
             </a:r>
             <a:r>
@@ -8558,7 +8402,7 @@
               <a:t>J</a:t>
             </a:r>
             <a:r>
-              <a:rPr lang="en-US" dirty="0" smtClean="0"/>
+              <a:rPr lang="en-US" dirty="0"/>
               <a:t>oin </a:t>
             </a:r>
             <a:endParaRPr lang="en-US" dirty="0"/>
@@ -8573,7 +8417,7 @@
         </p:nvSpPr>
         <p:spPr>
           <a:xfrm>
-            <a:off x="3181350" y="3429000"/>
+            <a:off x="4705350" y="3429000"/>
             <a:ext cx="1447800" cy="369332"/>
           </a:xfrm>
           <a:prstGeom prst="rect">
@@ -8602,7 +8446,7 @@
           <a:p>
             <a:pPr algn="ctr"/>
             <a:r>
-              <a:rPr lang="en-US" dirty="0" smtClean="0"/>
+              <a:rPr lang="en-US" dirty="0"/>
               <a:t>Full Join </a:t>
             </a:r>
             <a:endParaRPr lang="en-US" dirty="0"/>
@@ -8617,7 +8461,7 @@
         </p:nvSpPr>
         <p:spPr>
           <a:xfrm>
-            <a:off x="5153564" y="3479957"/>
+            <a:off x="6677564" y="3479957"/>
             <a:ext cx="1447800" cy="369332"/>
           </a:xfrm>
           <a:prstGeom prst="rect">
@@ -8646,7 +8490,7 @@
           <a:p>
             <a:pPr algn="ctr"/>
             <a:r>
-              <a:rPr lang="en-US" dirty="0" smtClean="0"/>
+              <a:rPr lang="en-US" dirty="0"/>
               <a:t>Left Join </a:t>
             </a:r>
             <a:endParaRPr lang="en-US" dirty="0"/>
@@ -8661,7 +8505,7 @@
         </p:nvSpPr>
         <p:spPr>
           <a:xfrm>
-            <a:off x="6834996" y="3495606"/>
+            <a:off x="8358996" y="3495606"/>
             <a:ext cx="1447800" cy="369332"/>
           </a:xfrm>
           <a:prstGeom prst="rect">
@@ -8694,7 +8538,7 @@
               <a:t>R</a:t>
             </a:r>
             <a:r>
-              <a:rPr lang="en-US" dirty="0" smtClean="0"/>
+              <a:rPr lang="en-US" dirty="0"/>
               <a:t>ight Join </a:t>
             </a:r>
             <a:endParaRPr lang="en-US" dirty="0"/>
@@ -8709,7 +8553,7 @@
         </p:nvSpPr>
         <p:spPr>
           <a:xfrm>
-            <a:off x="1054579" y="4267200"/>
+            <a:off x="2578579" y="4267201"/>
             <a:ext cx="2895600" cy="1200329"/>
           </a:xfrm>
           <a:prstGeom prst="rect">
@@ -8728,11 +8572,11 @@
               <a:t>i</a:t>
             </a:r>
             <a:r>
-              <a:rPr lang="en-US" dirty="0" err="1" smtClean="0"/>
+              <a:rPr lang="en-US" dirty="0" err="1"/>
               <a:t>nner_join</a:t>
             </a:r>
             <a:r>
-              <a:rPr lang="en-US" dirty="0" smtClean="0"/>
+              <a:rPr lang="en-US" dirty="0"/>
               <a:t>()</a:t>
             </a:r>
           </a:p>
@@ -8742,11 +8586,11 @@
               <a:t>f</a:t>
             </a:r>
             <a:r>
-              <a:rPr lang="en-US" dirty="0" err="1" smtClean="0"/>
+              <a:rPr lang="en-US" dirty="0" err="1"/>
               <a:t>ull_join</a:t>
             </a:r>
             <a:r>
-              <a:rPr lang="en-US" dirty="0" smtClean="0"/>
+              <a:rPr lang="en-US" dirty="0"/>
               <a:t>()</a:t>
             </a:r>
           </a:p>
@@ -8756,21 +8600,21 @@
               <a:t>l</a:t>
             </a:r>
             <a:r>
-              <a:rPr lang="en-US" dirty="0" err="1" smtClean="0"/>
+              <a:rPr lang="en-US" dirty="0" err="1"/>
               <a:t>eft_join</a:t>
             </a:r>
             <a:r>
-              <a:rPr lang="en-US" dirty="0" smtClean="0"/>
+              <a:rPr lang="en-US" dirty="0"/>
               <a:t>()</a:t>
             </a:r>
           </a:p>
           <a:p>
             <a:r>
-              <a:rPr lang="en-US" dirty="0" err="1" smtClean="0"/>
+              <a:rPr lang="en-US" dirty="0" err="1"/>
               <a:t>right_join</a:t>
             </a:r>
             <a:r>
-              <a:rPr lang="en-US" dirty="0" smtClean="0"/>
+              <a:rPr lang="en-US" dirty="0"/>
               <a:t>()</a:t>
             </a:r>
             <a:endParaRPr lang="en-US" dirty="0"/>
@@ -8849,7 +8693,7 @@
         </p:nvSpPr>
         <p:spPr>
           <a:xfrm>
-            <a:off x="914400" y="1524000"/>
+            <a:off x="2438400" y="1524000"/>
             <a:ext cx="5791200" cy="4876800"/>
           </a:xfrm>
         </p:spPr>
@@ -8863,7 +8707,7 @@
               <a:buNone/>
             </a:pPr>
             <a:r>
-              <a:rPr lang="en-US" sz="2500" dirty="0" smtClean="0"/>
+              <a:rPr lang="en-US" sz="2500" dirty="0"/>
               <a:t>#To create Data Frame </a:t>
             </a:r>
           </a:p>
@@ -8872,23 +8716,23 @@
               <a:buNone/>
             </a:pPr>
             <a:r>
-              <a:rPr lang="en-US" sz="2500" dirty="0" smtClean="0"/>
+              <a:rPr lang="en-US" sz="2500" dirty="0"/>
               <a:t>name&lt;- c("</a:t>
             </a:r>
             <a:r>
-              <a:rPr lang="en-US" sz="2500" dirty="0" err="1" smtClean="0"/>
+              <a:rPr lang="en-US" sz="2500" dirty="0" err="1"/>
               <a:t>Jack","Jack","Jill","Jill</a:t>
             </a:r>
             <a:r>
-              <a:rPr lang="en-US" sz="2500" dirty="0" smtClean="0"/>
+              <a:rPr lang="en-US" sz="2500" dirty="0"/>
               <a:t>", "</a:t>
             </a:r>
             <a:r>
-              <a:rPr lang="en-US" sz="2500" dirty="0" err="1" smtClean="0"/>
+              <a:rPr lang="en-US" sz="2500" dirty="0" err="1"/>
               <a:t>Riya","Ram</a:t>
             </a:r>
             <a:r>
-              <a:rPr lang="en-US" sz="2500" dirty="0" smtClean="0"/>
+              <a:rPr lang="en-US" sz="2500" dirty="0"/>
               <a:t>")</a:t>
             </a:r>
           </a:p>
@@ -8897,7 +8741,7 @@
               <a:buNone/>
             </a:pPr>
             <a:r>
-              <a:rPr lang="en-US" sz="2500" dirty="0" smtClean="0"/>
+              <a:rPr lang="en-US" sz="2500" dirty="0"/>
               <a:t>age&lt;- c(6,6, 11, 9,10, NA)</a:t>
             </a:r>
           </a:p>
@@ -8906,7 +8750,7 @@
               <a:buNone/>
             </a:pPr>
             <a:r>
-              <a:rPr lang="en-US" sz="2500" dirty="0" smtClean="0"/>
+              <a:rPr lang="en-US" sz="2500" dirty="0"/>
               <a:t>weight&lt;- c(17,17, NA, 20,30, 80)</a:t>
             </a:r>
           </a:p>
@@ -8915,31 +8759,31 @@
               <a:buNone/>
             </a:pPr>
             <a:r>
-              <a:rPr lang="en-US" sz="2500" dirty="0" smtClean="0"/>
+              <a:rPr lang="en-US" sz="2500" dirty="0"/>
               <a:t>kids&lt;- </a:t>
             </a:r>
             <a:r>
-              <a:rPr lang="en-US" sz="2500" dirty="0" err="1" smtClean="0"/>
+              <a:rPr lang="en-US" sz="2500" dirty="0" err="1"/>
               <a:t>data.frame</a:t>
             </a:r>
             <a:r>
-              <a:rPr lang="en-US" sz="2500" dirty="0" smtClean="0"/>
+              <a:rPr lang="en-US" sz="2500" dirty="0"/>
               <a:t>(name, </a:t>
             </a:r>
             <a:r>
-              <a:rPr lang="en-US" sz="2500" dirty="0" err="1" smtClean="0"/>
+              <a:rPr lang="en-US" sz="2500" dirty="0" err="1"/>
               <a:t>age,weight</a:t>
             </a:r>
             <a:r>
-              <a:rPr lang="en-US" sz="2500" dirty="0" smtClean="0"/>
+              <a:rPr lang="en-US" sz="2500" dirty="0"/>
               <a:t>, </a:t>
             </a:r>
             <a:r>
-              <a:rPr lang="en-US" sz="2500" dirty="0" err="1" smtClean="0"/>
+              <a:rPr lang="en-US" sz="2500" dirty="0" err="1"/>
               <a:t>stringsAsFactors</a:t>
             </a:r>
             <a:r>
-              <a:rPr lang="en-US" sz="2500" dirty="0" smtClean="0"/>
+              <a:rPr lang="en-US" sz="2500" dirty="0"/>
               <a:t> = FALSE)</a:t>
             </a:r>
           </a:p>
@@ -8948,7 +8792,7 @@
               <a:buNone/>
             </a:pPr>
             <a:r>
-              <a:rPr lang="en-US" sz="2500" dirty="0" smtClean="0"/>
+              <a:rPr lang="en-US" sz="2500" dirty="0"/>
               <a:t>kids</a:t>
             </a:r>
           </a:p>
@@ -8957,7 +8801,7 @@
               <a:buNone/>
             </a:pPr>
             <a:r>
-              <a:rPr lang="en-US" sz="2500" dirty="0" smtClean="0"/>
+              <a:rPr lang="en-US" sz="2500" dirty="0"/>
               <a:t>#to count number of NA's/ missing value</a:t>
             </a:r>
           </a:p>
@@ -8966,7 +8810,7 @@
               <a:buNone/>
             </a:pPr>
             <a:r>
-              <a:rPr lang="en-US" sz="2500" dirty="0" smtClean="0"/>
+              <a:rPr lang="en-US" sz="2500" dirty="0"/>
               <a:t>sum(is.na(kids))</a:t>
             </a:r>
           </a:p>
@@ -8974,14 +8818,14 @@
             <a:pPr marL="0" indent="0">
               <a:buNone/>
             </a:pPr>
-            <a:endParaRPr lang="en-US" sz="2500" dirty="0" smtClean="0"/>
-          </a:p>
-          <a:p>
-            <a:pPr marL="0" indent="0">
-              <a:buNone/>
-            </a:pPr>
-            <a:r>
-              <a:rPr lang="en-US" sz="2500" dirty="0" smtClean="0"/>
+            <a:endParaRPr lang="en-US" sz="2500" dirty="0"/>
+          </a:p>
+          <a:p>
+            <a:pPr marL="0" indent="0">
+              <a:buNone/>
+            </a:pPr>
+            <a:r>
+              <a:rPr lang="en-US" sz="2500" dirty="0"/>
               <a:t>#To remove all rows contains NA</a:t>
             </a:r>
           </a:p>
@@ -8990,15 +8834,15 @@
               <a:buNone/>
             </a:pPr>
             <a:r>
-              <a:rPr lang="en-US" sz="2500" dirty="0" smtClean="0"/>
+              <a:rPr lang="en-US" sz="2500" dirty="0"/>
               <a:t>kids[</a:t>
             </a:r>
             <a:r>
-              <a:rPr lang="en-US" sz="2500" dirty="0" err="1" smtClean="0"/>
+              <a:rPr lang="en-US" sz="2500" dirty="0" err="1"/>
               <a:t>complete.cases</a:t>
             </a:r>
             <a:r>
-              <a:rPr lang="en-US" sz="2500" dirty="0" smtClean="0"/>
+              <a:rPr lang="en-US" sz="2500" dirty="0"/>
               <a:t>(kids), ]</a:t>
             </a:r>
           </a:p>
@@ -9007,7 +8851,7 @@
               <a:buNone/>
             </a:pPr>
             <a:r>
-              <a:rPr lang="en-US" sz="2500" dirty="0" smtClean="0"/>
+              <a:rPr lang="en-US" sz="2500" dirty="0"/>
               <a:t>#to remove row if age column contains NA</a:t>
             </a:r>
           </a:p>
@@ -9016,15 +8860,15 @@
               <a:buNone/>
             </a:pPr>
             <a:r>
-              <a:rPr lang="en-US" sz="2500" dirty="0" smtClean="0"/>
+              <a:rPr lang="en-US" sz="2500" dirty="0"/>
               <a:t>kids[!(is.na(</a:t>
             </a:r>
             <a:r>
-              <a:rPr lang="en-US" sz="2500" dirty="0" err="1" smtClean="0"/>
+              <a:rPr lang="en-US" sz="2500" dirty="0" err="1"/>
               <a:t>kids$age</a:t>
             </a:r>
             <a:r>
-              <a:rPr lang="en-US" sz="2500" dirty="0" smtClean="0"/>
+              <a:rPr lang="en-US" sz="2500" dirty="0"/>
               <a:t>)),]</a:t>
             </a:r>
           </a:p>
@@ -9032,14 +8876,14 @@
             <a:pPr marL="0" indent="0">
               <a:buNone/>
             </a:pPr>
-            <a:endParaRPr lang="en-US" sz="2500" dirty="0" smtClean="0"/>
-          </a:p>
-          <a:p>
-            <a:pPr marL="0" indent="0">
-              <a:buNone/>
-            </a:pPr>
-            <a:r>
-              <a:rPr lang="en-US" sz="2500" dirty="0" smtClean="0"/>
+            <a:endParaRPr lang="en-US" sz="2500" dirty="0"/>
+          </a:p>
+          <a:p>
+            <a:pPr marL="0" indent="0">
+              <a:buNone/>
+            </a:pPr>
+            <a:r>
+              <a:rPr lang="en-US" sz="2500" dirty="0"/>
               <a:t>#replace NA value in age column with mean age</a:t>
             </a:r>
           </a:p>
@@ -9048,23 +8892,23 @@
               <a:buNone/>
             </a:pPr>
             <a:r>
-              <a:rPr lang="en-US" sz="2500" dirty="0" smtClean="0"/>
+              <a:rPr lang="en-US" sz="2500" dirty="0"/>
               <a:t>kids[is.na(</a:t>
             </a:r>
             <a:r>
-              <a:rPr lang="en-US" sz="2500" dirty="0" err="1" smtClean="0"/>
+              <a:rPr lang="en-US" sz="2500" dirty="0" err="1"/>
               <a:t>kids$age</a:t>
             </a:r>
             <a:r>
-              <a:rPr lang="en-US" sz="2500" dirty="0" smtClean="0"/>
+              <a:rPr lang="en-US" sz="2500" dirty="0"/>
               <a:t>), 'age'] = mean(</a:t>
             </a:r>
             <a:r>
-              <a:rPr lang="en-US" sz="2500" dirty="0" err="1" smtClean="0"/>
+              <a:rPr lang="en-US" sz="2500" dirty="0" err="1"/>
               <a:t>kids$age</a:t>
             </a:r>
             <a:r>
-              <a:rPr lang="en-US" sz="2500" dirty="0" smtClean="0"/>
+              <a:rPr lang="en-US" sz="2500" dirty="0"/>
               <a:t>, na.rm= TRUE)</a:t>
             </a:r>
           </a:p>
@@ -9073,7 +8917,7 @@
               <a:buNone/>
             </a:pPr>
             <a:r>
-              <a:rPr lang="en-US" sz="2500" dirty="0" smtClean="0"/>
+              <a:rPr lang="en-US" sz="2500" dirty="0"/>
               <a:t>kids</a:t>
             </a:r>
           </a:p>
@@ -9169,7 +9013,7 @@
         </p:nvSpPr>
         <p:spPr>
           <a:xfrm>
-            <a:off x="1028700" y="2286000"/>
+            <a:off x="2552700" y="2286001"/>
             <a:ext cx="7200900" cy="3484031"/>
           </a:xfrm>
           <a:prstGeom prst="rect">
@@ -9338,7 +9182,7 @@
         </p:nvSpPr>
         <p:spPr>
           <a:xfrm>
-            <a:off x="1038764" y="1828800"/>
+            <a:off x="2562764" y="1828800"/>
             <a:ext cx="7200900" cy="4191000"/>
           </a:xfrm>
         </p:spPr>
@@ -9534,7 +9378,7 @@
         </p:nvSpPr>
         <p:spPr>
           <a:xfrm>
-            <a:off x="1028700" y="1676400"/>
+            <a:off x="2552700" y="1676400"/>
             <a:ext cx="7200900" cy="4876800"/>
           </a:xfrm>
         </p:spPr>
@@ -9871,7 +9715,7 @@
         </p:nvSpPr>
         <p:spPr>
           <a:xfrm>
-            <a:off x="1028700" y="685800"/>
+            <a:off x="2552700" y="685800"/>
             <a:ext cx="7200900" cy="838200"/>
           </a:xfrm>
         </p:spPr>
@@ -9899,7 +9743,7 @@
         </p:nvSpPr>
         <p:spPr>
           <a:xfrm>
-            <a:off x="971191" y="1524000"/>
+            <a:off x="2495191" y="1524000"/>
             <a:ext cx="7200900" cy="3581400"/>
           </a:xfrm>
         </p:spPr>
@@ -9962,7 +9806,7 @@
         </p:blipFill>
         <p:spPr>
           <a:xfrm>
-            <a:off x="1028700" y="2819400"/>
+            <a:off x="2552700" y="2819401"/>
             <a:ext cx="4381500" cy="1726311"/>
           </a:xfrm>
           <a:prstGeom prst="rect">
@@ -9986,7 +9830,7 @@
         </p:blipFill>
         <p:spPr>
           <a:xfrm>
-            <a:off x="5715000" y="2832340"/>
+            <a:off x="7239000" y="2832341"/>
             <a:ext cx="3105150" cy="2886075"/>
           </a:xfrm>
           <a:prstGeom prst="rect">
@@ -10069,7 +9913,7 @@
         </p:blipFill>
         <p:spPr>
           <a:xfrm>
-            <a:off x="5102974" y="1828800"/>
+            <a:off x="6626975" y="1828800"/>
             <a:ext cx="2638425" cy="2857500"/>
           </a:xfrm>
           <a:prstGeom prst="rect">
@@ -10093,7 +9937,7 @@
         </p:blipFill>
         <p:spPr>
           <a:xfrm>
-            <a:off x="1132936" y="1766887"/>
+            <a:off x="2656937" y="1766888"/>
             <a:ext cx="3481837" cy="3643313"/>
           </a:xfrm>
           <a:prstGeom prst="rect">
@@ -10156,7 +10000,7 @@
           <a:lstStyle/>
           <a:p>
             <a:r>
-              <a:rPr lang="en-US" sz="3200" dirty="0" smtClean="0"/>
+              <a:rPr lang="en-US" sz="3200" dirty="0"/>
               <a:t>Functions </a:t>
             </a:r>
             <a:r>
@@ -10179,7 +10023,7 @@
         </p:nvSpPr>
         <p:spPr>
           <a:xfrm>
-            <a:off x="990600" y="1981200"/>
+            <a:off x="2514600" y="1981200"/>
             <a:ext cx="7200900" cy="3581400"/>
           </a:xfrm>
         </p:spPr>
@@ -10313,7 +10157,7 @@
         </p:blipFill>
         <p:spPr>
           <a:xfrm>
-            <a:off x="1066799" y="5032891"/>
+            <a:off x="2590799" y="5032891"/>
             <a:ext cx="1695450" cy="1428750"/>
           </a:xfrm>
           <a:prstGeom prst="rect">
@@ -10337,7 +10181,7 @@
         </p:blipFill>
         <p:spPr>
           <a:xfrm>
-            <a:off x="3124200" y="5562600"/>
+            <a:off x="4648200" y="5562600"/>
             <a:ext cx="2038350" cy="647700"/>
           </a:xfrm>
           <a:prstGeom prst="rect">
@@ -10488,7 +10332,7 @@
         </p:blipFill>
         <p:spPr>
           <a:xfrm>
-            <a:off x="1371600" y="3048000"/>
+            <a:off x="2895600" y="3048000"/>
             <a:ext cx="2705100" cy="3600450"/>
           </a:xfrm>
           <a:prstGeom prst="rect">
@@ -10504,7 +10348,7 @@
         </p:nvSpPr>
         <p:spPr>
           <a:xfrm>
-            <a:off x="4953000" y="3352800"/>
+            <a:off x="6477000" y="3352800"/>
             <a:ext cx="2590800" cy="923330"/>
           </a:xfrm>
           <a:prstGeom prst="rect">
@@ -10523,11 +10367,11 @@
               <a:t>n</a:t>
             </a:r>
             <a:r>
-              <a:rPr lang="en-GB" dirty="0" err="1" smtClean="0"/>
+              <a:rPr lang="en-GB" dirty="0" err="1"/>
               <a:t>row</a:t>
             </a:r>
             <a:r>
-              <a:rPr lang="en-GB" dirty="0" smtClean="0"/>
+              <a:rPr lang="en-GB" dirty="0"/>
               <a:t>()</a:t>
             </a:r>
           </a:p>
@@ -10537,11 +10381,11 @@
               <a:t>n</a:t>
             </a:r>
             <a:r>
-              <a:rPr lang="en-GB" dirty="0" err="1" smtClean="0"/>
+              <a:rPr lang="en-GB" dirty="0" err="1"/>
               <a:t>col</a:t>
             </a:r>
             <a:r>
-              <a:rPr lang="en-GB" dirty="0" smtClean="0"/>
+              <a:rPr lang="en-GB" dirty="0"/>
               <a:t>()</a:t>
             </a:r>
           </a:p>
@@ -10551,7 +10395,7 @@
               <a:t>d</a:t>
             </a:r>
             <a:r>
-              <a:rPr lang="en-GB" dirty="0" smtClean="0"/>
+              <a:rPr lang="en-GB" dirty="0"/>
               <a:t>im()</a:t>
             </a:r>
             <a:endParaRPr lang="en-GB" dirty="0"/>
@@ -10707,7 +10551,7 @@
         </p:nvSpPr>
         <p:spPr>
           <a:xfrm>
-            <a:off x="1061768" y="4537357"/>
+            <a:off x="2585768" y="4537357"/>
             <a:ext cx="6629400" cy="1292662"/>
           </a:xfrm>
           <a:prstGeom prst="rect">
@@ -10738,7 +10582,7 @@
               <a:buChar char="§"/>
             </a:pPr>
             <a:r>
-              <a:rPr lang="en-US" dirty="0" smtClean="0">
+              <a:rPr lang="en-US" dirty="0">
                 <a:latin typeface="Trebuchet MS" panose="020B0603020202020204" pitchFamily="34" charset="0"/>
               </a:rPr>
               <a:t>Powerful </a:t>
@@ -10756,7 +10600,7 @@
               <a:buChar char="§"/>
             </a:pPr>
             <a:r>
-              <a:rPr lang="en-US" dirty="0" smtClean="0">
+              <a:rPr lang="en-US" dirty="0">
                 <a:latin typeface="Trebuchet MS" panose="020B0603020202020204" pitchFamily="34" charset="0"/>
               </a:rPr>
               <a:t>It </a:t>
@@ -10825,7 +10669,7 @@
           <a:lstStyle/>
           <a:p>
             <a:r>
-              <a:rPr lang="en-US" sz="3600" dirty="0" smtClean="0"/>
+              <a:rPr lang="en-US" sz="3600" dirty="0"/>
               <a:t>Algebra </a:t>
             </a:r>
             <a:r>
@@ -10871,7 +10715,7 @@
         </p:blipFill>
         <p:spPr>
           <a:xfrm>
-            <a:off x="914400" y="1905000"/>
+            <a:off x="2438401" y="1905001"/>
             <a:ext cx="5857875" cy="3667125"/>
           </a:xfrm>
           <a:prstGeom prst="rect">
@@ -10951,7 +10795,7 @@
         </p:nvSpPr>
         <p:spPr>
           <a:xfrm>
-            <a:off x="1028700" y="1752600"/>
+            <a:off x="2552700" y="1752600"/>
             <a:ext cx="7200900" cy="4114800"/>
           </a:xfrm>
         </p:spPr>
@@ -11058,7 +10902,7 @@
         </p:blipFill>
         <p:spPr>
           <a:xfrm>
-            <a:off x="1143000" y="4419600"/>
+            <a:off x="2667000" y="4419600"/>
             <a:ext cx="4705350" cy="590550"/>
           </a:xfrm>
           <a:prstGeom prst="rect">
@@ -11082,7 +10926,7 @@
         </p:blipFill>
         <p:spPr>
           <a:xfrm>
-            <a:off x="6248400" y="4419600"/>
+            <a:off x="7772400" y="4419600"/>
             <a:ext cx="2343150" cy="1962150"/>
           </a:xfrm>
           <a:prstGeom prst="rect">
@@ -11098,7 +10942,7 @@
         </p:nvSpPr>
         <p:spPr>
           <a:xfrm>
-            <a:off x="6172200" y="4050268"/>
+            <a:off x="7696200" y="4050268"/>
             <a:ext cx="998222" cy="369332"/>
           </a:xfrm>
           <a:prstGeom prst="rect">
@@ -11126,7 +10970,7 @@
         </p:nvSpPr>
         <p:spPr>
           <a:xfrm>
-            <a:off x="1018636" y="5010150"/>
+            <a:off x="2542636" y="5010150"/>
             <a:ext cx="5001164" cy="738664"/>
           </a:xfrm>
           <a:prstGeom prst="rect">
@@ -11159,7 +11003,7 @@
               <a:t>List</a:t>
             </a:r>
             <a:r>
-              <a:rPr lang="en-GB" dirty="0" smtClean="0">
+              <a:rPr lang="en-GB" dirty="0">
                 <a:latin typeface="Trebuchet MS" panose="020B0603020202020204" pitchFamily="34" charset="0"/>
               </a:rPr>
               <a:t>&lt;-list(1:3,c</a:t>
@@ -11234,7 +11078,7 @@
         </p:nvSpPr>
         <p:spPr>
           <a:xfrm>
-            <a:off x="1028700" y="685800"/>
+            <a:off x="2552700" y="685800"/>
             <a:ext cx="7200900" cy="914400"/>
           </a:xfrm>
         </p:spPr>
@@ -11262,7 +11106,7 @@
         </p:nvSpPr>
         <p:spPr>
           <a:xfrm>
-            <a:off x="1028700" y="1752600"/>
+            <a:off x="2552700" y="1752600"/>
             <a:ext cx="7200900" cy="4114800"/>
           </a:xfrm>
         </p:spPr>
@@ -11341,7 +11185,7 @@
         </p:blipFill>
         <p:spPr>
           <a:xfrm>
-            <a:off x="1352550" y="2618116"/>
+            <a:off x="2876550" y="2618116"/>
             <a:ext cx="4705350" cy="590550"/>
           </a:xfrm>
           <a:prstGeom prst="rect">
@@ -11365,7 +11209,7 @@
         </p:blipFill>
         <p:spPr>
           <a:xfrm>
-            <a:off x="3457575" y="4724400"/>
+            <a:off x="4981575" y="4724400"/>
             <a:ext cx="2343150" cy="1962150"/>
           </a:xfrm>
           <a:prstGeom prst="rect">
@@ -11389,7 +11233,7 @@
         </p:blipFill>
         <p:spPr>
           <a:xfrm>
-            <a:off x="6389028" y="2313316"/>
+            <a:off x="7913029" y="2313316"/>
             <a:ext cx="1552575" cy="1790700"/>
           </a:xfrm>
           <a:prstGeom prst="rect">
@@ -11475,7 +11319,7 @@
         </p:blipFill>
         <p:spPr>
           <a:xfrm>
-            <a:off x="685800" y="1514475"/>
+            <a:off x="2209800" y="1514475"/>
             <a:ext cx="4210050" cy="5124450"/>
           </a:xfrm>
           <a:prstGeom prst="rect">
@@ -11491,7 +11335,7 @@
         </p:nvSpPr>
         <p:spPr>
           <a:xfrm>
-            <a:off x="5238750" y="1587966"/>
+            <a:off x="6762750" y="1587967"/>
             <a:ext cx="4038600" cy="646331"/>
           </a:xfrm>
           <a:prstGeom prst="rect">
@@ -11530,7 +11374,7 @@
         </p:blipFill>
         <p:spPr>
           <a:xfrm>
-            <a:off x="5334000" y="2590800"/>
+            <a:off x="6858001" y="2590800"/>
             <a:ext cx="2790825" cy="1924050"/>
           </a:xfrm>
           <a:prstGeom prst="rect">
@@ -11548,7 +11392,7 @@
         </p:nvSpPr>
         <p:spPr bwMode="auto">
           <a:xfrm>
-            <a:off x="5334000" y="4671220"/>
+            <a:off x="6858000" y="4671221"/>
             <a:ext cx="2819400" cy="615553"/>
           </a:xfrm>
           <a:prstGeom prst="rect">
@@ -11592,89 +11436,50 @@
           </a:bodyPr>
           <a:lstStyle/>
           <a:p>
-            <a:pPr marL="0" marR="0" lvl="0" indent="0" algn="l" defTabSz="914400" rtl="0" eaLnBrk="0" fontAlgn="base" latinLnBrk="0" hangingPunct="0">
-              <a:lnSpc>
-                <a:spcPct val="100000"/>
-              </a:lnSpc>
+            <a:pPr eaLnBrk="0" fontAlgn="base" hangingPunct="0">
               <a:spcBef>
                 <a:spcPct val="0"/>
               </a:spcBef>
               <a:spcAft>
                 <a:spcPct val="0"/>
               </a:spcAft>
-              <a:buClrTx/>
-              <a:buSzTx/>
-              <a:buFontTx/>
-              <a:buNone/>
-              <a:tabLst/>
-            </a:pPr>
-            <a:endParaRPr kumimoji="0" lang="en-US" altLang="en-US" sz="1100" b="0" i="0" u="none" strike="noStrike" cap="none" normalizeH="0" baseline="0" dirty="0" smtClean="0">
-              <a:ln>
-                <a:noFill/>
-              </a:ln>
+            </a:pPr>
+            <a:endParaRPr lang="en-US" altLang="en-US" sz="1100" dirty="0">
               <a:solidFill>
                 <a:srgbClr val="0000FF"/>
               </a:solidFill>
-              <a:effectLst/>
               <a:latin typeface="Lucida Console" panose="020B0609040504020204" pitchFamily="49" charset="0"/>
             </a:endParaRPr>
           </a:p>
           <a:p>
-            <a:pPr marL="0" marR="0" lvl="0" indent="0" algn="l" defTabSz="914400" rtl="0" eaLnBrk="0" fontAlgn="base" latinLnBrk="0" hangingPunct="0">
-              <a:lnSpc>
-                <a:spcPct val="100000"/>
-              </a:lnSpc>
+            <a:pPr eaLnBrk="0" fontAlgn="base" hangingPunct="0">
               <a:spcBef>
                 <a:spcPct val="0"/>
               </a:spcBef>
               <a:spcAft>
                 <a:spcPct val="0"/>
               </a:spcAft>
-              <a:buClrTx/>
-              <a:buSzTx/>
-              <a:buFontTx/>
-              <a:buNone/>
-              <a:tabLst/>
-            </a:pPr>
-            <a:r>
-              <a:rPr kumimoji="0" lang="en-US" altLang="en-US" sz="1100" b="0" i="0" u="none" strike="noStrike" cap="none" normalizeH="0" baseline="0" dirty="0" smtClean="0">
-                <a:ln>
-                  <a:noFill/>
-                </a:ln>
+            </a:pPr>
+            <a:r>
+              <a:rPr lang="en-US" altLang="en-US" sz="1100" dirty="0">
                 <a:solidFill>
                   <a:srgbClr val="0000FF"/>
                 </a:solidFill>
-                <a:effectLst/>
                 <a:latin typeface="Lucida Console" panose="020B0609040504020204" pitchFamily="49" charset="0"/>
               </a:rPr>
               <a:t>    names(profile)</a:t>
             </a:r>
           </a:p>
           <a:p>
-            <a:pPr marL="0" marR="0" lvl="0" indent="0" algn="l" defTabSz="914400" rtl="0" eaLnBrk="0" fontAlgn="base" latinLnBrk="0" hangingPunct="0">
-              <a:lnSpc>
-                <a:spcPct val="100000"/>
-              </a:lnSpc>
+            <a:pPr eaLnBrk="0" fontAlgn="base" hangingPunct="0">
               <a:spcBef>
                 <a:spcPct val="0"/>
               </a:spcBef>
               <a:spcAft>
                 <a:spcPct val="0"/>
               </a:spcAft>
-              <a:buClrTx/>
-              <a:buSzTx/>
-              <a:buFontTx/>
-              <a:buNone/>
-              <a:tabLst/>
-            </a:pPr>
-            <a:endParaRPr kumimoji="0" lang="en-US" altLang="en-US" sz="1800" b="0" i="0" u="none" strike="noStrike" cap="none" normalizeH="0" baseline="0" dirty="0" smtClean="0">
-              <a:ln>
-                <a:noFill/>
-              </a:ln>
-              <a:solidFill>
-                <a:schemeClr val="tx1"/>
-              </a:solidFill>
-              <a:effectLst/>
+            </a:pPr>
+            <a:endParaRPr lang="en-US" altLang="en-US" dirty="0">
               <a:latin typeface="Arial" panose="020B0604020202020204" pitchFamily="34" charset="0"/>
             </a:endParaRPr>
           </a:p>
@@ -11753,7 +11558,7 @@
         </p:nvSpPr>
         <p:spPr>
           <a:xfrm>
-            <a:off x="1028700" y="1676400"/>
+            <a:off x="2552700" y="1676400"/>
             <a:ext cx="7200900" cy="4648200"/>
           </a:xfrm>
         </p:spPr>
@@ -11764,7 +11569,7 @@
           <a:lstStyle/>
           <a:p>
             <a:r>
-              <a:rPr lang="en-US" sz="1800" dirty="0" smtClean="0"/>
+              <a:rPr lang="en-US" sz="1800" dirty="0"/>
               <a:t>The </a:t>
             </a:r>
             <a:r>
@@ -11792,7 +11597,7 @@
               <a:t>) works like the matrix apply() function</a:t>
             </a:r>
             <a:r>
-              <a:rPr lang="en-US" sz="1800" dirty="0" smtClean="0"/>
+              <a:rPr lang="en-US" sz="1800" dirty="0"/>
               <a:t>, calling </a:t>
             </a:r>
             <a:r>
@@ -11800,38 +11605,38 @@
               <a:t>the specified function on each component of a list </a:t>
             </a:r>
             <a:r>
-              <a:rPr lang="en-US" sz="1800" dirty="0" smtClean="0"/>
+              <a:rPr lang="en-US" sz="1800" dirty="0"/>
               <a:t>and </a:t>
             </a:r>
             <a:r>
               <a:rPr lang="en-US" sz="1800" dirty="0"/>
               <a:t>returning another list. </a:t>
             </a:r>
-            <a:endParaRPr lang="en-US" sz="1800" dirty="0" smtClean="0"/>
-          </a:p>
-          <a:p>
             <a:endParaRPr lang="en-US" sz="1800" dirty="0"/>
           </a:p>
           <a:p>
-            <a:endParaRPr lang="en-US" sz="1800" dirty="0" smtClean="0"/>
-          </a:p>
-          <a:p>
             <a:endParaRPr lang="en-US" sz="1800" dirty="0"/>
           </a:p>
           <a:p>
-            <a:endParaRPr lang="en-US" sz="1800" dirty="0" smtClean="0"/>
-          </a:p>
-          <a:p>
-            <a:r>
-              <a:rPr lang="en-US" sz="1800" dirty="0" smtClean="0"/>
+            <a:endParaRPr lang="en-US" sz="1800" dirty="0"/>
+          </a:p>
+          <a:p>
+            <a:endParaRPr lang="en-US" sz="1800" dirty="0"/>
+          </a:p>
+          <a:p>
+            <a:endParaRPr lang="en-US" sz="1800" dirty="0"/>
+          </a:p>
+          <a:p>
+            <a:r>
+              <a:rPr lang="en-US" sz="1800" dirty="0"/>
               <a:t>To return in vector format use </a:t>
             </a:r>
             <a:r>
-              <a:rPr lang="en-US" sz="1800" dirty="0" err="1" smtClean="0"/>
+              <a:rPr lang="en-US" sz="1800" dirty="0" err="1"/>
               <a:t>sapply</a:t>
             </a:r>
             <a:r>
-              <a:rPr lang="en-US" sz="1800" dirty="0" smtClean="0"/>
+              <a:rPr lang="en-US" sz="1800" dirty="0"/>
               <a:t>() (</a:t>
             </a:r>
             <a:r>
@@ -11839,19 +11644,19 @@
               <a:t>simplified [l]apply</a:t>
             </a:r>
             <a:r>
-              <a:rPr lang="en-GB" sz="1800" dirty="0" smtClean="0"/>
+              <a:rPr lang="en-GB" sz="1800" dirty="0"/>
               <a:t>)</a:t>
             </a:r>
           </a:p>
           <a:p>
-            <a:endParaRPr lang="en-GB" sz="1800" dirty="0" smtClean="0"/>
-          </a:p>
-          <a:p>
             <a:endParaRPr lang="en-GB" sz="1800" dirty="0"/>
           </a:p>
           <a:p>
-            <a:r>
-              <a:rPr lang="en-GB" sz="1800" dirty="0" smtClean="0"/>
+            <a:endParaRPr lang="en-GB" sz="1800" dirty="0"/>
+          </a:p>
+          <a:p>
+            <a:r>
+              <a:rPr lang="en-GB" sz="1800" dirty="0"/>
               <a:t>List </a:t>
             </a:r>
             <a:r>
@@ -11859,15 +11664,15 @@
               <a:t>to </a:t>
             </a:r>
             <a:r>
-              <a:rPr lang="en-GB" sz="1800" dirty="0" smtClean="0"/>
+              <a:rPr lang="en-GB" sz="1800" dirty="0"/>
               <a:t>Vector : </a:t>
             </a:r>
             <a:r>
-              <a:rPr lang="en-GB" sz="1800" dirty="0" err="1" smtClean="0"/>
+              <a:rPr lang="en-GB" sz="1800" dirty="0" err="1"/>
               <a:t>unlist</a:t>
             </a:r>
             <a:r>
-              <a:rPr lang="en-GB" sz="1800" dirty="0" smtClean="0"/>
+              <a:rPr lang="en-GB" sz="1800" dirty="0"/>
               <a:t>()</a:t>
             </a:r>
           </a:p>
@@ -11875,22 +11680,22 @@
             <a:endParaRPr lang="en-GB" sz="1800" dirty="0"/>
           </a:p>
           <a:p>
-            <a:endParaRPr lang="en-GB" sz="1800" dirty="0" smtClean="0"/>
-          </a:p>
-          <a:p>
             <a:endParaRPr lang="en-GB" sz="1800" dirty="0"/>
           </a:p>
           <a:p>
-            <a:pPr marL="0" indent="0">
-              <a:buNone/>
-            </a:pPr>
-            <a:endParaRPr lang="en-GB" sz="1800" dirty="0" smtClean="0"/>
-          </a:p>
-          <a:p>
             <a:endParaRPr lang="en-GB" sz="1800" dirty="0"/>
           </a:p>
           <a:p>
-            <a:endParaRPr lang="en-GB" sz="1800" dirty="0" smtClean="0"/>
+            <a:pPr marL="0" indent="0">
+              <a:buNone/>
+            </a:pPr>
+            <a:endParaRPr lang="en-GB" sz="1800" dirty="0"/>
+          </a:p>
+          <a:p>
+            <a:endParaRPr lang="en-GB" sz="1800" dirty="0"/>
+          </a:p>
+          <a:p>
+            <a:endParaRPr lang="en-GB" sz="1800" dirty="0"/>
           </a:p>
           <a:p>
             <a:endParaRPr lang="en-GB" dirty="0"/>
@@ -11916,7 +11721,7 @@
         </p:blipFill>
         <p:spPr>
           <a:xfrm>
-            <a:off x="1534064" y="2667000"/>
+            <a:off x="3058064" y="2667000"/>
             <a:ext cx="2961736" cy="1568894"/>
           </a:xfrm>
           <a:prstGeom prst="rect">
@@ -11940,7 +11745,7 @@
         </p:blipFill>
         <p:spPr>
           <a:xfrm>
-            <a:off x="1499558" y="4648200"/>
+            <a:off x="3023559" y="4648200"/>
             <a:ext cx="3971925" cy="781050"/>
           </a:xfrm>
           <a:prstGeom prst="rect">
@@ -11956,7 +11761,7 @@
         </p:nvSpPr>
         <p:spPr>
           <a:xfrm>
-            <a:off x="5471483" y="2763618"/>
+            <a:off x="6995483" y="2763619"/>
             <a:ext cx="2590800" cy="646331"/>
           </a:xfrm>
           <a:prstGeom prst="rect">
@@ -11971,7 +11776,7 @@
           <a:lstStyle/>
           <a:p>
             <a:r>
-              <a:rPr lang="en-GB" dirty="0" smtClean="0"/>
+              <a:rPr lang="en-GB" dirty="0"/>
               <a:t>Monthly Sales in supermarket</a:t>
             </a:r>
             <a:endParaRPr lang="en-GB" dirty="0"/>
@@ -12027,7 +11832,7 @@
         </p:nvSpPr>
         <p:spPr>
           <a:xfrm>
-            <a:off x="1028700" y="685800"/>
+            <a:off x="2552700" y="685800"/>
             <a:ext cx="7200900" cy="762000"/>
           </a:xfrm>
         </p:spPr>
@@ -12059,7 +11864,7 @@
         </p:nvSpPr>
         <p:spPr>
           <a:xfrm>
-            <a:off x="1028700" y="1752600"/>
+            <a:off x="2552700" y="1752600"/>
             <a:ext cx="7200900" cy="4648200"/>
           </a:xfrm>
         </p:spPr>
@@ -12304,7 +12109,7 @@
         </p:blipFill>
         <p:spPr>
           <a:xfrm>
-            <a:off x="762000" y="152400"/>
+            <a:off x="2286001" y="152400"/>
             <a:ext cx="7572375" cy="6515100"/>
           </a:xfrm>
           <a:prstGeom prst="rect">
@@ -12388,7 +12193,7 @@
         </p:blipFill>
         <p:spPr>
           <a:xfrm>
-            <a:off x="1028700" y="1676400"/>
+            <a:off x="2552700" y="1676401"/>
             <a:ext cx="7575826" cy="4612341"/>
           </a:xfrm>
           <a:prstGeom prst="rect">
@@ -12445,7 +12250,7 @@
         </p:nvSpPr>
         <p:spPr>
           <a:xfrm>
-            <a:off x="1028700" y="1371600"/>
+            <a:off x="2552700" y="1371600"/>
             <a:ext cx="7200900" cy="685800"/>
           </a:xfrm>
         </p:spPr>
@@ -12475,7 +12280,7 @@
         </p:nvSpPr>
         <p:spPr>
           <a:xfrm>
-            <a:off x="1028700" y="2286000"/>
+            <a:off x="2552700" y="2286000"/>
             <a:ext cx="7200900" cy="3200400"/>
           </a:xfrm>
         </p:spPr>
@@ -12604,7 +12409,7 @@
         </p:nvSpPr>
         <p:spPr>
           <a:xfrm>
-            <a:off x="1028700" y="1371600"/>
+            <a:off x="2552700" y="1371600"/>
             <a:ext cx="7200900" cy="628650"/>
           </a:xfrm>
         </p:spPr>
@@ -12634,7 +12439,7 @@
         </p:nvSpPr>
         <p:spPr>
           <a:xfrm>
-            <a:off x="1028700" y="2228850"/>
+            <a:off x="2552700" y="2228850"/>
             <a:ext cx="7200900" cy="3028950"/>
           </a:xfrm>
         </p:spPr>
@@ -12847,7 +12652,7 @@
         </p:nvSpPr>
         <p:spPr>
           <a:xfrm>
-            <a:off x="848839" y="1828800"/>
+            <a:off x="2372840" y="1828800"/>
             <a:ext cx="8016241" cy="4023360"/>
           </a:xfrm>
         </p:spPr>
@@ -12862,7 +12667,7 @@
               <a:buChar char="ü"/>
             </a:pPr>
             <a:r>
-              <a:rPr lang="en-US" sz="1700" dirty="0" smtClean="0"/>
+              <a:rPr lang="en-US" sz="1700" dirty="0"/>
               <a:t>Open </a:t>
             </a:r>
             <a:r>
@@ -12870,11 +12675,11 @@
               <a:t>a new or pre-existing script in </a:t>
             </a:r>
             <a:r>
-              <a:rPr lang="en-US" sz="1700" dirty="0" err="1" smtClean="0"/>
+              <a:rPr lang="en-US" sz="1700" dirty="0" err="1"/>
               <a:t>RStudio</a:t>
             </a:r>
             <a:r>
-              <a:rPr lang="en-US" sz="1700" dirty="0" smtClean="0"/>
+              <a:rPr lang="en-US" sz="1700" dirty="0"/>
               <a:t>(extension </a:t>
             </a:r>
             <a:r>
@@ -12888,7 +12693,7 @@
               <a:buChar char="ü"/>
             </a:pPr>
             <a:r>
-              <a:rPr lang="en-US" sz="1700" dirty="0" smtClean="0"/>
+              <a:rPr lang="en-US" sz="1700" dirty="0"/>
               <a:t>Save </a:t>
             </a:r>
             <a:r>
@@ -12902,7 +12707,7 @@
               <a:buChar char="ü"/>
             </a:pPr>
             <a:r>
-              <a:rPr lang="en-US" sz="1700" dirty="0" smtClean="0"/>
+              <a:rPr lang="en-US" sz="1700" dirty="0"/>
               <a:t>Set working </a:t>
             </a:r>
             <a:r>
@@ -12910,7 +12715,7 @@
               <a:t>directory </a:t>
             </a:r>
             <a:r>
-              <a:rPr lang="en-US" sz="1700" dirty="0" smtClean="0"/>
+              <a:rPr lang="en-US" sz="1700" dirty="0"/>
               <a:t>with </a:t>
             </a:r>
             <a:r>
@@ -12922,7 +12727,7 @@
               <a:t>(“path2directory</a:t>
             </a:r>
             <a:r>
-              <a:rPr lang="en-US" sz="1700" dirty="0" smtClean="0"/>
+              <a:rPr lang="en-US" sz="1700" dirty="0"/>
               <a:t>),Check </a:t>
             </a:r>
             <a:r>
@@ -12944,7 +12749,7 @@
               <a:buChar char="ü"/>
             </a:pPr>
             <a:r>
-              <a:rPr lang="en-US" sz="1700" dirty="0" smtClean="0"/>
+              <a:rPr lang="en-US" sz="1700" dirty="0"/>
               <a:t>Comment </a:t>
             </a:r>
             <a:r>
@@ -12958,7 +12763,7 @@
               <a:buChar char="ü"/>
             </a:pPr>
             <a:r>
-              <a:rPr lang="en-US" sz="1700" dirty="0" smtClean="0"/>
+              <a:rPr lang="en-US" sz="1700" dirty="0"/>
               <a:t>Write </a:t>
             </a:r>
             <a:r>
@@ -12988,7 +12793,7 @@
               <a:buChar char="ü"/>
             </a:pPr>
             <a:r>
-              <a:rPr lang="en-US" sz="1700" dirty="0" smtClean="0"/>
+              <a:rPr lang="en-US" sz="1700" dirty="0"/>
               <a:t>Output </a:t>
             </a:r>
             <a:r>
@@ -12996,7 +12801,7 @@
               <a:t>is saved in your working directory (if folder unspecified) </a:t>
             </a:r>
             <a:r>
-              <a:rPr lang="en-US" sz="1700" dirty="0" smtClean="0"/>
+              <a:rPr lang="en-US" sz="1700" dirty="0"/>
               <a:t>,Save </a:t>
             </a:r>
             <a:r>
@@ -13018,7 +12823,7 @@
               <a:buChar char="ü"/>
             </a:pPr>
             <a:r>
-              <a:rPr lang="en-US" sz="1700" dirty="0" smtClean="0"/>
+              <a:rPr lang="en-US" sz="1700" dirty="0"/>
               <a:t>Quit your </a:t>
             </a:r>
             <a:r>
@@ -13026,7 +12831,7 @@
               <a:t>session and save workspace if </a:t>
             </a:r>
             <a:r>
-              <a:rPr lang="en-US" sz="1700" dirty="0" smtClean="0"/>
+              <a:rPr lang="en-US" sz="1700" dirty="0"/>
               <a:t>required</a:t>
             </a:r>
           </a:p>
@@ -13036,7 +12841,7 @@
               <a:buChar char="ü"/>
             </a:pPr>
             <a:r>
-              <a:rPr lang="en-US" sz="1700" b="1" dirty="0" smtClean="0"/>
+              <a:rPr lang="en-US" sz="1700" b="1" dirty="0"/>
               <a:t>R is case sensitive</a:t>
             </a:r>
             <a:endParaRPr lang="en-US" sz="1700" b="1" dirty="0"/>
@@ -13092,7 +12897,7 @@
         </p:nvSpPr>
         <p:spPr>
           <a:xfrm>
-            <a:off x="1028700" y="1371600"/>
+            <a:off x="2552700" y="1371600"/>
             <a:ext cx="7200900" cy="628650"/>
           </a:xfrm>
         </p:spPr>
@@ -13121,7 +12926,7 @@
         </p:nvSpPr>
         <p:spPr>
           <a:xfrm>
-            <a:off x="1028700" y="2171700"/>
+            <a:off x="2552700" y="2171700"/>
             <a:ext cx="7600950" cy="3543300"/>
           </a:xfrm>
         </p:spPr>
@@ -13512,7 +13317,7 @@
         </p:nvSpPr>
         <p:spPr>
           <a:xfrm>
-            <a:off x="1028700" y="1524000"/>
+            <a:off x="2552700" y="1524000"/>
             <a:ext cx="7200900" cy="4343400"/>
           </a:xfrm>
         </p:spPr>
@@ -13730,7 +13535,7 @@
         </p:blipFill>
         <p:spPr>
           <a:xfrm>
-            <a:off x="1752600" y="3505200"/>
+            <a:off x="3276600" y="3505200"/>
             <a:ext cx="5458314" cy="698500"/>
           </a:xfrm>
           <a:prstGeom prst="rect">
@@ -13777,17 +13582,45 @@
       </p:grpSpPr>
       <p:sp>
         <p:nvSpPr>
-          <p:cNvPr id="3" name="Content Placeholder 2"/>
-          <p:cNvSpPr>
-            <a:spLocks noGrp="1"/>
-          </p:cNvSpPr>
-          <p:nvPr>
-            <p:ph idx="1"/>
+          <p:cNvPr id="4" name="Title 1"/>
+          <p:cNvSpPr>
+            <a:spLocks noGrp="1"/>
+          </p:cNvSpPr>
+          <p:nvPr>
+            <p:ph type="title"/>
           </p:nvPr>
         </p:nvSpPr>
         <p:spPr>
           <a:xfrm>
-            <a:off x="1028700" y="1752600"/>
+            <a:off x="2552700" y="685800"/>
+            <a:ext cx="7200900" cy="1485900"/>
+          </a:xfrm>
+        </p:spPr>
+        <p:txBody>
+          <a:bodyPr/>
+          <a:lstStyle/>
+          <a:p>
+            <a:r>
+              <a:rPr lang="en-GB" dirty="0" smtClean="0"/>
+              <a:t>Assignment</a:t>
+            </a:r>
+            <a:endParaRPr lang="en-GB" dirty="0"/>
+          </a:p>
+        </p:txBody>
+      </p:sp>
+      <p:sp>
+        <p:nvSpPr>
+          <p:cNvPr id="3" name="Content Placeholder 2"/>
+          <p:cNvSpPr>
+            <a:spLocks noGrp="1"/>
+          </p:cNvSpPr>
+          <p:nvPr>
+            <p:ph idx="1"/>
+          </p:nvPr>
+        </p:nvSpPr>
+        <p:spPr>
+          <a:xfrm>
+            <a:off x="2552700" y="1752600"/>
             <a:ext cx="7200900" cy="3581400"/>
           </a:xfrm>
         </p:spPr>
@@ -13870,34 +13703,6 @@
               <a:buFont typeface="+mj-lt"/>
               <a:buAutoNum type="arabicPeriod" startAt="8"/>
             </a:pPr>
-            <a:endParaRPr lang="en-GB" dirty="0"/>
-          </a:p>
-        </p:txBody>
-      </p:sp>
-      <p:sp>
-        <p:nvSpPr>
-          <p:cNvPr id="4" name="Title 1"/>
-          <p:cNvSpPr>
-            <a:spLocks noGrp="1"/>
-          </p:cNvSpPr>
-          <p:nvPr>
-            <p:ph type="title"/>
-          </p:nvPr>
-        </p:nvSpPr>
-        <p:spPr>
-          <a:xfrm>
-            <a:off x="1028700" y="685800"/>
-            <a:ext cx="7200900" cy="1485900"/>
-          </a:xfrm>
-        </p:spPr>
-        <p:txBody>
-          <a:bodyPr/>
-          <a:lstStyle/>
-          <a:p>
-            <a:r>
-              <a:rPr lang="en-GB" dirty="0" smtClean="0"/>
-              <a:t>Assignment</a:t>
-            </a:r>
             <a:endParaRPr lang="en-GB" dirty="0"/>
           </a:p>
         </p:txBody>
@@ -13998,7 +13803,7 @@
         </p:blipFill>
         <p:spPr>
           <a:xfrm>
-            <a:off x="1143000" y="3581400"/>
+            <a:off x="2667000" y="3581401"/>
             <a:ext cx="6134100" cy="1400175"/>
           </a:xfrm>
           <a:prstGeom prst="rect">
@@ -14063,18 +13868,18 @@
             <a:pPr marL="0" indent="0">
               <a:buNone/>
             </a:pPr>
-            <a:endParaRPr lang="en-US" sz="4400" dirty="0" smtClean="0"/>
-          </a:p>
-          <a:p>
-            <a:pPr marL="0" indent="0">
-              <a:buNone/>
-            </a:pPr>
-            <a:r>
-              <a:rPr lang="en-US" sz="4400" dirty="0" smtClean="0"/>
+            <a:endParaRPr lang="en-US" sz="4400" dirty="0"/>
+          </a:p>
+          <a:p>
+            <a:pPr marL="0" indent="0">
+              <a:buNone/>
+            </a:pPr>
+            <a:r>
+              <a:rPr lang="en-US" sz="4400" dirty="0"/>
               <a:t>              </a:t>
             </a:r>
             <a:r>
-              <a:rPr lang="en-US" sz="6000" dirty="0" smtClean="0"/>
+              <a:rPr lang="en-US" sz="6000" dirty="0"/>
               <a:t>Thank You</a:t>
             </a:r>
             <a:endParaRPr lang="en-US" sz="6000" dirty="0"/>
@@ -14228,7 +14033,7 @@
         </p:blipFill>
         <p:spPr>
           <a:xfrm>
-            <a:off x="1028700" y="3138487"/>
+            <a:off x="2552700" y="3138488"/>
             <a:ext cx="6477000" cy="1876425"/>
           </a:xfrm>
           <a:prstGeom prst="rect">
@@ -14481,7 +14286,7 @@
         </p:blipFill>
         <p:spPr>
           <a:xfrm>
-            <a:off x="5257800" y="2667000"/>
+            <a:off x="6781800" y="2667001"/>
             <a:ext cx="2724150" cy="1798967"/>
           </a:xfrm>
           <a:prstGeom prst="rect">
@@ -14497,7 +14302,7 @@
         </p:nvSpPr>
         <p:spPr>
           <a:xfrm>
-            <a:off x="819150" y="3615035"/>
+            <a:off x="2343150" y="3615036"/>
             <a:ext cx="4572000" cy="646331"/>
           </a:xfrm>
           <a:prstGeom prst="rect">
@@ -14525,7 +14330,7 @@
               <a:t>("C:\\Users</a:t>
             </a:r>
             <a:r>
-              <a:rPr lang="en-GB" dirty="0" smtClean="0"/>
+              <a:rPr lang="en-GB" dirty="0"/>
               <a:t>\\Shanu</a:t>
             </a:r>
             <a:r>
@@ -14616,7 +14421,7 @@
               <a:buNone/>
             </a:pPr>
             <a:r>
-              <a:rPr lang="en-US" sz="1400" dirty="0" smtClean="0"/>
+              <a:rPr lang="en-US" sz="1400" dirty="0"/>
               <a:t>R </a:t>
             </a:r>
             <a:r>
@@ -14626,7 +14431,7 @@
           </a:p>
           <a:p>
             <a:r>
-              <a:rPr lang="en-US" sz="1400" dirty="0" smtClean="0"/>
+              <a:rPr lang="en-US" sz="1400" dirty="0"/>
               <a:t>+  and </a:t>
             </a:r>
             <a:r>
@@ -14634,7 +14439,7 @@
               <a:t>− </a:t>
             </a:r>
             <a:r>
-              <a:rPr lang="en-US" sz="1400" dirty="0" smtClean="0"/>
+              <a:rPr lang="en-US" sz="1400" dirty="0"/>
               <a:t> for </a:t>
             </a:r>
             <a:r>
@@ -14644,7 +14449,7 @@
           </a:p>
           <a:p>
             <a:r>
-              <a:rPr lang="en-US" sz="1400" dirty="0" smtClean="0"/>
+              <a:rPr lang="en-US" sz="1400" dirty="0"/>
               <a:t>∗ and </a:t>
             </a:r>
             <a:r>
@@ -14654,7 +14459,7 @@
           </a:p>
           <a:p>
             <a:r>
-              <a:rPr lang="en-US" sz="1400" dirty="0" smtClean="0"/>
+              <a:rPr lang="en-US" sz="1400" dirty="0"/>
               <a:t>∧  for </a:t>
             </a:r>
             <a:r>
@@ -14664,7 +14469,7 @@
           </a:p>
           <a:p>
             <a:r>
-              <a:rPr lang="en-US" sz="1400" dirty="0" smtClean="0"/>
+              <a:rPr lang="en-US" sz="1400" dirty="0"/>
               <a:t>%%  is </a:t>
             </a:r>
             <a:r>
@@ -14672,7 +14477,7 @@
               <a:t>the modulo </a:t>
             </a:r>
             <a:r>
-              <a:rPr lang="en-US" sz="1400" dirty="0" smtClean="0"/>
+              <a:rPr lang="en-US" sz="1400" dirty="0"/>
               <a:t>operator (remainder)</a:t>
             </a:r>
             <a:endParaRPr lang="en-US" sz="1400" dirty="0"/>
@@ -14701,7 +14506,7 @@
         </p:blipFill>
         <p:spPr>
           <a:xfrm>
-            <a:off x="5181600" y="3505200"/>
+            <a:off x="6705601" y="3505200"/>
             <a:ext cx="3148051" cy="2133600"/>
           </a:xfrm>
           <a:prstGeom prst="rect">
@@ -14764,7 +14569,7 @@
           <a:lstStyle/>
           <a:p>
             <a:r>
-              <a:rPr lang="en-US" sz="4000" b="1" dirty="0" smtClean="0"/>
+              <a:rPr lang="en-US" sz="4000" b="1" dirty="0"/>
               <a:t>Variables </a:t>
             </a:r>
             <a:r>
@@ -14787,7 +14592,7 @@
         </p:nvSpPr>
         <p:spPr>
           <a:xfrm>
-            <a:off x="914400" y="1905000"/>
+            <a:off x="2438400" y="1905000"/>
             <a:ext cx="7200900" cy="3581400"/>
           </a:xfrm>
         </p:spPr>
@@ -14857,7 +14662,7 @@
         </p:nvSpPr>
         <p:spPr>
           <a:xfrm>
-            <a:off x="1015760" y="3429000"/>
+            <a:off x="2539760" y="3429000"/>
             <a:ext cx="3861040" cy="1447800"/>
           </a:xfrm>
           <a:prstGeom prst="rect">
@@ -14885,7 +14690,7 @@
           <a:lstStyle/>
           <a:p>
             <a:r>
-              <a:rPr lang="en-US" dirty="0" smtClean="0"/>
+              <a:rPr lang="en-US" dirty="0"/>
               <a:t>Based </a:t>
             </a:r>
             <a:r>
@@ -14903,7 +14708,7 @@
         </p:nvSpPr>
         <p:spPr>
           <a:xfrm>
-            <a:off x="5410200" y="3352800"/>
+            <a:off x="6934200" y="3352800"/>
             <a:ext cx="3048000" cy="1524000"/>
           </a:xfrm>
           <a:prstGeom prst="rect">
@@ -14931,7 +14736,7 @@
           <a:lstStyle/>
           <a:p>
             <a:r>
-              <a:rPr lang="en-US" dirty="0" smtClean="0"/>
+              <a:rPr lang="en-US" dirty="0"/>
               <a:t>The </a:t>
             </a:r>
             <a:r>
@@ -14949,7 +14754,7 @@
         </p:nvSpPr>
         <p:spPr>
           <a:xfrm>
-            <a:off x="979817" y="3002159"/>
+            <a:off x="2503817" y="3002159"/>
             <a:ext cx="1752600" cy="369332"/>
           </a:xfrm>
           <a:prstGeom prst="rect">
@@ -14964,7 +14769,7 @@
           <a:lstStyle/>
           <a:p>
             <a:r>
-              <a:rPr lang="en-US" b="1" dirty="0" smtClean="0"/>
+              <a:rPr lang="en-US" b="1" dirty="0"/>
               <a:t>Data Type</a:t>
             </a:r>
             <a:endParaRPr lang="en-US" b="1" dirty="0"/>
@@ -14979,7 +14784,7 @@
         </p:nvSpPr>
         <p:spPr>
           <a:xfrm>
-            <a:off x="5381445" y="2895600"/>
+            <a:off x="6905445" y="2895600"/>
             <a:ext cx="1752600" cy="369332"/>
           </a:xfrm>
           <a:prstGeom prst="rect">
@@ -14994,7 +14799,7 @@
           <a:lstStyle/>
           <a:p>
             <a:r>
-              <a:rPr lang="en-US" b="1" dirty="0" smtClean="0"/>
+              <a:rPr lang="en-US" b="1" dirty="0"/>
               <a:t>Data Structure</a:t>
             </a:r>
             <a:endParaRPr lang="en-US" b="1" dirty="0"/>
@@ -15009,7 +14814,7 @@
         </p:nvSpPr>
         <p:spPr>
           <a:xfrm>
-            <a:off x="1050266" y="5163234"/>
+            <a:off x="2574266" y="5163235"/>
             <a:ext cx="3162300" cy="646331"/>
           </a:xfrm>
           <a:prstGeom prst="rect">
@@ -15024,7 +14829,7 @@
           <a:lstStyle/>
           <a:p>
             <a:r>
-              <a:rPr lang="en-US" dirty="0" smtClean="0"/>
+              <a:rPr lang="en-US" dirty="0"/>
               <a:t>Logical, numeric, character, integer</a:t>
             </a:r>
             <a:endParaRPr lang="en-US" dirty="0"/>
@@ -15039,7 +14844,7 @@
         </p:nvSpPr>
         <p:spPr>
           <a:xfrm>
-            <a:off x="5381445" y="5144869"/>
+            <a:off x="6905445" y="5144870"/>
             <a:ext cx="3162300" cy="646331"/>
           </a:xfrm>
           <a:prstGeom prst="rect">
@@ -15054,7 +14859,7 @@
           <a:lstStyle/>
           <a:p>
             <a:r>
-              <a:rPr lang="en-US" dirty="0" smtClean="0"/>
+              <a:rPr lang="en-US" dirty="0"/>
               <a:t>Vector, </a:t>
             </a:r>
             <a:r>
@@ -15062,15 +14867,15 @@
               <a:t>F</a:t>
             </a:r>
             <a:r>
-              <a:rPr lang="en-US" dirty="0" smtClean="0"/>
+              <a:rPr lang="en-US" dirty="0"/>
               <a:t>actor, List, Matrix, </a:t>
             </a:r>
             <a:r>
-              <a:rPr lang="en-US" dirty="0" err="1" smtClean="0"/>
+              <a:rPr lang="en-US" dirty="0" err="1"/>
               <a:t>DataFrame</a:t>
             </a:r>
             <a:r>
-              <a:rPr lang="en-US" dirty="0" smtClean="0"/>
+              <a:rPr lang="en-US" dirty="0"/>
               <a:t> </a:t>
             </a:r>
             <a:endParaRPr lang="en-US" dirty="0"/>
@@ -15085,7 +14890,7 @@
         </p:nvSpPr>
         <p:spPr>
           <a:xfrm>
-            <a:off x="1015760" y="6172200"/>
+            <a:off x="2539760" y="6172200"/>
             <a:ext cx="7671040" cy="369332"/>
           </a:xfrm>
           <a:prstGeom prst="rect">
@@ -15100,7 +14905,7 @@
           <a:lstStyle/>
           <a:p>
             <a:r>
-              <a:rPr lang="en-GB" dirty="0" smtClean="0"/>
+              <a:rPr lang="en-GB" dirty="0"/>
               <a:t>Use assignment operator ‘&lt;- ‘ or ’=‘ to create variable</a:t>
             </a:r>
             <a:endParaRPr lang="en-GB" dirty="0"/>
@@ -15180,7 +14985,7 @@
         <p:spPr/>
         <p:txBody>
           <a:bodyPr>
-            <a:normAutofit lnSpcReduction="10000"/>
+            <a:normAutofit/>
           </a:bodyPr>
           <a:lstStyle/>
           <a:p>
@@ -15196,11 +15001,11 @@
             <a:endParaRPr lang="en-US" dirty="0"/>
           </a:p>
           <a:p>
-            <a:endParaRPr lang="en-US" sz="1600" dirty="0" smtClean="0"/>
-          </a:p>
-          <a:p>
-            <a:r>
-              <a:rPr lang="en-US" sz="1600" dirty="0" smtClean="0"/>
+            <a:endParaRPr lang="en-US" sz="1600" dirty="0"/>
+          </a:p>
+          <a:p>
+            <a:r>
+              <a:rPr lang="en-US" sz="1600" dirty="0"/>
               <a:t>Types </a:t>
             </a:r>
             <a:r>
@@ -15212,15 +15017,15 @@
               <a:t>as.logical</a:t>
             </a:r>
             <a:r>
-              <a:rPr lang="en-US" sz="1600" dirty="0" smtClean="0"/>
+              <a:rPr lang="en-US" sz="1600" dirty="0"/>
               <a:t>(), </a:t>
             </a:r>
             <a:r>
-              <a:rPr lang="en-US" sz="1600" dirty="0" err="1" smtClean="0"/>
+              <a:rPr lang="en-US" sz="1600" dirty="0" err="1"/>
               <a:t>as.numeric</a:t>
             </a:r>
             <a:r>
-              <a:rPr lang="en-US" sz="1600" dirty="0" smtClean="0"/>
+              <a:rPr lang="en-US" sz="1600" dirty="0"/>
               <a:t>(),</a:t>
             </a:r>
             <a:r>
@@ -15236,34 +15041,34 @@
               <a:t>(),</a:t>
             </a:r>
             <a:r>
-              <a:rPr lang="en-US" sz="1600" dirty="0" smtClean="0"/>
-              <a:t> </a:t>
-            </a:r>
-            <a:r>
-              <a:rPr lang="en-US" sz="1600" dirty="0" err="1" smtClean="0"/>
-              <a:t>as.character</a:t>
-            </a:r>
-            <a:r>
-              <a:rPr lang="en-US" sz="1600" dirty="0" smtClean="0"/>
-              <a:t>(),</a:t>
-            </a:r>
-            <a:r>
               <a:rPr lang="en-US" sz="1600" dirty="0"/>
               <a:t> </a:t>
             </a:r>
             <a:r>
               <a:rPr lang="en-US" sz="1600" dirty="0" err="1"/>
+              <a:t>as.character</a:t>
+            </a:r>
+            <a:r>
+              <a:rPr lang="en-US" sz="1600" dirty="0"/>
+              <a:t>(),</a:t>
+            </a:r>
+            <a:r>
+              <a:rPr lang="en-US" sz="1600" dirty="0"/>
+              <a:t> </a:t>
+            </a:r>
+            <a:r>
+              <a:rPr lang="en-US" sz="1600" dirty="0" err="1"/>
               <a:t>as.complex</a:t>
             </a:r>
             <a:r>
-              <a:rPr lang="en-US" sz="1600" dirty="0" smtClean="0"/>
+              <a:rPr lang="en-US" sz="1600" dirty="0"/>
               <a:t>()</a:t>
             </a:r>
             <a:endParaRPr lang="en-US" sz="1600" dirty="0"/>
           </a:p>
           <a:p>
             <a:r>
-              <a:rPr lang="en-US" sz="1600" dirty="0" smtClean="0"/>
+              <a:rPr lang="en-US" sz="1600" dirty="0"/>
               <a:t>You </a:t>
             </a:r>
             <a:r>
@@ -15275,15 +15080,15 @@
               <a:t>is.logical</a:t>
             </a:r>
             <a:r>
-              <a:rPr lang="en-US" sz="1600" dirty="0" smtClean="0"/>
+              <a:rPr lang="en-US" sz="1600" dirty="0"/>
               <a:t>(), </a:t>
             </a:r>
             <a:r>
-              <a:rPr lang="en-US" sz="1600" dirty="0" err="1" smtClean="0"/>
+              <a:rPr lang="en-US" sz="1600" dirty="0" err="1"/>
               <a:t>is.numeric</a:t>
             </a:r>
             <a:r>
-              <a:rPr lang="en-US" sz="1600" dirty="0" smtClean="0"/>
+              <a:rPr lang="en-US" sz="1600" dirty="0"/>
               <a:t>(),</a:t>
             </a:r>
             <a:r>
@@ -15299,15 +15104,15 @@
               <a:t>(),</a:t>
             </a:r>
             <a:r>
-              <a:rPr lang="en-US" sz="1600" dirty="0" smtClean="0"/>
+              <a:rPr lang="en-US" sz="1600" dirty="0"/>
               <a:t> </a:t>
             </a:r>
             <a:r>
-              <a:rPr lang="en-US" sz="1600" dirty="0" err="1" smtClean="0"/>
+              <a:rPr lang="en-US" sz="1600" dirty="0" err="1"/>
               <a:t>is.character</a:t>
             </a:r>
             <a:r>
-              <a:rPr lang="en-US" sz="1600" dirty="0" smtClean="0"/>
+              <a:rPr lang="en-US" sz="1600" dirty="0"/>
               <a:t>(), </a:t>
             </a:r>
             <a:r>
@@ -15315,14 +15120,14 @@
               <a:t>is.complex</a:t>
             </a:r>
             <a:r>
-              <a:rPr lang="en-US" sz="1600" dirty="0" smtClean="0"/>
+              <a:rPr lang="en-US" sz="1600" dirty="0"/>
               <a:t>()</a:t>
             </a:r>
             <a:endParaRPr lang="en-US" sz="1600" dirty="0"/>
           </a:p>
           <a:p>
             <a:r>
-              <a:rPr lang="en-US" sz="1800" dirty="0" smtClean="0"/>
+              <a:rPr lang="en-US" sz="1800" dirty="0"/>
               <a:t>To know the data type use : class()</a:t>
             </a:r>
             <a:endParaRPr lang="en-US" sz="1800" dirty="0"/>
@@ -15344,8 +15149,8 @@
           </p:nvPr>
         </p:nvGraphicFramePr>
         <p:xfrm>
-          <a:off x="1371600" y="1981200"/>
-          <a:ext cx="5410200" cy="2153920"/>
+          <a:off x="2895600" y="1981200"/>
+          <a:ext cx="5410200" cy="2743200"/>
         </p:xfrm>
         <a:graphic>
           <a:graphicData uri="http://schemas.openxmlformats.org/drawingml/2006/table">
@@ -15354,9 +15159,27 @@
                 <a:tableStyleId>{69012ECD-51FC-41F1-AA8D-1B2483CD663E}</a:tableStyleId>
               </a:tblPr>
               <a:tblGrid>
-                <a:gridCol w="1803400"/>
-                <a:gridCol w="1803400"/>
-                <a:gridCol w="1803400"/>
+                <a:gridCol w="1803400">
+                  <a:extLst>
+                    <a:ext uri="{9D8B030D-6E8A-4147-A177-3AD203B41FA5}">
+                      <a16:colId xmlns:a16="http://schemas.microsoft.com/office/drawing/2014/main" val="20000"/>
+                    </a:ext>
+                  </a:extLst>
+                </a:gridCol>
+                <a:gridCol w="1803400">
+                  <a:extLst>
+                    <a:ext uri="{9D8B030D-6E8A-4147-A177-3AD203B41FA5}">
+                      <a16:colId xmlns:a16="http://schemas.microsoft.com/office/drawing/2014/main" val="20001"/>
+                    </a:ext>
+                  </a:extLst>
+                </a:gridCol>
+                <a:gridCol w="1803400">
+                  <a:extLst>
+                    <a:ext uri="{9D8B030D-6E8A-4147-A177-3AD203B41FA5}">
+                      <a16:colId xmlns:a16="http://schemas.microsoft.com/office/drawing/2014/main" val="20002"/>
+                    </a:ext>
+                  </a:extLst>
+                </a:gridCol>
               </a:tblGrid>
               <a:tr h="330200">
                 <a:tc>
@@ -15401,6 +15224,11 @@
                   </a:txBody>
                   <a:tcPr/>
                 </a:tc>
+                <a:extLst>
+                  <a:ext uri="{0D108BD9-81ED-4DB2-BD59-A6C34878D82A}">
+                    <a16:rowId xmlns:a16="http://schemas.microsoft.com/office/drawing/2014/main" val="10000"/>
+                  </a:ext>
+                </a:extLst>
               </a:tr>
               <a:tr h="330200">
                 <a:tc>
@@ -15445,6 +15273,11 @@
                   </a:txBody>
                   <a:tcPr/>
                 </a:tc>
+                <a:extLst>
+                  <a:ext uri="{0D108BD9-81ED-4DB2-BD59-A6C34878D82A}">
+                    <a16:rowId xmlns:a16="http://schemas.microsoft.com/office/drawing/2014/main" val="10001"/>
+                  </a:ext>
+                </a:extLst>
               </a:tr>
               <a:tr h="330200">
                 <a:tc>
@@ -15489,6 +15322,11 @@
                   </a:txBody>
                   <a:tcPr/>
                 </a:tc>
+                <a:extLst>
+                  <a:ext uri="{0D108BD9-81ED-4DB2-BD59-A6C34878D82A}">
+                    <a16:rowId xmlns:a16="http://schemas.microsoft.com/office/drawing/2014/main" val="10002"/>
+                  </a:ext>
+                </a:extLst>
               </a:tr>
               <a:tr h="330200">
                 <a:tc>
@@ -15554,6 +15392,11 @@
                   </a:txBody>
                   <a:tcPr/>
                 </a:tc>
+                <a:extLst>
+                  <a:ext uri="{0D108BD9-81ED-4DB2-BD59-A6C34878D82A}">
+                    <a16:rowId xmlns:a16="http://schemas.microsoft.com/office/drawing/2014/main" val="10003"/>
+                  </a:ext>
+                </a:extLst>
               </a:tr>
               <a:tr h="330200">
                 <a:tc>
@@ -15598,6 +15441,11 @@
                   </a:txBody>
                   <a:tcPr/>
                 </a:tc>
+                <a:extLst>
+                  <a:ext uri="{0D108BD9-81ED-4DB2-BD59-A6C34878D82A}">
+                    <a16:rowId xmlns:a16="http://schemas.microsoft.com/office/drawing/2014/main" val="10004"/>
+                  </a:ext>
+                </a:extLst>
               </a:tr>
               <a:tr h="330200">
                 <a:tc>
@@ -15642,6 +15490,11 @@
                   </a:txBody>
                   <a:tcPr/>
                 </a:tc>
+                <a:extLst>
+                  <a:ext uri="{0D108BD9-81ED-4DB2-BD59-A6C34878D82A}">
+                    <a16:rowId xmlns:a16="http://schemas.microsoft.com/office/drawing/2014/main" val="10005"/>
+                  </a:ext>
+                </a:extLst>
               </a:tr>
             </a:tbl>
           </a:graphicData>
